--- a/Courses/Computer-Modeling-and-IT/Computer-Modeling-and-IT-6-Class/27-{last-number}-Python/31-Libraries/31-Libraries.pptx
+++ b/Courses/Computer-Modeling-and-IT/Computer-Modeling-and-IT-6-Class/27-{last-number}-Python/31-Libraries/31-Libraries.pptx
@@ -5,10 +5,10 @@
     <p:sldMasterId id="2147483675" r:id="rId1"/>
   </p:sldMasterIdLst>
   <p:notesMasterIdLst>
-    <p:notesMasterId r:id="rId15"/>
+    <p:notesMasterId r:id="rId18"/>
   </p:notesMasterIdLst>
   <p:handoutMasterIdLst>
-    <p:handoutMasterId r:id="rId16"/>
+    <p:handoutMasterId r:id="rId19"/>
   </p:handoutMasterIdLst>
   <p:sldIdLst>
     <p:sldId id="503" r:id="rId2"/>
@@ -21,9 +21,12 @@
     <p:sldId id="592" r:id="rId9"/>
     <p:sldId id="594" r:id="rId10"/>
     <p:sldId id="596" r:id="rId11"/>
-    <p:sldId id="586" r:id="rId12"/>
-    <p:sldId id="504" r:id="rId13"/>
-    <p:sldId id="505" r:id="rId14"/>
+    <p:sldId id="597" r:id="rId12"/>
+    <p:sldId id="598" r:id="rId13"/>
+    <p:sldId id="600" r:id="rId14"/>
+    <p:sldId id="586" r:id="rId15"/>
+    <p:sldId id="504" r:id="rId16"/>
+    <p:sldId id="505" r:id="rId17"/>
   </p:sldIdLst>
   <p:sldSz cx="12192000" cy="6858000"/>
   <p:notesSz cx="6858000" cy="9144000"/>
@@ -145,6 +148,9 @@
             <p14:sldId id="592"/>
             <p14:sldId id="594"/>
             <p14:sldId id="596"/>
+            <p14:sldId id="597"/>
+            <p14:sldId id="598"/>
+            <p14:sldId id="600"/>
           </p14:sldIdLst>
         </p14:section>
         <p14:section name="Заключение" id="{E19D07F1-86E2-47E9-B2AB-7ADC4F89DC12}">
@@ -1250,7 +1256,7 @@
             <a:fld id="{3EBA5BD7-F043-4D1B-AA17-CD412FC534DE}" type="slidenum">
               <a:rPr lang="en-US" smtClean="0"/>
               <a:pPr/>
-              <a:t>11</a:t>
+              <a:t>14</a:t>
             </a:fld>
             <a:endParaRPr lang="en-US" dirty="0"/>
           </a:p>
@@ -1441,7 +1447,7 @@
             <a:fld id="{3EBA5BD7-F043-4D1B-AA17-CD412FC534DE}" type="slidenum">
               <a:rPr lang="en-US" smtClean="0"/>
               <a:pPr/>
-              <a:t>12</a:t>
+              <a:t>15</a:t>
             </a:fld>
             <a:endParaRPr lang="en-US" dirty="0"/>
           </a:p>
@@ -1670,7 +1676,7 @@
             <a:fld id="{3EBA5BD7-F043-4D1B-AA17-CD412FC534DE}" type="slidenum">
               <a:rPr lang="en-US" smtClean="0"/>
               <a:pPr/>
-              <a:t>13</a:t>
+              <a:t>16</a:t>
             </a:fld>
             <a:endParaRPr lang="en-US" dirty="0"/>
           </a:p>
@@ -6943,7 +6949,7 @@
           <a:lstStyle/>
           <a:p>
             <a:r>
-              <a:rPr lang="bg-BG" dirty="0" smtClean="0"/>
+              <a:rPr lang="bg-BG" dirty="0"/>
               <a:t>Библиотеки</a:t>
             </a:r>
             <a:endParaRPr lang="en-US" dirty="0"/>
@@ -7037,13 +7043,6 @@
       <p:transition spd="slow" advClick="0" advTm="890"/>
     </mc:Fallback>
   </mc:AlternateContent>
-  <p:timing>
-    <p:tnLst>
-      <p:par>
-        <p:cTn id="1" dur="indefinite" restart="never" nodeType="tmRoot"/>
-      </p:par>
-    </p:tnLst>
-  </p:timing>
 </p:sld>
 </file>
 
@@ -7085,7 +7084,7 @@
           <a:lstStyle/>
           <a:p>
             <a:r>
-              <a:rPr lang="bg-BG" dirty="0" smtClean="0"/>
+              <a:rPr lang="bg-BG" dirty="0"/>
               <a:t>Библиотека за време</a:t>
             </a:r>
             <a:endParaRPr lang="en-US" dirty="0"/>
@@ -7113,10 +7112,9 @@
           <a:lstStyle/>
           <a:p>
             <a:r>
-              <a:rPr lang="en-US" dirty="0" smtClean="0"/>
+              <a:rPr lang="en-US" dirty="0"/>
               <a:t>time</a:t>
             </a:r>
-            <a:endParaRPr lang="en-US" dirty="0"/>
           </a:p>
         </p:txBody>
       </p:sp>
@@ -7181,17 +7179,1851 @@
       <p:transition spd="slow" advClick="0" advTm="5000"/>
     </mc:Fallback>
   </mc:AlternateContent>
+</p:sld>
+</file>
+
+<file path=ppt/slides/slide11.xml><?xml version="1.0" encoding="utf-8"?>
+<p:sld xmlns:a="http://schemas.openxmlformats.org/drawingml/2006/main" xmlns:r="http://schemas.openxmlformats.org/officeDocument/2006/relationships" xmlns:p="http://schemas.openxmlformats.org/presentationml/2006/main">
+  <p:cSld>
+    <p:spTree>
+      <p:nvGrpSpPr>
+        <p:cNvPr id="1" name="">
+          <a:extLst>
+            <a:ext uri="{FF2B5EF4-FFF2-40B4-BE49-F238E27FC236}">
+              <a16:creationId xmlns:a16="http://schemas.microsoft.com/office/drawing/2014/main" id="{AA8F1F73-E06B-1414-8333-8438BDD27C3E}"/>
+            </a:ext>
+          </a:extLst>
+        </p:cNvPr>
+        <p:cNvGrpSpPr/>
+        <p:nvPr/>
+      </p:nvGrpSpPr>
+      <p:grpSpPr>
+        <a:xfrm>
+          <a:off x="0" y="0"/>
+          <a:ext cx="0" cy="0"/>
+          <a:chOff x="0" y="0"/>
+          <a:chExt cx="0" cy="0"/>
+        </a:xfrm>
+      </p:grpSpPr>
+      <p:sp>
+        <p:nvSpPr>
+          <p:cNvPr id="7" name="Text Placeholder 6">
+            <a:extLst>
+              <a:ext uri="{FF2B5EF4-FFF2-40B4-BE49-F238E27FC236}">
+                <a16:creationId xmlns:a16="http://schemas.microsoft.com/office/drawing/2014/main" id="{35110DDD-AC84-9C98-9AF9-8F663569FE04}"/>
+              </a:ext>
+            </a:extLst>
+          </p:cNvPr>
+          <p:cNvSpPr>
+            <a:spLocks noGrp="1"/>
+          </p:cNvSpPr>
+          <p:nvPr>
+            <p:ph type="body" sz="quarter" idx="10"/>
+          </p:nvPr>
+        </p:nvSpPr>
+        <p:spPr/>
+        <p:txBody>
+          <a:bodyPr>
+            <a:normAutofit/>
+          </a:bodyPr>
+          <a:lstStyle/>
+          <a:p>
+            <a:pPr>
+              <a:spcAft>
+                <a:spcPts val="4200"/>
+              </a:spcAft>
+              <a:buClr>
+                <a:schemeClr val="tx1"/>
+              </a:buClr>
+            </a:pPr>
+            <a:r>
+              <a:rPr lang="en-US" b="1" dirty="0">
+                <a:solidFill>
+                  <a:schemeClr val="bg1"/>
+                </a:solidFill>
+              </a:rPr>
+              <a:t>sleep()</a:t>
+            </a:r>
+            <a:r>
+              <a:rPr lang="en-US" b="1" dirty="0">
+                <a:solidFill>
+                  <a:schemeClr val="accent4"/>
+                </a:solidFill>
+              </a:rPr>
+              <a:t> </a:t>
+            </a:r>
+            <a:r>
+              <a:rPr lang="en-US" b="1" dirty="0"/>
+              <a:t>– </a:t>
+            </a:r>
+            <a:r>
+              <a:rPr lang="bg-BG" sz="3400" b="1" dirty="0"/>
+              <a:t>с</a:t>
+            </a:r>
+            <a:r>
+              <a:rPr lang="ru-RU" sz="3400" b="1" dirty="0"/>
+              <a:t>пира програмата </a:t>
+            </a:r>
+            <a:r>
+              <a:rPr lang="ru-RU" sz="3400" dirty="0"/>
+              <a:t>за определен период от време</a:t>
+            </a:r>
+            <a:endParaRPr lang="en-US" sz="3400" dirty="0">
+              <a:solidFill>
+                <a:schemeClr val="accent4"/>
+              </a:solidFill>
+            </a:endParaRPr>
+          </a:p>
+          <a:p>
+            <a:endParaRPr lang="en-US" sz="3400" b="1" dirty="0">
+              <a:solidFill>
+                <a:schemeClr val="accent4"/>
+              </a:solidFill>
+            </a:endParaRPr>
+          </a:p>
+          <a:p>
+            <a:pPr marL="0" indent="0">
+              <a:buNone/>
+            </a:pPr>
+            <a:endParaRPr lang="en-US" sz="3400" b="1" dirty="0">
+              <a:solidFill>
+                <a:schemeClr val="accent4"/>
+              </a:solidFill>
+            </a:endParaRPr>
+          </a:p>
+          <a:p>
+            <a:pPr>
+              <a:buClr>
+                <a:schemeClr val="tx1"/>
+              </a:buClr>
+            </a:pPr>
+            <a:r>
+              <a:rPr lang="sv-SE" sz="3400" b="1" dirty="0">
+                <a:solidFill>
+                  <a:schemeClr val="bg1"/>
+                </a:solidFill>
+              </a:rPr>
+              <a:t>ctime()</a:t>
+            </a:r>
+            <a:r>
+              <a:rPr lang="sv-SE" sz="3400" b="1" dirty="0">
+                <a:solidFill>
+                  <a:schemeClr val="accent4"/>
+                </a:solidFill>
+              </a:rPr>
+              <a:t> </a:t>
+            </a:r>
+            <a:r>
+              <a:rPr lang="bg-BG" sz="3400" b="1" dirty="0"/>
+              <a:t>– получаване </a:t>
+            </a:r>
+            <a:r>
+              <a:rPr lang="bg-BG" sz="3400" dirty="0"/>
+              <a:t>на</a:t>
+            </a:r>
+            <a:r>
+              <a:rPr lang="bg-BG" sz="3400" b="1" dirty="0"/>
+              <a:t> текущо време</a:t>
+            </a:r>
+            <a:endParaRPr lang="bg-BG" sz="3400" dirty="0">
+              <a:solidFill>
+                <a:schemeClr val="accent4"/>
+              </a:solidFill>
+            </a:endParaRPr>
+          </a:p>
+          <a:p>
+            <a:endParaRPr lang="en-US" sz="3400" b="1" dirty="0"/>
+          </a:p>
+        </p:txBody>
+      </p:sp>
+      <p:sp>
+        <p:nvSpPr>
+          <p:cNvPr id="4" name="Title 3">
+            <a:extLst>
+              <a:ext uri="{FF2B5EF4-FFF2-40B4-BE49-F238E27FC236}">
+                <a16:creationId xmlns:a16="http://schemas.microsoft.com/office/drawing/2014/main" id="{90EE9685-A110-B8D2-1F96-07F266C1587F}"/>
+              </a:ext>
+            </a:extLst>
+          </p:cNvPr>
+          <p:cNvSpPr>
+            <a:spLocks noGrp="1"/>
+          </p:cNvSpPr>
+          <p:nvPr>
+            <p:ph type="title"/>
+          </p:nvPr>
+        </p:nvSpPr>
+        <p:spPr/>
+        <p:txBody>
+          <a:bodyPr/>
+          <a:lstStyle/>
+          <a:p>
+            <a:r>
+              <a:rPr lang="bg-BG" dirty="0"/>
+              <a:t>Команди от библиотеката </a:t>
+            </a:r>
+            <a:r>
+              <a:rPr lang="en-US" dirty="0"/>
+              <a:t>time</a:t>
+            </a:r>
+          </a:p>
+        </p:txBody>
+      </p:sp>
+      <p:sp>
+        <p:nvSpPr>
+          <p:cNvPr id="8" name="TextBox 7">
+            <a:extLst>
+              <a:ext uri="{FF2B5EF4-FFF2-40B4-BE49-F238E27FC236}">
+                <a16:creationId xmlns:a16="http://schemas.microsoft.com/office/drawing/2014/main" id="{FD9E0EFB-769C-F257-80B5-6B73C4F8EE25}"/>
+              </a:ext>
+            </a:extLst>
+          </p:cNvPr>
+          <p:cNvSpPr txBox="1"/>
+          <p:nvPr/>
+        </p:nvSpPr>
+        <p:spPr>
+          <a:xfrm>
+            <a:off x="693900" y="1973207"/>
+            <a:ext cx="7110000" cy="1590793"/>
+          </a:xfrm>
+          <a:prstGeom prst="rect">
+            <a:avLst/>
+          </a:prstGeom>
+          <a:solidFill>
+            <a:schemeClr val="accent6">
+              <a:lumMod val="75000"/>
+              <a:alpha val="15000"/>
+            </a:schemeClr>
+          </a:solidFill>
+          <a:ln w="12700">
+            <a:solidFill>
+              <a:schemeClr val="tx1">
+                <a:lumMod val="75000"/>
+              </a:schemeClr>
+            </a:solidFill>
+          </a:ln>
+        </p:spPr>
+        <p:txBody>
+          <a:bodyPr vert="horz" wrap="square" lIns="144000" tIns="108000" rIns="144000" bIns="108000" rtlCol="0">
+            <a:spAutoFit/>
+          </a:bodyPr>
+          <a:lstStyle/>
+          <a:p>
+            <a:pPr eaLnBrk="0" hangingPunct="0">
+              <a:lnSpc>
+                <a:spcPct val="110000"/>
+              </a:lnSpc>
+              <a:spcAft>
+                <a:spcPts val="1200"/>
+              </a:spcAft>
+              <a:buClr>
+                <a:schemeClr val="accent5">
+                  <a:lumMod val="40000"/>
+                  <a:lumOff val="60000"/>
+                </a:schemeClr>
+              </a:buClr>
+              <a:buSzPct val="70000"/>
+            </a:pPr>
+            <a:r>
+              <a:rPr lang="en-US" sz="2400" b="1" dirty="0">
+                <a:latin typeface="Consolas" panose="020B0609020204030204" pitchFamily="49" charset="0"/>
+              </a:rPr>
+              <a:t>import </a:t>
+            </a:r>
+            <a:r>
+              <a:rPr lang="en-US" sz="2400" b="1" dirty="0">
+                <a:solidFill>
+                  <a:schemeClr val="accent4"/>
+                </a:solidFill>
+                <a:latin typeface="Consolas" panose="020B0609020204030204" pitchFamily="49" charset="0"/>
+              </a:rPr>
+              <a:t>time</a:t>
+            </a:r>
+            <a:endParaRPr lang="bg-BG" sz="2400" b="1" dirty="0">
+              <a:solidFill>
+                <a:schemeClr val="accent4"/>
+              </a:solidFill>
+              <a:latin typeface="Consolas" panose="020B0609020204030204" pitchFamily="49" charset="0"/>
+            </a:endParaRPr>
+          </a:p>
+          <a:p>
+            <a:pPr eaLnBrk="0" hangingPunct="0">
+              <a:lnSpc>
+                <a:spcPct val="110000"/>
+              </a:lnSpc>
+              <a:buClr>
+                <a:schemeClr val="accent5">
+                  <a:lumMod val="40000"/>
+                  <a:lumOff val="60000"/>
+                </a:schemeClr>
+              </a:buClr>
+              <a:buSzPct val="70000"/>
+            </a:pPr>
+            <a:r>
+              <a:rPr lang="ru-RU" sz="2400" b="1" dirty="0">
+                <a:solidFill>
+                  <a:schemeClr val="accent4"/>
+                </a:solidFill>
+                <a:latin typeface="Consolas" panose="020B0609020204030204" pitchFamily="49" charset="0"/>
+              </a:rPr>
+              <a:t>time</a:t>
+            </a:r>
+            <a:r>
+              <a:rPr lang="ru-RU" sz="2400" b="1" dirty="0">
+                <a:latin typeface="Consolas" panose="020B0609020204030204" pitchFamily="49" charset="0"/>
+              </a:rPr>
+              <a:t>.</a:t>
+            </a:r>
+            <a:r>
+              <a:rPr lang="ru-RU" sz="2400" b="1" dirty="0">
+                <a:solidFill>
+                  <a:schemeClr val="bg1"/>
+                </a:solidFill>
+                <a:latin typeface="Consolas" panose="020B0609020204030204" pitchFamily="49" charset="0"/>
+              </a:rPr>
+              <a:t>sleep(</a:t>
+            </a:r>
+            <a:r>
+              <a:rPr lang="ru-RU" sz="2400" b="1" dirty="0">
+                <a:latin typeface="Consolas" panose="020B0609020204030204" pitchFamily="49" charset="0"/>
+              </a:rPr>
+              <a:t>2</a:t>
+            </a:r>
+            <a:r>
+              <a:rPr lang="en-GB" sz="2400" b="1" dirty="0">
+                <a:solidFill>
+                  <a:schemeClr val="bg1"/>
+                </a:solidFill>
+                <a:latin typeface="Consolas" panose="020B0609020204030204" pitchFamily="49" charset="0"/>
+              </a:rPr>
+              <a:t>)</a:t>
+            </a:r>
+            <a:endParaRPr lang="ru-RU" sz="2400" b="1" dirty="0">
+              <a:solidFill>
+                <a:schemeClr val="bg1"/>
+              </a:solidFill>
+              <a:latin typeface="Consolas" panose="020B0609020204030204" pitchFamily="49" charset="0"/>
+            </a:endParaRPr>
+          </a:p>
+          <a:p>
+            <a:pPr eaLnBrk="0" hangingPunct="0">
+              <a:lnSpc>
+                <a:spcPct val="110000"/>
+              </a:lnSpc>
+              <a:buClr>
+                <a:schemeClr val="accent5">
+                  <a:lumMod val="40000"/>
+                  <a:lumOff val="60000"/>
+                </a:schemeClr>
+              </a:buClr>
+              <a:buSzPct val="70000"/>
+            </a:pPr>
+            <a:r>
+              <a:rPr lang="ru-RU" sz="2400" b="1" dirty="0">
+                <a:latin typeface="Consolas" panose="020B0609020204030204" pitchFamily="49" charset="0"/>
+              </a:rPr>
+              <a:t>print("Това се показва след 2 секунди.")</a:t>
+            </a:r>
+            <a:endParaRPr lang="en-US" sz="2400" b="1" dirty="0">
+              <a:latin typeface="Consolas" panose="020B0609020204030204" pitchFamily="49" charset="0"/>
+            </a:endParaRPr>
+          </a:p>
+        </p:txBody>
+      </p:sp>
+      <p:sp>
+        <p:nvSpPr>
+          <p:cNvPr id="9" name="TextBox 8">
+            <a:extLst>
+              <a:ext uri="{FF2B5EF4-FFF2-40B4-BE49-F238E27FC236}">
+                <a16:creationId xmlns:a16="http://schemas.microsoft.com/office/drawing/2014/main" id="{AF847421-8D30-B3D2-3F26-4556D3DD04AF}"/>
+              </a:ext>
+            </a:extLst>
+          </p:cNvPr>
+          <p:cNvSpPr txBox="1"/>
+          <p:nvPr/>
+        </p:nvSpPr>
+        <p:spPr>
+          <a:xfrm>
+            <a:off x="693900" y="4509000"/>
+            <a:ext cx="7110000" cy="1590793"/>
+          </a:xfrm>
+          <a:prstGeom prst="rect">
+            <a:avLst/>
+          </a:prstGeom>
+          <a:solidFill>
+            <a:schemeClr val="accent6">
+              <a:lumMod val="75000"/>
+              <a:alpha val="15000"/>
+            </a:schemeClr>
+          </a:solidFill>
+          <a:ln w="12700">
+            <a:solidFill>
+              <a:schemeClr val="tx1">
+                <a:lumMod val="75000"/>
+              </a:schemeClr>
+            </a:solidFill>
+          </a:ln>
+        </p:spPr>
+        <p:txBody>
+          <a:bodyPr vert="horz" wrap="square" lIns="144000" tIns="108000" rIns="144000" bIns="108000" rtlCol="0">
+            <a:spAutoFit/>
+          </a:bodyPr>
+          <a:lstStyle/>
+          <a:p>
+            <a:pPr eaLnBrk="0" hangingPunct="0">
+              <a:lnSpc>
+                <a:spcPct val="110000"/>
+              </a:lnSpc>
+              <a:spcAft>
+                <a:spcPts val="1200"/>
+              </a:spcAft>
+              <a:buClr>
+                <a:schemeClr val="accent5">
+                  <a:lumMod val="40000"/>
+                  <a:lumOff val="60000"/>
+                </a:schemeClr>
+              </a:buClr>
+              <a:buSzPct val="70000"/>
+            </a:pPr>
+            <a:r>
+              <a:rPr lang="en-US" sz="2400" b="1" dirty="0">
+                <a:latin typeface="Consolas" panose="020B0609020204030204" pitchFamily="49" charset="0"/>
+              </a:rPr>
+              <a:t>import </a:t>
+            </a:r>
+            <a:r>
+              <a:rPr lang="en-US" sz="2400" b="1" dirty="0">
+                <a:solidFill>
+                  <a:schemeClr val="accent4"/>
+                </a:solidFill>
+                <a:latin typeface="Consolas" panose="020B0609020204030204" pitchFamily="49" charset="0"/>
+              </a:rPr>
+              <a:t>time</a:t>
+            </a:r>
+            <a:endParaRPr lang="bg-BG" sz="2400" b="1" dirty="0">
+              <a:solidFill>
+                <a:schemeClr val="accent4"/>
+              </a:solidFill>
+              <a:latin typeface="Consolas" panose="020B0609020204030204" pitchFamily="49" charset="0"/>
+            </a:endParaRPr>
+          </a:p>
+          <a:p>
+            <a:pPr eaLnBrk="0" hangingPunct="0">
+              <a:lnSpc>
+                <a:spcPct val="110000"/>
+              </a:lnSpc>
+              <a:buClr>
+                <a:schemeClr val="accent5">
+                  <a:lumMod val="40000"/>
+                  <a:lumOff val="60000"/>
+                </a:schemeClr>
+              </a:buClr>
+              <a:buSzPct val="70000"/>
+            </a:pPr>
+            <a:r>
+              <a:rPr lang="en-GB" sz="2400" b="1" dirty="0">
+                <a:latin typeface="Consolas" panose="020B0609020204030204" pitchFamily="49" charset="0"/>
+              </a:rPr>
+              <a:t>current_time = </a:t>
+            </a:r>
+            <a:r>
+              <a:rPr lang="en-US" sz="2400" b="1" dirty="0">
+                <a:solidFill>
+                  <a:schemeClr val="accent4"/>
+                </a:solidFill>
+                <a:latin typeface="Consolas" panose="020B0609020204030204" pitchFamily="49" charset="0"/>
+              </a:rPr>
+              <a:t>time</a:t>
+            </a:r>
+            <a:r>
+              <a:rPr lang="en-GB" sz="2400" b="1" dirty="0">
+                <a:latin typeface="Consolas" panose="020B0609020204030204" pitchFamily="49" charset="0"/>
+              </a:rPr>
+              <a:t>.</a:t>
+            </a:r>
+            <a:r>
+              <a:rPr lang="en-GB" sz="2400" b="1" dirty="0">
+                <a:solidFill>
+                  <a:schemeClr val="bg1"/>
+                </a:solidFill>
+                <a:latin typeface="Consolas" panose="020B0609020204030204" pitchFamily="49" charset="0"/>
+              </a:rPr>
+              <a:t>ctime()</a:t>
+            </a:r>
+          </a:p>
+          <a:p>
+            <a:pPr eaLnBrk="0" hangingPunct="0">
+              <a:lnSpc>
+                <a:spcPct val="110000"/>
+              </a:lnSpc>
+              <a:buClr>
+                <a:schemeClr val="accent5">
+                  <a:lumMod val="40000"/>
+                  <a:lumOff val="60000"/>
+                </a:schemeClr>
+              </a:buClr>
+              <a:buSzPct val="70000"/>
+            </a:pPr>
+            <a:r>
+              <a:rPr lang="en-GB" sz="2400" b="1" dirty="0">
+                <a:latin typeface="Consolas" panose="020B0609020204030204" pitchFamily="49" charset="0"/>
+              </a:rPr>
+              <a:t>print(current_time)</a:t>
+            </a:r>
+            <a:endParaRPr lang="sv-SE" sz="2400" b="1" dirty="0">
+              <a:latin typeface="Consolas" panose="020B0609020204030204" pitchFamily="49" charset="0"/>
+            </a:endParaRPr>
+          </a:p>
+        </p:txBody>
+      </p:sp>
+      <p:pic>
+        <p:nvPicPr>
+          <p:cNvPr id="6" name="Picture 5" descr="A yellow rectangular object with black text">
+            <a:extLst>
+              <a:ext uri="{FF2B5EF4-FFF2-40B4-BE49-F238E27FC236}">
+                <a16:creationId xmlns:a16="http://schemas.microsoft.com/office/drawing/2014/main" id="{28C0BD9F-C1C7-DFE5-4DBE-6EA24F73CD4A}"/>
+              </a:ext>
+            </a:extLst>
+          </p:cNvPr>
+          <p:cNvPicPr>
+            <a:picLocks noChangeAspect="1"/>
+          </p:cNvPicPr>
+          <p:nvPr/>
+        </p:nvPicPr>
+        <p:blipFill>
+          <a:blip r:embed="rId2">
+            <a:extLst>
+              <a:ext uri="{28A0092B-C50C-407E-A947-70E740481C1C}">
+                <a14:useLocalDpi xmlns:a14="http://schemas.microsoft.com/office/drawing/2010/main" val="0"/>
+              </a:ext>
+            </a:extLst>
+          </a:blip>
+          <a:srcRect b="7084"/>
+          <a:stretch/>
+        </p:blipFill>
+        <p:spPr>
+          <a:xfrm>
+            <a:off x="8725788" y="2105559"/>
+            <a:ext cx="3106224" cy="1326087"/>
+          </a:xfrm>
+          <a:prstGeom prst="rect">
+            <a:avLst/>
+          </a:prstGeom>
+        </p:spPr>
+      </p:pic>
+      <p:sp>
+        <p:nvSpPr>
+          <p:cNvPr id="12" name="Equal 7">
+            <a:extLst>
+              <a:ext uri="{FF2B5EF4-FFF2-40B4-BE49-F238E27FC236}">
+                <a16:creationId xmlns:a16="http://schemas.microsoft.com/office/drawing/2014/main" id="{392EDD2F-996C-5560-38BD-732A248E25E4}"/>
+              </a:ext>
+            </a:extLst>
+          </p:cNvPr>
+          <p:cNvSpPr/>
+          <p:nvPr/>
+        </p:nvSpPr>
+        <p:spPr bwMode="auto">
+          <a:xfrm>
+            <a:off x="7896000" y="2498603"/>
+            <a:ext cx="900000" cy="540000"/>
+          </a:xfrm>
+          <a:prstGeom prst="mathEqual">
+            <a:avLst/>
+          </a:prstGeom>
+          <a:solidFill>
+            <a:schemeClr val="dk2">
+              <a:alpha val="80000"/>
+            </a:schemeClr>
+          </a:solidFill>
+          <a:ln w="19050">
+            <a:solidFill>
+              <a:schemeClr val="tx1">
+                <a:lumMod val="75000"/>
+                <a:alpha val="80000"/>
+              </a:schemeClr>
+            </a:solidFill>
+          </a:ln>
+          <a:effectLst/>
+        </p:spPr>
+        <p:style>
+          <a:lnRef idx="2">
+            <a:schemeClr val="accent1">
+              <a:shade val="50000"/>
+            </a:schemeClr>
+          </a:lnRef>
+          <a:fillRef idx="1001">
+            <a:schemeClr val="dk2"/>
+          </a:fillRef>
+          <a:effectRef idx="0">
+            <a:schemeClr val="accent1"/>
+          </a:effectRef>
+          <a:fontRef idx="minor">
+            <a:schemeClr val="lt1"/>
+          </a:fontRef>
+        </p:style>
+        <p:txBody>
+          <a:bodyPr rot="0" spcFirstLastPara="0" vertOverflow="overflow" horzOverflow="overflow" vert="horz" wrap="square" lIns="91440" tIns="45720" rIns="91440" bIns="45720" numCol="1" spcCol="0" rtlCol="0" fromWordArt="0" anchor="ctr" anchorCtr="0" forceAA="0" compatLnSpc="1">
+            <a:prstTxWarp prst="textNoShape">
+              <a:avLst/>
+            </a:prstTxWarp>
+            <a:noAutofit/>
+          </a:bodyPr>
+          <a:lstStyle/>
+          <a:p>
+            <a:pPr algn="ctr"/>
+            <a:endParaRPr lang="en-US" sz="2800" b="1" dirty="0">
+              <a:solidFill>
+                <a:srgbClr val="FFFFFF"/>
+              </a:solidFill>
+              <a:effectLst>
+                <a:outerShdw blurRad="38100" dist="38100" dir="2700000" algn="tl">
+                  <a:srgbClr val="000000">
+                    <a:alpha val="43137"/>
+                  </a:srgbClr>
+                </a:outerShdw>
+              </a:effectLst>
+            </a:endParaRPr>
+          </a:p>
+        </p:txBody>
+      </p:sp>
+    </p:spTree>
+    <p:extLst>
+      <p:ext uri="{BB962C8B-B14F-4D97-AF65-F5344CB8AC3E}">
+        <p14:creationId xmlns:p14="http://schemas.microsoft.com/office/powerpoint/2010/main" val="4071484332"/>
+      </p:ext>
+    </p:extLst>
+  </p:cSld>
+  <p:clrMapOvr>
+    <a:masterClrMapping/>
+  </p:clrMapOvr>
+  <mc:AlternateContent xmlns:mc="http://schemas.openxmlformats.org/markup-compatibility/2006" xmlns:p14="http://schemas.microsoft.com/office/powerpoint/2010/main">
+    <mc:Choice Requires="p14">
+      <p:transition spd="slow" p14:dur="2000" advClick="0" advTm="5000"/>
+    </mc:Choice>
+    <mc:Fallback xmlns="">
+      <p:transition spd="slow" advClick="0" advTm="5000"/>
+    </mc:Fallback>
+  </mc:AlternateContent>
   <p:timing>
     <p:tnLst>
       <p:par>
-        <p:cTn id="1" dur="indefinite" restart="never" nodeType="tmRoot"/>
+        <p:cTn id="1" dur="indefinite" restart="never" nodeType="tmRoot">
+          <p:childTnLst>
+            <p:seq concurrent="1" nextAc="seek">
+              <p:cTn id="2" dur="indefinite" nodeType="mainSeq">
+                <p:childTnLst>
+                  <p:par>
+                    <p:cTn id="3" fill="hold">
+                      <p:stCondLst>
+                        <p:cond delay="indefinite"/>
+                      </p:stCondLst>
+                      <p:childTnLst>
+                        <p:par>
+                          <p:cTn id="4" fill="hold">
+                            <p:stCondLst>
+                              <p:cond delay="0"/>
+                            </p:stCondLst>
+                            <p:childTnLst>
+                              <p:par>
+                                <p:cTn id="5" presetID="1" presetClass="entr" presetSubtype="0" fill="hold" grpId="0" nodeType="clickEffect">
+                                  <p:stCondLst>
+                                    <p:cond delay="0"/>
+                                  </p:stCondLst>
+                                  <p:childTnLst>
+                                    <p:set>
+                                      <p:cBhvr>
+                                        <p:cTn id="6" dur="1" fill="hold">
+                                          <p:stCondLst>
+                                            <p:cond delay="0"/>
+                                          </p:stCondLst>
+                                        </p:cTn>
+                                        <p:tgtEl>
+                                          <p:spTgt spid="8"/>
+                                        </p:tgtEl>
+                                        <p:attrNameLst>
+                                          <p:attrName>style.visibility</p:attrName>
+                                        </p:attrNameLst>
+                                      </p:cBhvr>
+                                      <p:to>
+                                        <p:strVal val="visible"/>
+                                      </p:to>
+                                    </p:set>
+                                  </p:childTnLst>
+                                </p:cTn>
+                              </p:par>
+                            </p:childTnLst>
+                          </p:cTn>
+                        </p:par>
+                      </p:childTnLst>
+                    </p:cTn>
+                  </p:par>
+                  <p:par>
+                    <p:cTn id="7" fill="hold">
+                      <p:stCondLst>
+                        <p:cond delay="indefinite"/>
+                      </p:stCondLst>
+                      <p:childTnLst>
+                        <p:par>
+                          <p:cTn id="8" fill="hold">
+                            <p:stCondLst>
+                              <p:cond delay="0"/>
+                            </p:stCondLst>
+                            <p:childTnLst>
+                              <p:par>
+                                <p:cTn id="9" presetID="1" presetClass="entr" presetSubtype="0" fill="hold" grpId="0" nodeType="clickEffect">
+                                  <p:stCondLst>
+                                    <p:cond delay="0"/>
+                                  </p:stCondLst>
+                                  <p:childTnLst>
+                                    <p:set>
+                                      <p:cBhvr>
+                                        <p:cTn id="10" dur="1" fill="hold">
+                                          <p:stCondLst>
+                                            <p:cond delay="0"/>
+                                          </p:stCondLst>
+                                        </p:cTn>
+                                        <p:tgtEl>
+                                          <p:spTgt spid="12"/>
+                                        </p:tgtEl>
+                                        <p:attrNameLst>
+                                          <p:attrName>style.visibility</p:attrName>
+                                        </p:attrNameLst>
+                                      </p:cBhvr>
+                                      <p:to>
+                                        <p:strVal val="visible"/>
+                                      </p:to>
+                                    </p:set>
+                                  </p:childTnLst>
+                                </p:cTn>
+                              </p:par>
+                            </p:childTnLst>
+                          </p:cTn>
+                        </p:par>
+                      </p:childTnLst>
+                    </p:cTn>
+                  </p:par>
+                  <p:par>
+                    <p:cTn id="11" fill="hold">
+                      <p:stCondLst>
+                        <p:cond delay="indefinite"/>
+                      </p:stCondLst>
+                      <p:childTnLst>
+                        <p:par>
+                          <p:cTn id="12" fill="hold">
+                            <p:stCondLst>
+                              <p:cond delay="0"/>
+                            </p:stCondLst>
+                            <p:childTnLst>
+                              <p:par>
+                                <p:cTn id="13" presetID="1" presetClass="entr" presetSubtype="0" fill="hold" nodeType="clickEffect">
+                                  <p:stCondLst>
+                                    <p:cond delay="0"/>
+                                  </p:stCondLst>
+                                  <p:childTnLst>
+                                    <p:set>
+                                      <p:cBhvr>
+                                        <p:cTn id="14" dur="1" fill="hold">
+                                          <p:stCondLst>
+                                            <p:cond delay="0"/>
+                                          </p:stCondLst>
+                                        </p:cTn>
+                                        <p:tgtEl>
+                                          <p:spTgt spid="6"/>
+                                        </p:tgtEl>
+                                        <p:attrNameLst>
+                                          <p:attrName>style.visibility</p:attrName>
+                                        </p:attrNameLst>
+                                      </p:cBhvr>
+                                      <p:to>
+                                        <p:strVal val="visible"/>
+                                      </p:to>
+                                    </p:set>
+                                  </p:childTnLst>
+                                </p:cTn>
+                              </p:par>
+                            </p:childTnLst>
+                          </p:cTn>
+                        </p:par>
+                      </p:childTnLst>
+                    </p:cTn>
+                  </p:par>
+                  <p:par>
+                    <p:cTn id="15" fill="hold">
+                      <p:stCondLst>
+                        <p:cond delay="indefinite"/>
+                      </p:stCondLst>
+                      <p:childTnLst>
+                        <p:par>
+                          <p:cTn id="16" fill="hold">
+                            <p:stCondLst>
+                              <p:cond delay="0"/>
+                            </p:stCondLst>
+                            <p:childTnLst>
+                              <p:par>
+                                <p:cTn id="17" presetID="1" presetClass="entr" presetSubtype="0" fill="hold" nodeType="clickEffect">
+                                  <p:stCondLst>
+                                    <p:cond delay="0"/>
+                                  </p:stCondLst>
+                                  <p:childTnLst>
+                                    <p:set>
+                                      <p:cBhvr>
+                                        <p:cTn id="18" dur="1" fill="hold">
+                                          <p:stCondLst>
+                                            <p:cond delay="0"/>
+                                          </p:stCondLst>
+                                        </p:cTn>
+                                        <p:tgtEl>
+                                          <p:spTgt spid="7">
+                                            <p:txEl>
+                                              <p:pRg st="3" end="3"/>
+                                            </p:txEl>
+                                          </p:spTgt>
+                                        </p:tgtEl>
+                                        <p:attrNameLst>
+                                          <p:attrName>style.visibility</p:attrName>
+                                        </p:attrNameLst>
+                                      </p:cBhvr>
+                                      <p:to>
+                                        <p:strVal val="visible"/>
+                                      </p:to>
+                                    </p:set>
+                                  </p:childTnLst>
+                                </p:cTn>
+                              </p:par>
+                            </p:childTnLst>
+                          </p:cTn>
+                        </p:par>
+                      </p:childTnLst>
+                    </p:cTn>
+                  </p:par>
+                  <p:par>
+                    <p:cTn id="19" fill="hold">
+                      <p:stCondLst>
+                        <p:cond delay="indefinite"/>
+                      </p:stCondLst>
+                      <p:childTnLst>
+                        <p:par>
+                          <p:cTn id="20" fill="hold">
+                            <p:stCondLst>
+                              <p:cond delay="0"/>
+                            </p:stCondLst>
+                            <p:childTnLst>
+                              <p:par>
+                                <p:cTn id="21" presetID="1" presetClass="entr" presetSubtype="0" fill="hold" grpId="0" nodeType="clickEffect">
+                                  <p:stCondLst>
+                                    <p:cond delay="0"/>
+                                  </p:stCondLst>
+                                  <p:childTnLst>
+                                    <p:set>
+                                      <p:cBhvr>
+                                        <p:cTn id="22" dur="1" fill="hold">
+                                          <p:stCondLst>
+                                            <p:cond delay="0"/>
+                                          </p:stCondLst>
+                                        </p:cTn>
+                                        <p:tgtEl>
+                                          <p:spTgt spid="9"/>
+                                        </p:tgtEl>
+                                        <p:attrNameLst>
+                                          <p:attrName>style.visibility</p:attrName>
+                                        </p:attrNameLst>
+                                      </p:cBhvr>
+                                      <p:to>
+                                        <p:strVal val="visible"/>
+                                      </p:to>
+                                    </p:set>
+                                  </p:childTnLst>
+                                </p:cTn>
+                              </p:par>
+                            </p:childTnLst>
+                          </p:cTn>
+                        </p:par>
+                      </p:childTnLst>
+                    </p:cTn>
+                  </p:par>
+                </p:childTnLst>
+              </p:cTn>
+              <p:prevCondLst>
+                <p:cond evt="onPrev" delay="0">
+                  <p:tgtEl>
+                    <p:sldTgt/>
+                  </p:tgtEl>
+                </p:cond>
+              </p:prevCondLst>
+              <p:nextCondLst>
+                <p:cond evt="onNext" delay="0">
+                  <p:tgtEl>
+                    <p:sldTgt/>
+                  </p:tgtEl>
+                </p:cond>
+              </p:nextCondLst>
+            </p:seq>
+          </p:childTnLst>
+        </p:cTn>
+      </p:par>
+    </p:tnLst>
+    <p:bldLst>
+      <p:bldP spid="8" grpId="0" animBg="1"/>
+      <p:bldP spid="9" grpId="0" animBg="1"/>
+      <p:bldP spid="12" grpId="0" animBg="1"/>
+    </p:bldLst>
+  </p:timing>
+</p:sld>
+</file>
+
+<file path=ppt/slides/slide12.xml><?xml version="1.0" encoding="utf-8"?>
+<p:sld xmlns:a="http://schemas.openxmlformats.org/drawingml/2006/main" xmlns:r="http://schemas.openxmlformats.org/officeDocument/2006/relationships" xmlns:p="http://schemas.openxmlformats.org/presentationml/2006/main">
+  <p:cSld>
+    <p:spTree>
+      <p:nvGrpSpPr>
+        <p:cNvPr id="1" name="">
+          <a:extLst>
+            <a:ext uri="{FF2B5EF4-FFF2-40B4-BE49-F238E27FC236}">
+              <a16:creationId xmlns:a16="http://schemas.microsoft.com/office/drawing/2014/main" id="{627969DE-27C6-60E1-C2E2-3B702B0A0B12}"/>
+            </a:ext>
+          </a:extLst>
+        </p:cNvPr>
+        <p:cNvGrpSpPr/>
+        <p:nvPr/>
+      </p:nvGrpSpPr>
+      <p:grpSpPr>
+        <a:xfrm>
+          <a:off x="0" y="0"/>
+          <a:ext cx="0" cy="0"/>
+          <a:chOff x="0" y="0"/>
+          <a:chExt cx="0" cy="0"/>
+        </a:xfrm>
+      </p:grpSpPr>
+      <p:sp>
+        <p:nvSpPr>
+          <p:cNvPr id="6" name="Subtitle 5">
+            <a:extLst>
+              <a:ext uri="{FF2B5EF4-FFF2-40B4-BE49-F238E27FC236}">
+                <a16:creationId xmlns:a16="http://schemas.microsoft.com/office/drawing/2014/main" id="{7690C2D2-7C0C-C552-6D15-196BFD1EF807}"/>
+              </a:ext>
+            </a:extLst>
+          </p:cNvPr>
+          <p:cNvSpPr>
+            <a:spLocks noGrp="1"/>
+          </p:cNvSpPr>
+          <p:nvPr>
+            <p:ph type="subTitle" sz="quarter" idx="11"/>
+          </p:nvPr>
+        </p:nvSpPr>
+        <p:spPr>
+          <a:xfrm>
+            <a:off x="5241000" y="3294000"/>
+            <a:ext cx="6065892" cy="1215613"/>
+          </a:xfrm>
+        </p:spPr>
+        <p:txBody>
+          <a:bodyPr/>
+          <a:lstStyle/>
+          <a:p>
+            <a:r>
+              <a:rPr lang="bg-BG" dirty="0"/>
+              <a:t>Библиотека за графика</a:t>
+            </a:r>
+            <a:endParaRPr lang="en-US" dirty="0"/>
+          </a:p>
+        </p:txBody>
+      </p:sp>
+      <p:sp>
+        <p:nvSpPr>
+          <p:cNvPr id="5" name="Title 4">
+            <a:extLst>
+              <a:ext uri="{FF2B5EF4-FFF2-40B4-BE49-F238E27FC236}">
+                <a16:creationId xmlns:a16="http://schemas.microsoft.com/office/drawing/2014/main" id="{2791D58A-A7A2-78B3-27EE-0FC1585CCA26}"/>
+              </a:ext>
+            </a:extLst>
+          </p:cNvPr>
+          <p:cNvSpPr>
+            <a:spLocks noGrp="1"/>
+          </p:cNvSpPr>
+          <p:nvPr>
+            <p:ph type="title" sz="quarter" idx="10"/>
+          </p:nvPr>
+        </p:nvSpPr>
+        <p:spPr>
+          <a:xfrm>
+            <a:off x="5241000" y="1899000"/>
+            <a:ext cx="6065892" cy="1326380"/>
+          </a:xfrm>
+        </p:spPr>
+        <p:txBody>
+          <a:bodyPr/>
+          <a:lstStyle/>
+          <a:p>
+            <a:r>
+              <a:rPr lang="en-US" dirty="0"/>
+              <a:t>turtle</a:t>
+            </a:r>
+          </a:p>
+        </p:txBody>
+      </p:sp>
+      <p:pic>
+        <p:nvPicPr>
+          <p:cNvPr id="2" name="Picture 2" descr="A Turtle Introduction to Python">
+            <a:extLst>
+              <a:ext uri="{FF2B5EF4-FFF2-40B4-BE49-F238E27FC236}">
+                <a16:creationId xmlns:a16="http://schemas.microsoft.com/office/drawing/2014/main" id="{28FDD148-3953-9D78-A489-947EFCDA7895}"/>
+              </a:ext>
+            </a:extLst>
+          </p:cNvPr>
+          <p:cNvPicPr>
+            <a:picLocks noChangeAspect="1" noChangeArrowheads="1"/>
+          </p:cNvPicPr>
+          <p:nvPr/>
+        </p:nvPicPr>
+        <p:blipFill>
+          <a:blip r:embed="rId2">
+            <a:extLst>
+              <a:ext uri="{28A0092B-C50C-407E-A947-70E740481C1C}">
+                <a14:useLocalDpi xmlns:a14="http://schemas.microsoft.com/office/drawing/2010/main" val="0"/>
+              </a:ext>
+            </a:extLst>
+          </a:blip>
+          <a:srcRect/>
+          <a:stretch>
+            <a:fillRect/>
+          </a:stretch>
+        </p:blipFill>
+        <p:spPr bwMode="auto">
+          <a:xfrm>
+            <a:off x="1416000" y="2034000"/>
+            <a:ext cx="2610000" cy="1526317"/>
+          </a:xfrm>
+          <a:prstGeom prst="rect">
+            <a:avLst/>
+          </a:prstGeom>
+          <a:noFill/>
+          <a:extLst>
+            <a:ext uri="{909E8E84-426E-40DD-AFC4-6F175D3DCCD1}">
+              <a14:hiddenFill xmlns:a14="http://schemas.microsoft.com/office/drawing/2010/main">
+                <a:solidFill>
+                  <a:srgbClr val="FFFFFF"/>
+                </a:solidFill>
+              </a14:hiddenFill>
+            </a:ext>
+          </a:extLst>
+        </p:spPr>
+      </p:pic>
+    </p:spTree>
+    <p:extLst>
+      <p:ext uri="{BB962C8B-B14F-4D97-AF65-F5344CB8AC3E}">
+        <p14:creationId xmlns:p14="http://schemas.microsoft.com/office/powerpoint/2010/main" val="2958726246"/>
+      </p:ext>
+    </p:extLst>
+  </p:cSld>
+  <p:clrMapOvr>
+    <a:masterClrMapping/>
+  </p:clrMapOvr>
+  <mc:AlternateContent xmlns:mc="http://schemas.openxmlformats.org/markup-compatibility/2006" xmlns:p14="http://schemas.microsoft.com/office/powerpoint/2010/main">
+    <mc:Choice Requires="p14">
+      <p:transition spd="slow" p14:dur="2000" advClick="0" advTm="5000"/>
+    </mc:Choice>
+    <mc:Fallback xmlns="">
+      <p:transition spd="slow" advClick="0" advTm="5000"/>
+    </mc:Fallback>
+  </mc:AlternateContent>
+  <p:timing>
+    <p:tnLst>
+      <p:par>
+        <p:cTn id="1" dur="indefinite" restart="never" nodeType="tmRoot">
+          <p:childTnLst>
+            <p:seq concurrent="1" nextAc="seek">
+              <p:cTn id="2" dur="indefinite" nodeType="mainSeq">
+                <p:childTnLst>
+                  <p:par>
+                    <p:cTn id="3" fill="hold">
+                      <p:stCondLst>
+                        <p:cond delay="indefinite"/>
+                        <p:cond evt="onBegin" delay="0">
+                          <p:tn val="2"/>
+                        </p:cond>
+                      </p:stCondLst>
+                      <p:childTnLst>
+                        <p:par>
+                          <p:cTn id="4" fill="hold">
+                            <p:stCondLst>
+                              <p:cond delay="0"/>
+                            </p:stCondLst>
+                            <p:childTnLst>
+                              <p:par>
+                                <p:cTn id="5" presetID="1" presetClass="entr" presetSubtype="0" fill="hold" nodeType="withEffect">
+                                  <p:stCondLst>
+                                    <p:cond delay="0"/>
+                                  </p:stCondLst>
+                                  <p:childTnLst>
+                                    <p:set>
+                                      <p:cBhvr>
+                                        <p:cTn id="6" dur="1" fill="hold">
+                                          <p:stCondLst>
+                                            <p:cond delay="0"/>
+                                          </p:stCondLst>
+                                        </p:cTn>
+                                        <p:tgtEl>
+                                          <p:spTgt spid="2"/>
+                                        </p:tgtEl>
+                                        <p:attrNameLst>
+                                          <p:attrName>style.visibility</p:attrName>
+                                        </p:attrNameLst>
+                                      </p:cBhvr>
+                                      <p:to>
+                                        <p:strVal val="visible"/>
+                                      </p:to>
+                                    </p:set>
+                                  </p:childTnLst>
+                                </p:cTn>
+                              </p:par>
+                            </p:childTnLst>
+                          </p:cTn>
+                        </p:par>
+                      </p:childTnLst>
+                    </p:cTn>
+                  </p:par>
+                </p:childTnLst>
+              </p:cTn>
+              <p:prevCondLst>
+                <p:cond evt="onPrev" delay="0">
+                  <p:tgtEl>
+                    <p:sldTgt/>
+                  </p:tgtEl>
+                </p:cond>
+              </p:prevCondLst>
+              <p:nextCondLst>
+                <p:cond evt="onNext" delay="0">
+                  <p:tgtEl>
+                    <p:sldTgt/>
+                  </p:tgtEl>
+                </p:cond>
+              </p:nextCondLst>
+            </p:seq>
+          </p:childTnLst>
+        </p:cTn>
       </p:par>
     </p:tnLst>
   </p:timing>
 </p:sld>
 </file>
 
-<file path=ppt/slides/slide11.xml><?xml version="1.0" encoding="utf-8"?>
+<file path=ppt/slides/slide13.xml><?xml version="1.0" encoding="utf-8"?>
+<p:sld xmlns:a="http://schemas.openxmlformats.org/drawingml/2006/main" xmlns:r="http://schemas.openxmlformats.org/officeDocument/2006/relationships" xmlns:p="http://schemas.openxmlformats.org/presentationml/2006/main">
+  <p:cSld>
+    <p:spTree>
+      <p:nvGrpSpPr>
+        <p:cNvPr id="1" name=""/>
+        <p:cNvGrpSpPr/>
+        <p:nvPr/>
+      </p:nvGrpSpPr>
+      <p:grpSpPr>
+        <a:xfrm>
+          <a:off x="0" y="0"/>
+          <a:ext cx="0" cy="0"/>
+          <a:chOff x="0" y="0"/>
+          <a:chExt cx="0" cy="0"/>
+        </a:xfrm>
+      </p:grpSpPr>
+      <p:sp>
+        <p:nvSpPr>
+          <p:cNvPr id="5" name="Text Placeholder 4">
+            <a:extLst>
+              <a:ext uri="{FF2B5EF4-FFF2-40B4-BE49-F238E27FC236}">
+                <a16:creationId xmlns:a16="http://schemas.microsoft.com/office/drawing/2014/main" id="{7392CFC6-305E-1465-5B9B-B4179D3B0CC3}"/>
+              </a:ext>
+            </a:extLst>
+          </p:cNvPr>
+          <p:cNvSpPr>
+            <a:spLocks noGrp="1"/>
+          </p:cNvSpPr>
+          <p:nvPr>
+            <p:ph type="body" sz="quarter" idx="10"/>
+          </p:nvPr>
+        </p:nvSpPr>
+        <p:spPr/>
+        <p:txBody>
+          <a:bodyPr/>
+          <a:lstStyle/>
+          <a:p>
+            <a:r>
+              <a:rPr lang="bg-BG" b="1" dirty="0"/>
+              <a:t>Библиотеката</a:t>
+            </a:r>
+            <a:r>
+              <a:rPr lang="bg-BG" dirty="0"/>
+              <a:t> </a:t>
+            </a:r>
+            <a:r>
+              <a:rPr lang="en-GB" b="1" dirty="0">
+                <a:solidFill>
+                  <a:schemeClr val="bg1"/>
+                </a:solidFill>
+              </a:rPr>
+              <a:t>turtle</a:t>
+            </a:r>
+            <a:r>
+              <a:rPr lang="en-GB" dirty="0"/>
+              <a:t> </a:t>
+            </a:r>
+            <a:r>
+              <a:rPr lang="bg-BG" dirty="0"/>
+              <a:t>се вмъква по следния начин:</a:t>
+            </a:r>
+          </a:p>
+          <a:p>
+            <a:pPr marL="0" indent="0">
+              <a:buNone/>
+            </a:pPr>
+            <a:endParaRPr lang="en-GB" dirty="0"/>
+          </a:p>
+          <a:p>
+            <a:r>
+              <a:rPr lang="bg-BG" dirty="0"/>
+              <a:t>Основните </a:t>
+            </a:r>
+            <a:r>
+              <a:rPr lang="bg-BG" b="1" dirty="0"/>
+              <a:t>елементи</a:t>
+            </a:r>
+            <a:r>
+              <a:rPr lang="en-GB" dirty="0"/>
+              <a:t> (</a:t>
+            </a:r>
+            <a:r>
+              <a:rPr lang="bg-BG" dirty="0"/>
+              <a:t>класове</a:t>
+            </a:r>
+            <a:r>
+              <a:rPr lang="en-GB" dirty="0"/>
+              <a:t>)</a:t>
+            </a:r>
+            <a:r>
+              <a:rPr lang="bg-BG" dirty="0"/>
+              <a:t> в нея са:</a:t>
+            </a:r>
+          </a:p>
+          <a:p>
+            <a:pPr lvl="1">
+              <a:buClr>
+                <a:schemeClr val="tx1"/>
+              </a:buClr>
+            </a:pPr>
+            <a:r>
+              <a:rPr lang="en-GB" b="1" dirty="0">
+                <a:solidFill>
+                  <a:schemeClr val="bg1"/>
+                </a:solidFill>
+              </a:rPr>
+              <a:t>Turtle()</a:t>
+            </a:r>
+            <a:r>
+              <a:rPr lang="en-GB" dirty="0"/>
+              <a:t> –</a:t>
+            </a:r>
+            <a:r>
+              <a:rPr lang="bg-BG" dirty="0"/>
+              <a:t> </a:t>
+            </a:r>
+            <a:r>
+              <a:rPr lang="bg-BG" b="1" dirty="0"/>
+              <a:t>героя</a:t>
+            </a:r>
+            <a:r>
+              <a:rPr lang="bg-BG" dirty="0"/>
+              <a:t>, който чертае</a:t>
+            </a:r>
+          </a:p>
+          <a:p>
+            <a:pPr lvl="1">
+              <a:buClr>
+                <a:schemeClr val="tx1"/>
+              </a:buClr>
+            </a:pPr>
+            <a:r>
+              <a:rPr lang="en-GB" b="1" dirty="0">
+                <a:solidFill>
+                  <a:schemeClr val="bg1"/>
+                </a:solidFill>
+              </a:rPr>
+              <a:t>Screen()</a:t>
+            </a:r>
+            <a:r>
+              <a:rPr lang="en-GB" dirty="0"/>
+              <a:t> –</a:t>
+            </a:r>
+            <a:r>
+              <a:rPr lang="bg-BG" dirty="0"/>
+              <a:t> </a:t>
+            </a:r>
+            <a:r>
+              <a:rPr lang="bg-BG" b="1" dirty="0"/>
+              <a:t>сцената</a:t>
+            </a:r>
+            <a:r>
+              <a:rPr lang="bg-BG" dirty="0"/>
+              <a:t> за рисуване</a:t>
+            </a:r>
+            <a:endParaRPr lang="en-GB" dirty="0"/>
+          </a:p>
+        </p:txBody>
+      </p:sp>
+      <p:sp>
+        <p:nvSpPr>
+          <p:cNvPr id="4" name="Title 3">
+            <a:extLst>
+              <a:ext uri="{FF2B5EF4-FFF2-40B4-BE49-F238E27FC236}">
+                <a16:creationId xmlns:a16="http://schemas.microsoft.com/office/drawing/2014/main" id="{185A1811-BD2D-4994-11FE-4150B869C164}"/>
+              </a:ext>
+            </a:extLst>
+          </p:cNvPr>
+          <p:cNvSpPr>
+            <a:spLocks noGrp="1"/>
+          </p:cNvSpPr>
+          <p:nvPr>
+            <p:ph type="title"/>
+          </p:nvPr>
+        </p:nvSpPr>
+        <p:spPr/>
+        <p:txBody>
+          <a:bodyPr/>
+          <a:lstStyle/>
+          <a:p>
+            <a:r>
+              <a:rPr lang="bg-BG" dirty="0"/>
+              <a:t>Библиотеката </a:t>
+            </a:r>
+            <a:r>
+              <a:rPr lang="en-GB" dirty="0"/>
+              <a:t>turtle</a:t>
+            </a:r>
+          </a:p>
+        </p:txBody>
+      </p:sp>
+      <p:sp>
+        <p:nvSpPr>
+          <p:cNvPr id="6" name="TextBox 5">
+            <a:extLst>
+              <a:ext uri="{FF2B5EF4-FFF2-40B4-BE49-F238E27FC236}">
+                <a16:creationId xmlns:a16="http://schemas.microsoft.com/office/drawing/2014/main" id="{013A7B3A-B482-8737-0B6F-1D0B24C11571}"/>
+              </a:ext>
+            </a:extLst>
+          </p:cNvPr>
+          <p:cNvSpPr txBox="1"/>
+          <p:nvPr/>
+        </p:nvSpPr>
+        <p:spPr>
+          <a:xfrm>
+            <a:off x="696000" y="1899000"/>
+            <a:ext cx="3780000" cy="601997"/>
+          </a:xfrm>
+          <a:prstGeom prst="rect">
+            <a:avLst/>
+          </a:prstGeom>
+          <a:solidFill>
+            <a:schemeClr val="accent6">
+              <a:lumMod val="75000"/>
+              <a:alpha val="15000"/>
+            </a:schemeClr>
+          </a:solidFill>
+          <a:ln w="12700">
+            <a:solidFill>
+              <a:schemeClr val="tx1">
+                <a:lumMod val="75000"/>
+              </a:schemeClr>
+            </a:solidFill>
+          </a:ln>
+        </p:spPr>
+        <p:txBody>
+          <a:bodyPr vert="horz" wrap="square" lIns="144000" tIns="108000" rIns="144000" bIns="108000" rtlCol="0">
+            <a:spAutoFit/>
+          </a:bodyPr>
+          <a:lstStyle/>
+          <a:p>
+            <a:pPr eaLnBrk="0" hangingPunct="0">
+              <a:lnSpc>
+                <a:spcPct val="110000"/>
+              </a:lnSpc>
+              <a:buClr>
+                <a:schemeClr val="accent5">
+                  <a:lumMod val="40000"/>
+                  <a:lumOff val="60000"/>
+                </a:schemeClr>
+              </a:buClr>
+              <a:buSzPct val="70000"/>
+            </a:pPr>
+            <a:r>
+              <a:rPr lang="en-GB" sz="2400" b="1" dirty="0">
+                <a:latin typeface="Consolas" panose="020B0609020204030204" pitchFamily="49" charset="0"/>
+              </a:rPr>
+              <a:t>from turtle </a:t>
+            </a:r>
+            <a:r>
+              <a:rPr lang="en-US" sz="2400" b="1" dirty="0">
+                <a:latin typeface="Consolas" panose="020B0609020204030204" pitchFamily="49" charset="0"/>
+              </a:rPr>
+              <a:t>import </a:t>
+            </a:r>
+            <a:r>
+              <a:rPr lang="bg-BG" sz="2400" b="1" dirty="0">
+                <a:latin typeface="Consolas" panose="020B0609020204030204" pitchFamily="49" charset="0"/>
+              </a:rPr>
+              <a:t>* </a:t>
+            </a:r>
+            <a:endParaRPr lang="en-US" sz="2400" b="1" dirty="0">
+              <a:latin typeface="Consolas" panose="020B0609020204030204" pitchFamily="49" charset="0"/>
+            </a:endParaRPr>
+          </a:p>
+        </p:txBody>
+      </p:sp>
+      <p:sp>
+        <p:nvSpPr>
+          <p:cNvPr id="7" name="TextBox 6">
+            <a:extLst>
+              <a:ext uri="{FF2B5EF4-FFF2-40B4-BE49-F238E27FC236}">
+                <a16:creationId xmlns:a16="http://schemas.microsoft.com/office/drawing/2014/main" id="{5E825247-27DF-F566-863D-5515C7B8B91B}"/>
+              </a:ext>
+            </a:extLst>
+          </p:cNvPr>
+          <p:cNvSpPr txBox="1"/>
+          <p:nvPr/>
+        </p:nvSpPr>
+        <p:spPr>
+          <a:xfrm>
+            <a:off x="1011000" y="4788089"/>
+            <a:ext cx="4275000" cy="1568415"/>
+          </a:xfrm>
+          <a:prstGeom prst="rect">
+            <a:avLst/>
+          </a:prstGeom>
+          <a:solidFill>
+            <a:schemeClr val="accent6">
+              <a:lumMod val="75000"/>
+              <a:alpha val="15000"/>
+            </a:schemeClr>
+          </a:solidFill>
+          <a:ln w="12700">
+            <a:solidFill>
+              <a:schemeClr val="tx1">
+                <a:lumMod val="75000"/>
+              </a:schemeClr>
+            </a:solidFill>
+          </a:ln>
+        </p:spPr>
+        <p:txBody>
+          <a:bodyPr vert="horz" wrap="square" lIns="144000" tIns="108000" rIns="144000" bIns="108000" rtlCol="0">
+            <a:spAutoFit/>
+          </a:bodyPr>
+          <a:lstStyle/>
+          <a:p>
+            <a:pPr eaLnBrk="0" hangingPunct="0">
+              <a:lnSpc>
+                <a:spcPct val="110000"/>
+              </a:lnSpc>
+              <a:spcAft>
+                <a:spcPts val="1200"/>
+              </a:spcAft>
+              <a:buClr>
+                <a:schemeClr val="accent5">
+                  <a:lumMod val="40000"/>
+                  <a:lumOff val="60000"/>
+                </a:schemeClr>
+              </a:buClr>
+              <a:buSzPct val="70000"/>
+            </a:pPr>
+            <a:r>
+              <a:rPr lang="en-GB" sz="2400" b="1" dirty="0">
+                <a:latin typeface="Consolas" panose="020B0609020204030204" pitchFamily="49" charset="0"/>
+              </a:rPr>
+              <a:t>from turtle </a:t>
+            </a:r>
+            <a:r>
+              <a:rPr lang="en-US" sz="2400" b="1" dirty="0">
+                <a:latin typeface="Consolas" panose="020B0609020204030204" pitchFamily="49" charset="0"/>
+              </a:rPr>
+              <a:t>import </a:t>
+            </a:r>
+            <a:r>
+              <a:rPr lang="bg-BG" sz="2400" b="1" dirty="0">
+                <a:latin typeface="Consolas" panose="020B0609020204030204" pitchFamily="49" charset="0"/>
+              </a:rPr>
+              <a:t>*</a:t>
+            </a:r>
+          </a:p>
+          <a:p>
+            <a:pPr eaLnBrk="0" hangingPunct="0">
+              <a:lnSpc>
+                <a:spcPct val="110000"/>
+              </a:lnSpc>
+              <a:buClr>
+                <a:schemeClr val="accent5">
+                  <a:lumMod val="40000"/>
+                  <a:lumOff val="60000"/>
+                </a:schemeClr>
+              </a:buClr>
+              <a:buSzPct val="70000"/>
+            </a:pPr>
+            <a:r>
+              <a:rPr lang="en-GB" sz="2400" b="1" dirty="0" err="1">
+                <a:latin typeface="Consolas" panose="020B0609020204030204" pitchFamily="49" charset="0"/>
+              </a:rPr>
+              <a:t>my_turtle</a:t>
+            </a:r>
+            <a:r>
+              <a:rPr lang="en-GB" sz="2400" b="1" dirty="0">
+                <a:latin typeface="Consolas" panose="020B0609020204030204" pitchFamily="49" charset="0"/>
+              </a:rPr>
+              <a:t> = Turtle()</a:t>
+            </a:r>
+            <a:endParaRPr lang="bg-BG" sz="2400" b="1" dirty="0">
+              <a:latin typeface="Consolas" panose="020B0609020204030204" pitchFamily="49" charset="0"/>
+            </a:endParaRPr>
+          </a:p>
+          <a:p>
+            <a:pPr eaLnBrk="0" hangingPunct="0">
+              <a:lnSpc>
+                <a:spcPct val="110000"/>
+              </a:lnSpc>
+              <a:buClr>
+                <a:schemeClr val="accent5">
+                  <a:lumMod val="40000"/>
+                  <a:lumOff val="60000"/>
+                </a:schemeClr>
+              </a:buClr>
+              <a:buSzPct val="70000"/>
+            </a:pPr>
+            <a:r>
+              <a:rPr lang="en-GB" sz="2400" b="1" dirty="0">
+                <a:latin typeface="Consolas" panose="020B0609020204030204" pitchFamily="49" charset="0"/>
+              </a:rPr>
+              <a:t>screen = Screen()</a:t>
+            </a:r>
+            <a:endParaRPr lang="en-US" sz="2400" b="1" dirty="0">
+              <a:latin typeface="Consolas" panose="020B0609020204030204" pitchFamily="49" charset="0"/>
+            </a:endParaRPr>
+          </a:p>
+        </p:txBody>
+      </p:sp>
+      <p:sp>
+        <p:nvSpPr>
+          <p:cNvPr id="9" name="Speech Bubble: Rectangle with Corners Rounded 8">
+            <a:extLst>
+              <a:ext uri="{FF2B5EF4-FFF2-40B4-BE49-F238E27FC236}">
+                <a16:creationId xmlns:a16="http://schemas.microsoft.com/office/drawing/2014/main" id="{F8E2A4BB-0786-CC5B-EFC3-D2195C79213B}"/>
+              </a:ext>
+            </a:extLst>
+          </p:cNvPr>
+          <p:cNvSpPr/>
+          <p:nvPr/>
+        </p:nvSpPr>
+        <p:spPr bwMode="auto">
+          <a:xfrm>
+            <a:off x="6591000" y="4464001"/>
+            <a:ext cx="5085000" cy="1443385"/>
+          </a:xfrm>
+          <a:prstGeom prst="wedgeRoundRectCallout">
+            <a:avLst>
+              <a:gd name="adj1" fmla="val -88976"/>
+              <a:gd name="adj2" fmla="val 30825"/>
+              <a:gd name="adj3" fmla="val 16667"/>
+            </a:avLst>
+          </a:prstGeom>
+          <a:solidFill>
+            <a:schemeClr val="dk2">
+              <a:alpha val="80000"/>
+            </a:schemeClr>
+          </a:solidFill>
+          <a:ln w="19050">
+            <a:solidFill>
+              <a:schemeClr val="tx1">
+                <a:lumMod val="75000"/>
+                <a:alpha val="80000"/>
+              </a:schemeClr>
+            </a:solidFill>
+          </a:ln>
+          <a:effectLst/>
+        </p:spPr>
+        <p:style>
+          <a:lnRef idx="2">
+            <a:schemeClr val="accent1">
+              <a:shade val="50000"/>
+            </a:schemeClr>
+          </a:lnRef>
+          <a:fillRef idx="1001">
+            <a:schemeClr val="dk2"/>
+          </a:fillRef>
+          <a:effectRef idx="0">
+            <a:schemeClr val="accent1"/>
+          </a:effectRef>
+          <a:fontRef idx="minor">
+            <a:schemeClr val="lt1"/>
+          </a:fontRef>
+        </p:style>
+        <p:txBody>
+          <a:bodyPr rot="0" spcFirstLastPara="0" vertOverflow="overflow" horzOverflow="overflow" vert="horz" wrap="square" lIns="91440" tIns="45720" rIns="91440" bIns="45720" numCol="1" spcCol="0" rtlCol="0" fromWordArt="0" anchor="ctr" anchorCtr="0" forceAA="0" compatLnSpc="1">
+            <a:prstTxWarp prst="textNoShape">
+              <a:avLst/>
+            </a:prstTxWarp>
+            <a:noAutofit/>
+          </a:bodyPr>
+          <a:lstStyle/>
+          <a:p>
+            <a:pPr algn="ctr"/>
+            <a:endParaRPr lang="en-GB" sz="2800" b="1" dirty="0">
+              <a:solidFill>
+                <a:srgbClr val="FFFFFF"/>
+              </a:solidFill>
+              <a:effectLst>
+                <a:outerShdw blurRad="38100" dist="38100" dir="2700000" algn="tl">
+                  <a:srgbClr val="000000">
+                    <a:alpha val="43137"/>
+                  </a:srgbClr>
+                </a:outerShdw>
+              </a:effectLst>
+            </a:endParaRPr>
+          </a:p>
+        </p:txBody>
+      </p:sp>
+      <p:sp>
+        <p:nvSpPr>
+          <p:cNvPr id="11" name="Speech Bubble: Rectangle with Corners Rounded 10">
+            <a:extLst>
+              <a:ext uri="{FF2B5EF4-FFF2-40B4-BE49-F238E27FC236}">
+                <a16:creationId xmlns:a16="http://schemas.microsoft.com/office/drawing/2014/main" id="{596D5590-AAC4-7743-91B9-FF66F3066FF1}"/>
+              </a:ext>
+            </a:extLst>
+          </p:cNvPr>
+          <p:cNvSpPr/>
+          <p:nvPr/>
+        </p:nvSpPr>
+        <p:spPr bwMode="auto">
+          <a:xfrm>
+            <a:off x="6591000" y="4464000"/>
+            <a:ext cx="5085000" cy="1443385"/>
+          </a:xfrm>
+          <a:prstGeom prst="wedgeRoundRectCallout">
+            <a:avLst>
+              <a:gd name="adj1" fmla="val -98440"/>
+              <a:gd name="adj2" fmla="val 65834"/>
+              <a:gd name="adj3" fmla="val 16667"/>
+            </a:avLst>
+          </a:prstGeom>
+          <a:solidFill>
+            <a:schemeClr val="dk2">
+              <a:alpha val="80000"/>
+            </a:schemeClr>
+          </a:solidFill>
+          <a:ln w="19050">
+            <a:solidFill>
+              <a:schemeClr val="tx1">
+                <a:lumMod val="75000"/>
+                <a:alpha val="80000"/>
+              </a:schemeClr>
+            </a:solidFill>
+          </a:ln>
+          <a:effectLst/>
+        </p:spPr>
+        <p:style>
+          <a:lnRef idx="2">
+            <a:schemeClr val="accent1">
+              <a:shade val="50000"/>
+            </a:schemeClr>
+          </a:lnRef>
+          <a:fillRef idx="1001">
+            <a:schemeClr val="dk2"/>
+          </a:fillRef>
+          <a:effectRef idx="0">
+            <a:schemeClr val="accent1"/>
+          </a:effectRef>
+          <a:fontRef idx="minor">
+            <a:schemeClr val="lt1"/>
+          </a:fontRef>
+        </p:style>
+        <p:txBody>
+          <a:bodyPr rot="0" spcFirstLastPara="0" vertOverflow="overflow" horzOverflow="overflow" vert="horz" wrap="square" lIns="91440" tIns="45720" rIns="91440" bIns="45720" numCol="1" spcCol="0" rtlCol="0" fromWordArt="0" anchor="ctr" anchorCtr="0" forceAA="0" compatLnSpc="1">
+            <a:prstTxWarp prst="textNoShape">
+              <a:avLst/>
+            </a:prstTxWarp>
+            <a:noAutofit/>
+          </a:bodyPr>
+          <a:lstStyle/>
+          <a:p>
+            <a:pPr algn="ctr"/>
+            <a:r>
+              <a:rPr lang="bg-BG" sz="2800" b="1" dirty="0">
+                <a:solidFill>
+                  <a:srgbClr val="FFFFFF"/>
+                </a:solidFill>
+                <a:effectLst>
+                  <a:outerShdw blurRad="38100" dist="38100" dir="2700000" algn="tl">
+                    <a:srgbClr val="000000">
+                      <a:alpha val="43137"/>
+                    </a:srgbClr>
+                  </a:outerShdw>
+                </a:effectLst>
+              </a:rPr>
+              <a:t>Така дефинираме нашите обекти, които ще използваме в програмата ни</a:t>
+            </a:r>
+            <a:endParaRPr lang="en-GB" sz="2800" b="1" dirty="0">
+              <a:solidFill>
+                <a:srgbClr val="FFFFFF"/>
+              </a:solidFill>
+              <a:effectLst>
+                <a:outerShdw blurRad="38100" dist="38100" dir="2700000" algn="tl">
+                  <a:srgbClr val="000000">
+                    <a:alpha val="43137"/>
+                  </a:srgbClr>
+                </a:outerShdw>
+              </a:effectLst>
+            </a:endParaRPr>
+          </a:p>
+        </p:txBody>
+      </p:sp>
+    </p:spTree>
+    <p:extLst>
+      <p:ext uri="{BB962C8B-B14F-4D97-AF65-F5344CB8AC3E}">
+        <p14:creationId xmlns:p14="http://schemas.microsoft.com/office/powerpoint/2010/main" val="2434522784"/>
+      </p:ext>
+    </p:extLst>
+  </p:cSld>
+  <p:clrMapOvr>
+    <a:masterClrMapping/>
+  </p:clrMapOvr>
+  <mc:AlternateContent xmlns:mc="http://schemas.openxmlformats.org/markup-compatibility/2006" xmlns:p14="http://schemas.microsoft.com/office/powerpoint/2010/main">
+    <mc:Choice Requires="p14">
+      <p:transition spd="slow" p14:dur="2000" advClick="0" advTm="5000"/>
+    </mc:Choice>
+    <mc:Fallback xmlns="">
+      <p:transition spd="slow" advClick="0" advTm="5000"/>
+    </mc:Fallback>
+  </mc:AlternateContent>
+  <p:timing>
+    <p:tnLst>
+      <p:par>
+        <p:cTn id="1" dur="indefinite" restart="never" nodeType="tmRoot">
+          <p:childTnLst>
+            <p:seq concurrent="1" nextAc="seek">
+              <p:cTn id="2" dur="indefinite" nodeType="mainSeq">
+                <p:childTnLst>
+                  <p:par>
+                    <p:cTn id="3" fill="hold">
+                      <p:stCondLst>
+                        <p:cond delay="indefinite"/>
+                      </p:stCondLst>
+                      <p:childTnLst>
+                        <p:par>
+                          <p:cTn id="4" fill="hold">
+                            <p:stCondLst>
+                              <p:cond delay="0"/>
+                            </p:stCondLst>
+                            <p:childTnLst>
+                              <p:par>
+                                <p:cTn id="5" presetID="1" presetClass="entr" presetSubtype="0" fill="hold" grpId="0" nodeType="clickEffect">
+                                  <p:stCondLst>
+                                    <p:cond delay="0"/>
+                                  </p:stCondLst>
+                                  <p:childTnLst>
+                                    <p:set>
+                                      <p:cBhvr>
+                                        <p:cTn id="6" dur="1" fill="hold">
+                                          <p:stCondLst>
+                                            <p:cond delay="0"/>
+                                          </p:stCondLst>
+                                        </p:cTn>
+                                        <p:tgtEl>
+                                          <p:spTgt spid="6"/>
+                                        </p:tgtEl>
+                                        <p:attrNameLst>
+                                          <p:attrName>style.visibility</p:attrName>
+                                        </p:attrNameLst>
+                                      </p:cBhvr>
+                                      <p:to>
+                                        <p:strVal val="visible"/>
+                                      </p:to>
+                                    </p:set>
+                                  </p:childTnLst>
+                                </p:cTn>
+                              </p:par>
+                            </p:childTnLst>
+                          </p:cTn>
+                        </p:par>
+                      </p:childTnLst>
+                    </p:cTn>
+                  </p:par>
+                  <p:par>
+                    <p:cTn id="7" fill="hold">
+                      <p:stCondLst>
+                        <p:cond delay="indefinite"/>
+                      </p:stCondLst>
+                      <p:childTnLst>
+                        <p:par>
+                          <p:cTn id="8" fill="hold">
+                            <p:stCondLst>
+                              <p:cond delay="0"/>
+                            </p:stCondLst>
+                            <p:childTnLst>
+                              <p:par>
+                                <p:cTn id="9" presetID="1" presetClass="entr" presetSubtype="0" fill="hold" grpId="0" nodeType="clickEffect">
+                                  <p:stCondLst>
+                                    <p:cond delay="0"/>
+                                  </p:stCondLst>
+                                  <p:childTnLst>
+                                    <p:set>
+                                      <p:cBhvr>
+                                        <p:cTn id="10" dur="1" fill="hold">
+                                          <p:stCondLst>
+                                            <p:cond delay="0"/>
+                                          </p:stCondLst>
+                                        </p:cTn>
+                                        <p:tgtEl>
+                                          <p:spTgt spid="7"/>
+                                        </p:tgtEl>
+                                        <p:attrNameLst>
+                                          <p:attrName>style.visibility</p:attrName>
+                                        </p:attrNameLst>
+                                      </p:cBhvr>
+                                      <p:to>
+                                        <p:strVal val="visible"/>
+                                      </p:to>
+                                    </p:set>
+                                  </p:childTnLst>
+                                </p:cTn>
+                              </p:par>
+                            </p:childTnLst>
+                          </p:cTn>
+                        </p:par>
+                      </p:childTnLst>
+                    </p:cTn>
+                  </p:par>
+                </p:childTnLst>
+              </p:cTn>
+              <p:prevCondLst>
+                <p:cond evt="onPrev" delay="0">
+                  <p:tgtEl>
+                    <p:sldTgt/>
+                  </p:tgtEl>
+                </p:cond>
+              </p:prevCondLst>
+              <p:nextCondLst>
+                <p:cond evt="onNext" delay="0">
+                  <p:tgtEl>
+                    <p:sldTgt/>
+                  </p:tgtEl>
+                </p:cond>
+              </p:nextCondLst>
+            </p:seq>
+          </p:childTnLst>
+        </p:cTn>
+      </p:par>
+    </p:tnLst>
+    <p:bldLst>
+      <p:bldP spid="6" grpId="0" animBg="1"/>
+      <p:bldP spid="7" grpId="0" animBg="1"/>
+    </p:bldLst>
+  </p:timing>
+</p:sld>
+</file>
+
+<file path=ppt/slides/slide14.xml><?xml version="1.0" encoding="utf-8"?>
 <p:sld xmlns:a="http://schemas.openxmlformats.org/drawingml/2006/main" xmlns:r="http://schemas.openxmlformats.org/officeDocument/2006/relationships" xmlns:p="http://schemas.openxmlformats.org/presentationml/2006/main">
   <p:cSld>
     <p:spTree>
@@ -7453,7 +9285,7 @@
             <a:fld id="{C014DD1E-5D91-48A3-AD6D-45FBA980D106}" type="slidenum">
               <a:rPr lang="en-US" smtClean="0"/>
               <a:pPr/>
-              <a:t>11</a:t>
+              <a:t>14</a:t>
             </a:fld>
             <a:endParaRPr lang="en-US" dirty="0"/>
           </a:p>
@@ -7856,7 +9688,7 @@
               </a:lnSpc>
             </a:pPr>
             <a:r>
-              <a:rPr lang="en-US" sz="2800" b="1" dirty="0" smtClean="0">
+              <a:rPr lang="en-US" sz="2800" b="1" dirty="0">
                 <a:solidFill>
                   <a:schemeClr val="bg2"/>
                 </a:solidFill>
@@ -7889,17 +9721,10 @@
       <p:transition spd="slow" advClick="0" advTm="5000"/>
     </mc:Fallback>
   </mc:AlternateContent>
-  <p:timing>
-    <p:tnLst>
-      <p:par>
-        <p:cTn id="1" dur="indefinite" restart="never" nodeType="tmRoot"/>
-      </p:par>
-    </p:tnLst>
-  </p:timing>
 </p:sld>
 </file>
 
-<file path=ppt/slides/slide12.xml><?xml version="1.0" encoding="utf-8"?>
+<file path=ppt/slides/slide15.xml><?xml version="1.0" encoding="utf-8"?>
 <p:sld xmlns:a="http://schemas.openxmlformats.org/drawingml/2006/main" xmlns:r="http://schemas.openxmlformats.org/officeDocument/2006/relationships" xmlns:p="http://schemas.openxmlformats.org/presentationml/2006/main">
   <p:cSld>
     <p:spTree>
@@ -8013,7 +9838,7 @@
                 <a:hlinkClick r:id="rId3">
                   <a:extLst>
                     <a:ext uri="{A12FA001-AC4F-418D-AE19-62706E023703}">
-                      <ahyp:hlinkClr xmlns:ahyp="http://schemas.microsoft.com/office/drawing/2018/hyperlinkcolor" xmlns="" val="tx"/>
+                      <ahyp:hlinkClr xmlns:ahyp="http://schemas.microsoft.com/office/drawing/2018/hyperlinkcolor" val="tx"/>
                     </a:ext>
                   </a:extLst>
                 </a:hlinkClick>
@@ -8086,17 +9911,10 @@
       <p:transition spd="slow" advClick="0" advTm="5000"/>
     </mc:Fallback>
   </mc:AlternateContent>
-  <p:timing>
-    <p:tnLst>
-      <p:par>
-        <p:cTn id="1" dur="indefinite" restart="never" nodeType="tmRoot"/>
-      </p:par>
-    </p:tnLst>
-  </p:timing>
 </p:sld>
 </file>
 
-<file path=ppt/slides/slide13.xml><?xml version="1.0" encoding="utf-8"?>
+<file path=ppt/slides/slide16.xml><?xml version="1.0" encoding="utf-8"?>
 <p:sld xmlns:a="http://schemas.openxmlformats.org/drawingml/2006/main" xmlns:r="http://schemas.openxmlformats.org/officeDocument/2006/relationships" xmlns:p="http://schemas.openxmlformats.org/presentationml/2006/main" show="0">
   <p:cSld>
     <p:spTree>
@@ -8149,7 +9967,7 @@
             <a:fld id="{2BF067CD-8E6B-4360-9AA8-C5DF2A48A6D1}" type="slidenum">
               <a:rPr lang="en-US" smtClean="0"/>
               <a:pPr/>
-              <a:t>13</a:t>
+              <a:t>16</a:t>
             </a:fld>
             <a:endParaRPr lang="en-US" dirty="0"/>
           </a:p>
@@ -8476,13 +10294,6 @@
       <p:transition spd="slow" advClick="0" advTm="5000"/>
     </mc:Fallback>
   </mc:AlternateContent>
-  <p:timing>
-    <p:tnLst>
-      <p:par>
-        <p:cTn id="1" dur="indefinite" restart="never" nodeType="tmRoot"/>
-      </p:par>
-    </p:tnLst>
-  </p:timing>
 </p:sld>
 </file>
 
@@ -8656,11 +10467,11 @@
           <a:lstStyle/>
           <a:p>
             <a:r>
-              <a:rPr lang="bg-BG" dirty="0" smtClean="0"/>
+              <a:rPr lang="bg-BG" dirty="0"/>
               <a:t>͏</a:t>
             </a:r>
             <a:r>
-              <a:rPr lang="bg-BG" b="1" dirty="0" smtClean="0">
+              <a:rPr lang="bg-BG" b="1" dirty="0">
                 <a:solidFill>
                   <a:schemeClr val="bg1"/>
                 </a:solidFill>
@@ -8670,22 +10481,22 @@
           </a:p>
           <a:p>
             <a:r>
-              <a:rPr lang="bg-BG" dirty="0" smtClean="0"/>
+              <a:rPr lang="bg-BG" dirty="0"/>
               <a:t>͏</a:t>
             </a:r>
             <a:r>
-              <a:rPr lang="bg-BG" b="1" dirty="0" smtClean="0"/>
+              <a:rPr lang="bg-BG" b="1" dirty="0"/>
               <a:t>Използване</a:t>
             </a:r>
             <a:r>
-              <a:rPr lang="bg-BG" dirty="0" smtClean="0"/>
+              <a:rPr lang="bg-BG" dirty="0"/>
               <a:t> на библиотеки</a:t>
             </a:r>
           </a:p>
           <a:p>
             <a:pPr lvl="1"/>
             <a:r>
-              <a:rPr lang="en-US" dirty="0" smtClean="0"/>
+              <a:rPr lang="en-US" dirty="0"/>
               <a:t>random</a:t>
             </a:r>
           </a:p>
@@ -8693,24 +10504,16 @@
             <a:pPr lvl="1"/>
             <a:r>
               <a:rPr lang="en-US" dirty="0"/>
-              <a:t>t</a:t>
-            </a:r>
-            <a:r>
-              <a:rPr lang="en-US" dirty="0" smtClean="0"/>
-              <a:t>ime</a:t>
+              <a:t>time</a:t>
             </a:r>
           </a:p>
           <a:p>
             <a:pPr lvl="1"/>
             <a:r>
               <a:rPr lang="en-US" dirty="0"/>
-              <a:t>t</a:t>
-            </a:r>
-            <a:r>
-              <a:rPr lang="en-US" dirty="0" smtClean="0"/>
-              <a:t>urtle</a:t>
-            </a:r>
-            <a:endParaRPr lang="bg-BG" dirty="0" smtClean="0"/>
+              <a:t>turtle</a:t>
+            </a:r>
+            <a:endParaRPr lang="bg-BG" dirty="0"/>
           </a:p>
         </p:txBody>
       </p:sp>
@@ -9071,7 +10874,7 @@
           <a:lstStyle/>
           <a:p>
             <a:r>
-              <a:rPr lang="bg-BG" dirty="0" smtClean="0"/>
+              <a:rPr lang="bg-BG" dirty="0"/>
               <a:t>Допълнителни модули с функционалности</a:t>
             </a:r>
             <a:endParaRPr lang="en-US" dirty="0"/>
@@ -9149,13 +10952,6 @@
       <p:transition spd="slow" advClick="0" advTm="5000"/>
     </mc:Fallback>
   </mc:AlternateContent>
-  <p:timing>
-    <p:tnLst>
-      <p:par>
-        <p:cTn id="1" dur="indefinite" restart="never" nodeType="tmRoot"/>
-      </p:par>
-    </p:tnLst>
-  </p:timing>
 </p:sld>
 </file>
 
@@ -9197,11 +10993,11 @@
           <a:lstStyle/>
           <a:p>
             <a:r>
-              <a:rPr lang="ru-RU" dirty="0" smtClean="0"/>
+              <a:rPr lang="ru-RU" dirty="0"/>
               <a:t>͏</a:t>
             </a:r>
             <a:r>
-              <a:rPr lang="ru-RU" b="1" dirty="0" smtClean="0">
+              <a:rPr lang="ru-RU" b="1" dirty="0">
                 <a:solidFill>
                   <a:schemeClr val="bg1"/>
                 </a:solidFill>
@@ -9209,12 +11005,8 @@
               <a:t>Библиотеки</a:t>
             </a:r>
             <a:r>
-              <a:rPr lang="ru-RU" dirty="0" smtClean="0"/>
-              <a:t> </a:t>
-            </a:r>
-            <a:r>
               <a:rPr lang="ru-RU" dirty="0"/>
-              <a:t>– допълнителни </a:t>
+              <a:t> – допълнителни </a:t>
             </a:r>
             <a:r>
               <a:rPr lang="ru-RU" b="1" dirty="0"/>
@@ -9233,47 +11025,47 @@
               <a:t> и </a:t>
             </a:r>
             <a:r>
-              <a:rPr lang="ru-RU" b="1" dirty="0" smtClean="0"/>
+              <a:rPr lang="ru-RU" b="1" dirty="0"/>
               <a:t>команди</a:t>
             </a:r>
           </a:p>
           <a:p>
             <a:pPr lvl="1"/>
             <a:r>
-              <a:rPr lang="ru-RU" b="1" dirty="0" smtClean="0"/>
+              <a:rPr lang="ru-RU" b="1" dirty="0"/>
               <a:t>Улесняват</a:t>
             </a:r>
             <a:r>
-              <a:rPr lang="ru-RU" dirty="0" smtClean="0"/>
+              <a:rPr lang="ru-RU" dirty="0"/>
               <a:t> програмирането</a:t>
             </a:r>
           </a:p>
           <a:p>
             <a:pPr lvl="1"/>
             <a:r>
-              <a:rPr lang="ru-RU" b="1" dirty="0" smtClean="0"/>
+              <a:rPr lang="ru-RU" b="1" dirty="0"/>
               <a:t>Разширяват</a:t>
             </a:r>
             <a:r>
-              <a:rPr lang="ru-RU" dirty="0" smtClean="0"/>
+              <a:rPr lang="ru-RU" dirty="0"/>
               <a:t> възможностите на езика</a:t>
             </a:r>
           </a:p>
           <a:p>
             <a:r>
-              <a:rPr lang="ru-RU" dirty="0" smtClean="0"/>
+              <a:rPr lang="ru-RU" dirty="0"/>
               <a:t>Те се вмъкват в началото на кода с </a:t>
             </a:r>
             <a:r>
-              <a:rPr lang="ru-RU" b="1" dirty="0" smtClean="0"/>
+              <a:rPr lang="ru-RU" b="1" dirty="0"/>
               <a:t>ключовата дума</a:t>
             </a:r>
             <a:r>
-              <a:rPr lang="ru-RU" dirty="0" smtClean="0"/>
+              <a:rPr lang="ru-RU" dirty="0"/>
               <a:t> "</a:t>
             </a:r>
             <a:r>
-              <a:rPr lang="en-US" b="1" dirty="0" smtClean="0">
+              <a:rPr lang="en-US" b="1" dirty="0">
                 <a:solidFill>
                   <a:schemeClr val="bg1"/>
                 </a:solidFill>
@@ -9281,7 +11073,7 @@
               <a:t>import</a:t>
             </a:r>
             <a:r>
-              <a:rPr lang="ru-RU" dirty="0" smtClean="0"/>
+              <a:rPr lang="ru-RU" dirty="0"/>
               <a:t>"</a:t>
             </a:r>
             <a:endParaRPr lang="en-US" dirty="0"/>
@@ -9304,7 +11096,7 @@
           <a:lstStyle/>
           <a:p>
             <a:r>
-              <a:rPr lang="bg-BG" dirty="0" smtClean="0"/>
+              <a:rPr lang="bg-BG" dirty="0"/>
               <a:t>Какво представляват библиотеките?</a:t>
             </a:r>
             <a:endParaRPr lang="en-US" dirty="0"/>
@@ -9319,7 +11111,7 @@
         </p:nvSpPr>
         <p:spPr>
           <a:xfrm>
-            <a:off x="4543500" y="5139000"/>
+            <a:off x="3846000" y="5139000"/>
             <a:ext cx="4275000" cy="1030640"/>
           </a:xfrm>
           <a:prstGeom prst="rect">
@@ -9358,7 +11150,7 @@
               <a:buSzPct val="70000"/>
             </a:pPr>
             <a:r>
-              <a:rPr lang="en-US" sz="2400" b="1" dirty="0" smtClean="0">
+              <a:rPr lang="en-US" sz="2400" b="1" dirty="0">
                 <a:latin typeface="Consolas" panose="020B0609020204030204" pitchFamily="49" charset="0"/>
               </a:rPr>
               <a:t>import random</a:t>
@@ -9378,7 +11170,7 @@
               <a:buSzPct val="70000"/>
             </a:pPr>
             <a:r>
-              <a:rPr lang="en-US" sz="2400" b="1" i="1" dirty="0" smtClean="0">
+              <a:rPr lang="en-US" sz="2400" b="1" i="1" dirty="0">
                 <a:solidFill>
                   <a:schemeClr val="accent2"/>
                 </a:solidFill>
@@ -9387,7 +11179,7 @@
               <a:t>#</a:t>
             </a:r>
             <a:r>
-              <a:rPr lang="bg-BG" sz="2400" b="1" i="1" dirty="0" smtClean="0">
+              <a:rPr lang="bg-BG" sz="2400" b="1" i="1" dirty="0">
                 <a:solidFill>
                   <a:schemeClr val="accent2"/>
                 </a:solidFill>
@@ -9412,7 +11204,7 @@
         </p:nvSpPr>
         <p:spPr bwMode="auto">
           <a:xfrm>
-            <a:off x="7221000" y="4755131"/>
+            <a:off x="6523500" y="4755131"/>
             <a:ext cx="3915000" cy="630000"/>
           </a:xfrm>
           <a:prstGeom prst="wedgeRoundRectCallout">
@@ -9464,7 +11256,7 @@
           <a:p>
             <a:pPr algn="ctr"/>
             <a:r>
-              <a:rPr lang="bg-BG" sz="2800" b="1" dirty="0" smtClean="0">
+              <a:rPr lang="bg-BG" sz="2800" b="1" dirty="0">
                 <a:solidFill>
                   <a:srgbClr val="FFFFFF"/>
                 </a:solidFill>
@@ -9848,14 +11640,13 @@
           <a:lstStyle/>
           <a:p>
             <a:r>
-              <a:rPr lang="bg-BG" dirty="0" smtClean="0"/>
+              <a:rPr lang="bg-BG" dirty="0"/>
               <a:t>Основни библиотеки в </a:t>
             </a:r>
             <a:r>
-              <a:rPr lang="en-US" dirty="0" smtClean="0"/>
+              <a:rPr lang="en-US" dirty="0"/>
               <a:t>Python</a:t>
             </a:r>
-            <a:endParaRPr lang="en-US" dirty="0"/>
           </a:p>
         </p:txBody>
       </p:sp>
@@ -9876,11 +11667,7 @@
           <a:p>
             <a:r>
               <a:rPr lang="bg-BG" dirty="0"/>
-              <a:t>Използване на </a:t>
-            </a:r>
-            <a:r>
-              <a:rPr lang="bg-BG" dirty="0" smtClean="0"/>
-              <a:t>библиотеки</a:t>
+              <a:t>Използване на библиотеки</a:t>
             </a:r>
             <a:endParaRPr lang="en-US" dirty="0"/>
           </a:p>
@@ -9934,13 +11721,6 @@
       <p:transition spd="slow" advClick="0" advTm="5000"/>
     </mc:Fallback>
   </mc:AlternateContent>
-  <p:timing>
-    <p:tnLst>
-      <p:par>
-        <p:cTn id="1" dur="indefinite" restart="never" nodeType="tmRoot"/>
-      </p:par>
-    </p:tnLst>
-  </p:timing>
 </p:sld>
 </file>
 
@@ -9979,57 +11759,53 @@
           <a:lstStyle/>
           <a:p>
             <a:r>
-              <a:rPr lang="bg-BG" dirty="0" smtClean="0"/>
+              <a:rPr lang="bg-BG" dirty="0"/>
               <a:t>За</a:t>
             </a:r>
             <a:r>
-              <a:rPr lang="en-US" dirty="0" smtClean="0"/>
+              <a:rPr lang="en-US" dirty="0"/>
               <a:t> </a:t>
             </a:r>
             <a:r>
-              <a:rPr lang="bg-BG" dirty="0" smtClean="0"/>
+              <a:rPr lang="bg-BG" dirty="0"/>
               <a:t>езика </a:t>
             </a:r>
             <a:r>
-              <a:rPr lang="en-US" b="1" dirty="0" smtClean="0"/>
+              <a:rPr lang="en-US" b="1" dirty="0"/>
               <a:t>Python</a:t>
             </a:r>
             <a:r>
-              <a:rPr lang="en-US" dirty="0" smtClean="0"/>
+              <a:rPr lang="en-US" dirty="0"/>
               <a:t> </a:t>
             </a:r>
             <a:r>
-              <a:rPr lang="bg-BG" dirty="0" smtClean="0"/>
-              <a:t>има </a:t>
-            </a:r>
-            <a:r>
               <a:rPr lang="bg-BG" dirty="0"/>
-              <a:t>създадени </a:t>
-            </a:r>
-            <a:r>
-              <a:rPr lang="bg-BG" b="1" dirty="0" smtClean="0"/>
+              <a:t>има създадени </a:t>
+            </a:r>
+            <a:r>
+              <a:rPr lang="bg-BG" b="1" dirty="0"/>
               <a:t>множество библиотеки </a:t>
             </a:r>
-            <a:endParaRPr lang="en-US" b="1" dirty="0" smtClean="0"/>
-          </a:p>
-          <a:p>
-            <a:r>
-              <a:rPr lang="bg-BG" b="1" dirty="0" smtClean="0"/>
+            <a:endParaRPr lang="en-US" b="1" dirty="0"/>
+          </a:p>
+          <a:p>
+            <a:r>
+              <a:rPr lang="bg-BG" b="1" dirty="0"/>
               <a:t>Примери</a:t>
             </a:r>
             <a:r>
-              <a:rPr lang="bg-BG" dirty="0" smtClean="0"/>
+              <a:rPr lang="bg-BG" dirty="0"/>
               <a:t>:</a:t>
             </a:r>
           </a:p>
           <a:p>
             <a:pPr lvl="1"/>
             <a:r>
-              <a:rPr lang="en-US" dirty="0" smtClean="0"/>
+              <a:rPr lang="en-US" dirty="0"/>
               <a:t>͏</a:t>
             </a:r>
             <a:r>
-              <a:rPr lang="en-US" b="1" dirty="0" smtClean="0">
+              <a:rPr lang="en-US" b="1" dirty="0">
                 <a:solidFill>
                   <a:schemeClr val="bg1"/>
                 </a:solidFill>
@@ -10045,13 +11821,9 @@
             </a:r>
             <a:r>
               <a:rPr lang="bg-BG" b="1" dirty="0"/>
-              <a:t>случайни </a:t>
-            </a:r>
-            <a:r>
-              <a:rPr lang="bg-BG" b="1" dirty="0" smtClean="0"/>
-              <a:t>величини</a:t>
-            </a:r>
-            <a:endParaRPr lang="bg-BG" b="1" dirty="0" smtClean="0">
+              <a:t>случайни величини</a:t>
+            </a:r>
+            <a:endParaRPr lang="bg-BG" b="1" dirty="0">
               <a:solidFill>
                 <a:schemeClr val="bg1"/>
               </a:solidFill>
@@ -10060,11 +11832,11 @@
           <a:p>
             <a:pPr lvl="1"/>
             <a:r>
-              <a:rPr lang="en-US" dirty="0" smtClean="0"/>
+              <a:rPr lang="en-US" dirty="0"/>
               <a:t>͏͏</a:t>
             </a:r>
             <a:r>
-              <a:rPr lang="en-US" b="1" dirty="0" smtClean="0">
+              <a:rPr lang="en-US" b="1" dirty="0">
                 <a:solidFill>
                   <a:schemeClr val="bg1"/>
                 </a:solidFill>
@@ -10106,7 +11878,7 @@
               <a:t>При работа с </a:t>
             </a:r>
             <a:r>
-              <a:rPr lang="bg-BG" b="1" dirty="0" smtClean="0"/>
+              <a:rPr lang="bg-BG" b="1" dirty="0"/>
               <a:t>графика</a:t>
             </a:r>
             <a:endParaRPr lang="en-US" b="1" dirty="0"/>
@@ -10129,14 +11901,13 @@
           <a:lstStyle/>
           <a:p>
             <a:r>
-              <a:rPr lang="bg-BG" dirty="0" smtClean="0"/>
+              <a:rPr lang="bg-BG" dirty="0"/>
               <a:t>Библиотеки в </a:t>
             </a:r>
             <a:r>
-              <a:rPr lang="en-US" dirty="0" smtClean="0"/>
+              <a:rPr lang="en-US" dirty="0"/>
               <a:t>Python</a:t>
             </a:r>
-            <a:endParaRPr lang="en-US" dirty="0"/>
           </a:p>
         </p:txBody>
       </p:sp>
@@ -10817,7 +12588,7 @@
           <a:lstStyle/>
           <a:p>
             <a:r>
-              <a:rPr lang="bg-BG" dirty="0" smtClean="0"/>
+              <a:rPr lang="bg-BG" dirty="0"/>
               <a:t>Библиотека за случайни величини</a:t>
             </a:r>
             <a:endParaRPr lang="en-US" dirty="0"/>
@@ -10846,13 +12617,8 @@
           <a:p>
             <a:r>
               <a:rPr lang="en-US" dirty="0"/>
-              <a:t>r</a:t>
-            </a:r>
-            <a:r>
-              <a:rPr lang="en-US" dirty="0" smtClean="0"/>
-              <a:t>andom</a:t>
-            </a:r>
-            <a:endParaRPr lang="en-US" dirty="0"/>
+              <a:t>random</a:t>
+            </a:r>
           </a:p>
         </p:txBody>
       </p:sp>
@@ -10915,13 +12681,6 @@
       <p:transition spd="slow" advClick="0" advTm="5000"/>
     </mc:Fallback>
   </mc:AlternateContent>
-  <p:timing>
-    <p:tnLst>
-      <p:par>
-        <p:cTn id="1" dur="indefinite" restart="never" nodeType="tmRoot"/>
-      </p:par>
-    </p:tnLst>
-  </p:timing>
 </p:sld>
 </file>
 
@@ -10963,35 +12722,51 @@
               <a:spcAft>
                 <a:spcPts val="4200"/>
               </a:spcAft>
+              <a:buClr>
+                <a:schemeClr val="tx1"/>
+              </a:buClr>
             </a:pPr>
             <a:r>
-              <a:rPr lang="ru-RU" sz="3400" b="1" dirty="0" smtClean="0"/>
-              <a:t>Случайно цяло </a:t>
-            </a:r>
-            <a:r>
-              <a:rPr lang="ru-RU" sz="3400" b="1" dirty="0"/>
-              <a:t>число </a:t>
-            </a:r>
-            <a:r>
-              <a:rPr lang="ru-RU" sz="3400" dirty="0" smtClean="0"/>
-              <a:t>в зададен </a:t>
-            </a:r>
-            <a:r>
-              <a:rPr lang="ru-RU" sz="3400" b="1" dirty="0" smtClean="0"/>
-              <a:t>диапазон</a:t>
-            </a:r>
-            <a:r>
-              <a:rPr lang="ru-RU" sz="3400" dirty="0" smtClean="0"/>
-              <a:t> – </a:t>
-            </a:r>
-            <a:r>
-              <a:rPr lang="en-US" sz="3400" b="1" dirty="0" smtClean="0">
-                <a:solidFill>
-                  <a:schemeClr val="accent4"/>
+              <a:rPr lang="en-US" b="1" dirty="0">
+                <a:solidFill>
+                  <a:schemeClr val="bg1"/>
                 </a:solidFill>
               </a:rPr>
               <a:t>randint()</a:t>
             </a:r>
+            <a:r>
+              <a:rPr lang="en-US" b="1" dirty="0">
+                <a:solidFill>
+                  <a:schemeClr val="accent4"/>
+                </a:solidFill>
+              </a:rPr>
+              <a:t> </a:t>
+            </a:r>
+            <a:r>
+              <a:rPr lang="en-US" b="1" dirty="0"/>
+              <a:t>– </a:t>
+            </a:r>
+            <a:r>
+              <a:rPr lang="bg-BG" sz="3400" b="1" dirty="0"/>
+              <a:t>с</a:t>
+            </a:r>
+            <a:r>
+              <a:rPr lang="ru-RU" sz="3400" b="1" dirty="0"/>
+              <a:t>лучайно цяло число </a:t>
+            </a:r>
+            <a:r>
+              <a:rPr lang="ru-RU" sz="3400" dirty="0"/>
+              <a:t>в зададен </a:t>
+            </a:r>
+            <a:r>
+              <a:rPr lang="ru-RU" sz="3400" b="1" dirty="0"/>
+              <a:t>диапазон</a:t>
+            </a:r>
+            <a:endParaRPr lang="en-US" sz="3400" b="1" dirty="0">
+              <a:solidFill>
+                <a:schemeClr val="accent4"/>
+              </a:solidFill>
+            </a:endParaRPr>
           </a:p>
           <a:p>
             <a:endParaRPr lang="en-US" sz="3400" b="1" dirty="0">
@@ -11011,33 +12786,50 @@
             </a:endParaRPr>
           </a:p>
           <a:p>
-            <a:r>
-              <a:rPr lang="ru-RU" sz="3400" b="1" dirty="0" smtClean="0"/>
-              <a:t>Случайно десетично число </a:t>
-            </a:r>
-            <a:r>
-              <a:rPr lang="ru-RU" sz="3400" dirty="0" smtClean="0"/>
-              <a:t>в </a:t>
-            </a:r>
-            <a:r>
-              <a:rPr lang="ru-RU" sz="3400" b="1" dirty="0" smtClean="0"/>
-              <a:t>диапазон</a:t>
-            </a:r>
-            <a:r>
-              <a:rPr lang="ru-RU" sz="3400" dirty="0" smtClean="0"/>
-              <a:t> </a:t>
-            </a:r>
-            <a:r>
-              <a:rPr lang="bg-BG" sz="3400" dirty="0" smtClean="0"/>
-              <a:t>– </a:t>
-            </a:r>
+            <a:pPr>
+              <a:buClr>
+                <a:schemeClr val="tx1"/>
+              </a:buClr>
+            </a:pPr>
             <a:r>
               <a:rPr lang="sv-SE" sz="3400" b="1" dirty="0">
                 <a:solidFill>
-                  <a:schemeClr val="accent4"/>
+                  <a:schemeClr val="bg1"/>
                 </a:solidFill>
               </a:rPr>
               <a:t>uniform()</a:t>
+            </a:r>
+            <a:r>
+              <a:rPr lang="sv-SE" sz="3400" b="1" dirty="0">
+                <a:solidFill>
+                  <a:schemeClr val="accent4"/>
+                </a:solidFill>
+              </a:rPr>
+              <a:t> </a:t>
+            </a:r>
+            <a:r>
+              <a:rPr lang="bg-BG" sz="3400" b="1" dirty="0"/>
+              <a:t>–</a:t>
+            </a:r>
+            <a:r>
+              <a:rPr lang="bg-BG" sz="3400" b="1" dirty="0">
+                <a:solidFill>
+                  <a:schemeClr val="accent4"/>
+                </a:solidFill>
+              </a:rPr>
+              <a:t> </a:t>
+            </a:r>
+            <a:r>
+              <a:rPr lang="ru-RU" sz="3400" b="1" dirty="0"/>
+              <a:t>случайно десетично число </a:t>
+            </a:r>
+            <a:r>
+              <a:rPr lang="ru-RU" sz="3400" dirty="0"/>
+              <a:t>в </a:t>
+            </a:r>
+            <a:r>
+              <a:rPr lang="ru-RU" sz="3400" b="1" dirty="0"/>
+              <a:t>диапазон</a:t>
             </a:r>
             <a:endParaRPr lang="bg-BG" sz="3400" dirty="0">
               <a:solidFill>
@@ -11066,15 +12858,15 @@
           <a:lstStyle/>
           <a:p>
             <a:r>
-              <a:rPr lang="bg-BG" dirty="0" smtClean="0"/>
+              <a:rPr lang="bg-BG" dirty="0"/>
               <a:t>Команди от библиотеката </a:t>
             </a:r>
             <a:r>
-              <a:rPr lang="en-US" dirty="0" smtClean="0"/>
+              <a:rPr lang="en-US" dirty="0"/>
               <a:t>random</a:t>
             </a:r>
             <a:r>
-              <a:rPr lang="bg-BG" dirty="0" smtClean="0"/>
+              <a:rPr lang="bg-BG" dirty="0"/>
               <a:t> (1)</a:t>
             </a:r>
             <a:endParaRPr lang="en-US" dirty="0"/>
@@ -11131,21 +12923,24 @@
               <a:buSzPct val="70000"/>
             </a:pPr>
             <a:r>
-              <a:rPr lang="en-US" sz="2400" b="1" dirty="0" smtClean="0">
+              <a:rPr lang="en-US" sz="2400" b="1" dirty="0">
                 <a:latin typeface="Consolas" panose="020B0609020204030204" pitchFamily="49" charset="0"/>
               </a:rPr>
               <a:t>import </a:t>
             </a:r>
             <a:r>
-              <a:rPr lang="en-US" sz="2400" b="1" dirty="0" smtClean="0">
-                <a:solidFill>
-                  <a:schemeClr val="bg1"/>
+              <a:rPr lang="en-US" sz="2400" b="1" dirty="0">
+                <a:solidFill>
+                  <a:schemeClr val="accent4"/>
                 </a:solidFill>
                 <a:latin typeface="Consolas" panose="020B0609020204030204" pitchFamily="49" charset="0"/>
               </a:rPr>
               <a:t>random</a:t>
             </a:r>
-            <a:endParaRPr lang="bg-BG" sz="2400" b="1" dirty="0" smtClean="0">
+            <a:endParaRPr lang="bg-BG" sz="2400" b="1" dirty="0">
+              <a:solidFill>
+                <a:schemeClr val="accent4"/>
+              </a:solidFill>
               <a:latin typeface="Consolas" panose="020B0609020204030204" pitchFamily="49" charset="0"/>
             </a:endParaRPr>
           </a:p>
@@ -11163,21 +12958,15 @@
               <a:buSzPct val="70000"/>
             </a:pPr>
             <a:r>
-              <a:rPr lang="sv-SE" sz="2400" b="1" dirty="0" smtClean="0">
-                <a:latin typeface="Consolas" panose="020B0609020204030204" pitchFamily="49" charset="0"/>
-              </a:rPr>
-              <a:t>random_integer </a:t>
-            </a:r>
-            <a:r>
               <a:rPr lang="sv-SE" sz="2400" b="1" dirty="0">
                 <a:latin typeface="Consolas" panose="020B0609020204030204" pitchFamily="49" charset="0"/>
               </a:rPr>
-              <a:t>= </a:t>
+              <a:t>random_integer = </a:t>
             </a:r>
             <a:r>
               <a:rPr lang="sv-SE" sz="2400" b="1" dirty="0">
                 <a:solidFill>
-                  <a:schemeClr val="bg1"/>
+                  <a:schemeClr val="accent4"/>
                 </a:solidFill>
                 <a:latin typeface="Consolas" panose="020B0609020204030204" pitchFamily="49" charset="0"/>
               </a:rPr>
@@ -11192,7 +12981,7 @@
             <a:r>
               <a:rPr lang="sv-SE" sz="2400" b="1" dirty="0">
                 <a:solidFill>
-                  <a:schemeClr val="accent4"/>
+                  <a:schemeClr val="bg1"/>
                 </a:solidFill>
                 <a:latin typeface="Consolas" panose="020B0609020204030204" pitchFamily="49" charset="0"/>
               </a:rPr>
@@ -11205,16 +12994,16 @@
               <a:t>1, 10</a:t>
             </a:r>
             <a:r>
-              <a:rPr lang="sv-SE" sz="2400" b="1" dirty="0" smtClean="0">
-                <a:solidFill>
-                  <a:schemeClr val="accent4"/>
+              <a:rPr lang="sv-SE" sz="2400" b="1" dirty="0">
+                <a:solidFill>
+                  <a:schemeClr val="bg1"/>
                 </a:solidFill>
                 <a:latin typeface="Consolas" panose="020B0609020204030204" pitchFamily="49" charset="0"/>
               </a:rPr>
               <a:t>)</a:t>
             </a:r>
             <a:r>
-              <a:rPr lang="sv-SE" sz="2400" b="1" dirty="0" smtClean="0">
+              <a:rPr lang="sv-SE" sz="2400" b="1" dirty="0">
                 <a:latin typeface="Consolas" panose="020B0609020204030204" pitchFamily="49" charset="0"/>
               </a:rPr>
               <a:t> </a:t>
@@ -11234,7 +13023,7 @@
               <a:buSzPct val="70000"/>
             </a:pPr>
             <a:r>
-              <a:rPr lang="sv-SE" sz="2400" b="1" dirty="0" smtClean="0">
+              <a:rPr lang="sv-SE" sz="2400" b="1" dirty="0">
                 <a:latin typeface="Consolas" panose="020B0609020204030204" pitchFamily="49" charset="0"/>
               </a:rPr>
               <a:t>print(random_integer)</a:t>
@@ -11254,7 +13043,7 @@
         <p:spPr>
           <a:xfrm>
             <a:off x="693900" y="4509000"/>
-            <a:ext cx="9585000" cy="1590793"/>
+            <a:ext cx="7697100" cy="1590793"/>
           </a:xfrm>
           <a:prstGeom prst="rect">
             <a:avLst/>
@@ -11295,21 +13084,24 @@
               <a:buSzPct val="70000"/>
             </a:pPr>
             <a:r>
-              <a:rPr lang="en-US" sz="2400" b="1" dirty="0" smtClean="0">
+              <a:rPr lang="en-US" sz="2400" b="1" dirty="0">
                 <a:latin typeface="Consolas" panose="020B0609020204030204" pitchFamily="49" charset="0"/>
               </a:rPr>
               <a:t>import </a:t>
             </a:r>
             <a:r>
-              <a:rPr lang="en-US" sz="2400" b="1" dirty="0" smtClean="0">
-                <a:solidFill>
-                  <a:schemeClr val="bg1"/>
+              <a:rPr lang="en-US" sz="2400" b="1" dirty="0">
+                <a:solidFill>
+                  <a:schemeClr val="accent4"/>
                 </a:solidFill>
                 <a:latin typeface="Consolas" panose="020B0609020204030204" pitchFamily="49" charset="0"/>
               </a:rPr>
               <a:t>random</a:t>
             </a:r>
-            <a:endParaRPr lang="bg-BG" sz="2400" b="1" dirty="0" smtClean="0">
+            <a:endParaRPr lang="bg-BG" sz="2400" b="1" dirty="0">
+              <a:solidFill>
+                <a:schemeClr val="accent4"/>
+              </a:solidFill>
               <a:latin typeface="Consolas" panose="020B0609020204030204" pitchFamily="49" charset="0"/>
             </a:endParaRPr>
           </a:p>
@@ -11335,7 +13127,7 @@
             <a:r>
               <a:rPr lang="sv-SE" sz="2400" b="1" dirty="0">
                 <a:solidFill>
-                  <a:schemeClr val="bg1"/>
+                  <a:schemeClr val="accent4"/>
                 </a:solidFill>
                 <a:latin typeface="Consolas" panose="020B0609020204030204" pitchFamily="49" charset="0"/>
               </a:rPr>
@@ -11350,7 +13142,7 @@
             <a:r>
               <a:rPr lang="sv-SE" sz="2400" b="1" dirty="0">
                 <a:solidFill>
-                  <a:schemeClr val="accent4"/>
+                  <a:schemeClr val="bg1"/>
                 </a:solidFill>
                 <a:latin typeface="Consolas" panose="020B0609020204030204" pitchFamily="49" charset="0"/>
               </a:rPr>
@@ -11365,7 +13157,7 @@
             <a:r>
               <a:rPr lang="sv-SE" sz="2400" b="1" dirty="0">
                 <a:solidFill>
-                  <a:schemeClr val="accent4"/>
+                  <a:schemeClr val="bg1"/>
                 </a:solidFill>
                 <a:latin typeface="Consolas" panose="020B0609020204030204" pitchFamily="49" charset="0"/>
               </a:rPr>
@@ -11375,19 +13167,7 @@
               <a:rPr lang="sv-SE" sz="2400" b="1" dirty="0">
                 <a:latin typeface="Consolas" panose="020B0609020204030204" pitchFamily="49" charset="0"/>
               </a:rPr>
-              <a:t> </a:t>
-            </a:r>
-            <a:r>
-              <a:rPr lang="sv-SE" sz="2400" b="1" dirty="0" smtClean="0">
-                <a:latin typeface="Consolas" panose="020B0609020204030204" pitchFamily="49" charset="0"/>
-              </a:rPr>
-              <a:t>print(random_float</a:t>
-            </a:r>
-            <a:r>
-              <a:rPr lang="sv-SE" sz="2400" b="1" dirty="0">
-                <a:latin typeface="Consolas" panose="020B0609020204030204" pitchFamily="49" charset="0"/>
-              </a:rPr>
-              <a:t>)</a:t>
+              <a:t> print(random_float)</a:t>
             </a:r>
           </a:p>
         </p:txBody>
@@ -11400,13 +13180,13 @@
         </p:nvSpPr>
         <p:spPr bwMode="auto">
           <a:xfrm>
-            <a:off x="6742972" y="1760486"/>
+            <a:off x="6742972" y="1789444"/>
             <a:ext cx="3808027" cy="858514"/>
           </a:xfrm>
           <a:prstGeom prst="wedgeRoundRectCallout">
             <a:avLst>
-              <a:gd name="adj1" fmla="val -58164"/>
-              <a:gd name="adj2" fmla="val 53661"/>
+              <a:gd name="adj1" fmla="val -57532"/>
+              <a:gd name="adj2" fmla="val 52727"/>
               <a:gd name="adj3" fmla="val 16667"/>
             </a:avLst>
           </a:prstGeom>
@@ -11452,7 +13232,7 @@
           <a:p>
             <a:pPr algn="ctr"/>
             <a:r>
-              <a:rPr lang="ru-RU" sz="2400" b="1" dirty="0" smtClean="0">
+              <a:rPr lang="ru-RU" sz="2400" b="1" dirty="0">
                 <a:solidFill>
                   <a:srgbClr val="FFFFFF"/>
                 </a:solidFill>
@@ -11464,22 +13244,7 @@
                   </a:outerShdw>
                 </a:effectLst>
               </a:rPr>
-              <a:t>Най-малкото </a:t>
-            </a:r>
-            <a:r>
-              <a:rPr lang="ru-RU" sz="2400" b="1" dirty="0">
-                <a:solidFill>
-                  <a:srgbClr val="FFFFFF"/>
-                </a:solidFill>
-                <a:effectLst>
-                  <a:outerShdw blurRad="38100" dist="38100" dir="2700000" algn="tl">
-                    <a:srgbClr val="000000">
-                      <a:alpha val="43137"/>
-                    </a:srgbClr>
-                  </a:outerShdw>
-                </a:effectLst>
-              </a:rPr>
-              <a:t>число, което може да бъде избрано</a:t>
+              <a:t>Най-малкото число, което може да бъде избрано</a:t>
             </a:r>
             <a:endParaRPr lang="en-US" sz="2400" b="1" dirty="0">
               <a:solidFill>
@@ -11556,7 +13321,7 @@
           <a:p>
             <a:pPr algn="ctr"/>
             <a:r>
-              <a:rPr lang="ru-RU" sz="2400" b="1" dirty="0" smtClean="0">
+              <a:rPr lang="ru-RU" sz="2400" b="1" dirty="0">
                 <a:solidFill>
                   <a:srgbClr val="FFFFFF"/>
                 </a:solidFill>
@@ -11568,22 +13333,7 @@
                   </a:outerShdw>
                 </a:effectLst>
               </a:rPr>
-              <a:t>Най-голямото </a:t>
-            </a:r>
-            <a:r>
-              <a:rPr lang="ru-RU" sz="2400" b="1" dirty="0">
-                <a:solidFill>
-                  <a:srgbClr val="FFFFFF"/>
-                </a:solidFill>
-                <a:effectLst>
-                  <a:outerShdw blurRad="38100" dist="38100" dir="2700000" algn="tl">
-                    <a:srgbClr val="000000">
-                      <a:alpha val="43137"/>
-                    </a:srgbClr>
-                  </a:outerShdw>
-                </a:effectLst>
-              </a:rPr>
-              <a:t>число, което може да бъде избрано</a:t>
+              <a:t>Най-голямото число, което може да бъде избрано</a:t>
             </a:r>
             <a:endParaRPr lang="en-US" sz="2400" b="1" dirty="0">
               <a:solidFill>
@@ -11921,40 +13671,56 @@
           <a:lstStyle/>
           <a:p>
             <a:pPr>
+              <a:buClr>
+                <a:schemeClr val="tx1"/>
+              </a:buClr>
+            </a:pPr>
+            <a:r>
+              <a:rPr lang="en-US" sz="3400" b="1" dirty="0">
+                <a:solidFill>
+                  <a:schemeClr val="bg1"/>
+                </a:solidFill>
+              </a:rPr>
+              <a:t>shuffle()</a:t>
+            </a:r>
+            <a:r>
+              <a:rPr lang="bg-BG" sz="3400" b="1" dirty="0">
+                <a:solidFill>
+                  <a:schemeClr val="accent4"/>
+                </a:solidFill>
+              </a:rPr>
+              <a:t> </a:t>
+            </a:r>
+            <a:r>
+              <a:rPr lang="bg-BG" sz="3400" b="1" dirty="0"/>
+              <a:t>– р</a:t>
+            </a:r>
+            <a:r>
+              <a:rPr lang="ru-RU" b="1" dirty="0"/>
+              <a:t>азбъркване</a:t>
+            </a:r>
+            <a:r>
+              <a:rPr lang="ru-RU" dirty="0"/>
+              <a:t> на </a:t>
+            </a:r>
+            <a:r>
+              <a:rPr lang="ru-RU" b="1" dirty="0"/>
+              <a:t>елементи</a:t>
+            </a:r>
+            <a:r>
+              <a:rPr lang="ru-RU" dirty="0"/>
+              <a:t> в списък</a:t>
+            </a:r>
+          </a:p>
+          <a:p>
+            <a:pPr>
               <a:spcAft>
                 <a:spcPts val="5400"/>
               </a:spcAft>
+              <a:buClr>
+                <a:schemeClr val="tx1"/>
+              </a:buClr>
             </a:pPr>
-            <a:r>
-              <a:rPr lang="ru-RU" b="1" dirty="0"/>
-              <a:t>Разбъркване</a:t>
-            </a:r>
-            <a:r>
-              <a:rPr lang="ru-RU" dirty="0"/>
-              <a:t> на </a:t>
-            </a:r>
-            <a:r>
-              <a:rPr lang="ru-RU" b="1" dirty="0" smtClean="0"/>
-              <a:t>елементи</a:t>
-            </a:r>
-            <a:r>
-              <a:rPr lang="ru-RU" dirty="0" smtClean="0"/>
-              <a:t> в списък </a:t>
-            </a:r>
-            <a:r>
-              <a:rPr lang="ru-RU" sz="3400" dirty="0" smtClean="0"/>
-              <a:t>– </a:t>
-            </a:r>
-            <a:r>
-              <a:rPr lang="en-US" sz="3400" b="1" dirty="0" smtClean="0">
-                <a:solidFill>
-                  <a:schemeClr val="accent4"/>
-                </a:solidFill>
-              </a:rPr>
-              <a:t>shuffle()</a:t>
-            </a:r>
-          </a:p>
-          <a:p>
             <a:endParaRPr lang="en-US" sz="3400" b="1" dirty="0">
               <a:solidFill>
                 <a:schemeClr val="accent4"/>
@@ -11972,41 +13738,26 @@
             </a:endParaRPr>
           </a:p>
           <a:p>
+            <a:pPr>
+              <a:buClr>
+                <a:schemeClr val="tx1"/>
+              </a:buClr>
+            </a:pPr>
+            <a:r>
+              <a:rPr lang="sv-SE" sz="3400" b="1" dirty="0">
+                <a:solidFill>
+                  <a:schemeClr val="bg1"/>
+                </a:solidFill>
+              </a:rPr>
+              <a:t>choice() </a:t>
+            </a:r>
             <a:r>
               <a:rPr lang="bg-BG" sz="3400" b="1" dirty="0"/>
-              <a:t>С</a:t>
-            </a:r>
-            <a:r>
-              <a:rPr lang="bg-BG" sz="3400" b="1" dirty="0"/>
-              <a:t>лучаен </a:t>
-            </a:r>
-            <a:r>
-              <a:rPr lang="bg-BG" sz="3400" b="1" dirty="0"/>
-              <a:t>елемент </a:t>
+              <a:t>– случаен елемент </a:t>
             </a:r>
             <a:r>
               <a:rPr lang="bg-BG" sz="3400" dirty="0"/>
-              <a:t>от </a:t>
-            </a:r>
-            <a:r>
-              <a:rPr lang="bg-BG" sz="3400" dirty="0" smtClean="0"/>
-              <a:t>списък – </a:t>
-            </a:r>
-            <a:r>
-              <a:rPr lang="sv-SE" sz="3400" b="1" dirty="0">
-                <a:solidFill>
-                  <a:schemeClr val="accent4"/>
-                </a:solidFill>
-              </a:rPr>
-              <a:t>choice</a:t>
-            </a:r>
-            <a:r>
-              <a:rPr lang="sv-SE" sz="3400" b="1" dirty="0" smtClean="0">
-                <a:solidFill>
-                  <a:schemeClr val="accent4"/>
-                </a:solidFill>
-              </a:rPr>
-              <a:t>()</a:t>
+              <a:t>от списък</a:t>
             </a:r>
             <a:endParaRPr lang="bg-BG" sz="3400" dirty="0">
               <a:solidFill>
@@ -12035,15 +13786,15 @@
           <a:lstStyle/>
           <a:p>
             <a:r>
-              <a:rPr lang="bg-BG" dirty="0" smtClean="0"/>
+              <a:rPr lang="bg-BG" dirty="0"/>
               <a:t>Команди от библиотеката </a:t>
             </a:r>
             <a:r>
-              <a:rPr lang="en-US" dirty="0" smtClean="0"/>
+              <a:rPr lang="en-US" dirty="0"/>
               <a:t>random</a:t>
             </a:r>
             <a:r>
-              <a:rPr lang="bg-BG" dirty="0" smtClean="0"/>
+              <a:rPr lang="bg-BG" dirty="0"/>
               <a:t> (2)</a:t>
             </a:r>
             <a:endParaRPr lang="en-US" dirty="0"/>
@@ -12058,7 +13809,7 @@
         </p:nvSpPr>
         <p:spPr>
           <a:xfrm>
-            <a:off x="694500" y="1876534"/>
+            <a:off x="651000" y="1876534"/>
             <a:ext cx="7110000" cy="1997058"/>
           </a:xfrm>
           <a:prstGeom prst="rect">
@@ -12100,21 +13851,24 @@
               <a:buSzPct val="70000"/>
             </a:pPr>
             <a:r>
-              <a:rPr lang="en-US" sz="2400" b="1" dirty="0" smtClean="0">
+              <a:rPr lang="en-US" sz="2400" b="1" dirty="0">
                 <a:latin typeface="Consolas" panose="020B0609020204030204" pitchFamily="49" charset="0"/>
               </a:rPr>
               <a:t>import </a:t>
             </a:r>
             <a:r>
-              <a:rPr lang="en-US" sz="2400" b="1" dirty="0" smtClean="0">
-                <a:solidFill>
-                  <a:schemeClr val="bg1"/>
+              <a:rPr lang="en-US" sz="2400" b="1" dirty="0">
+                <a:solidFill>
+                  <a:schemeClr val="accent4"/>
                 </a:solidFill>
                 <a:latin typeface="Consolas" panose="020B0609020204030204" pitchFamily="49" charset="0"/>
               </a:rPr>
               <a:t>random</a:t>
             </a:r>
-            <a:endParaRPr lang="bg-BG" sz="2400" b="1" dirty="0" smtClean="0">
+            <a:endParaRPr lang="bg-BG" sz="2400" b="1" dirty="0">
+              <a:solidFill>
+                <a:schemeClr val="accent4"/>
+              </a:solidFill>
               <a:latin typeface="Consolas" panose="020B0609020204030204" pitchFamily="49" charset="0"/>
             </a:endParaRPr>
           </a:p>
@@ -12154,7 +13908,7 @@
             <a:r>
               <a:rPr lang="en-US" sz="2400" b="1" dirty="0">
                 <a:solidFill>
-                  <a:schemeClr val="bg1"/>
+                  <a:schemeClr val="accent4"/>
                 </a:solidFill>
                 <a:latin typeface="Consolas" panose="020B0609020204030204" pitchFamily="49" charset="0"/>
               </a:rPr>
@@ -12169,7 +13923,7 @@
             <a:r>
               <a:rPr lang="en-US" sz="2400" b="1" dirty="0">
                 <a:solidFill>
-                  <a:schemeClr val="accent4"/>
+                  <a:schemeClr val="bg1"/>
                 </a:solidFill>
                 <a:latin typeface="Consolas" panose="020B0609020204030204" pitchFamily="49" charset="0"/>
               </a:rPr>
@@ -12184,7 +13938,7 @@
             <a:r>
               <a:rPr lang="en-US" sz="2400" b="1" dirty="0">
                 <a:solidFill>
-                  <a:schemeClr val="accent4"/>
+                  <a:schemeClr val="bg1"/>
                 </a:solidFill>
                 <a:latin typeface="Consolas" panose="020B0609020204030204" pitchFamily="49" charset="0"/>
               </a:rPr>
@@ -12221,7 +13975,7 @@
         </p:nvSpPr>
         <p:spPr>
           <a:xfrm>
-            <a:off x="694500" y="4554000"/>
+            <a:off x="651000" y="4554001"/>
             <a:ext cx="9585000" cy="1997058"/>
           </a:xfrm>
           <a:prstGeom prst="rect">
@@ -12263,21 +14017,24 @@
               <a:buSzPct val="70000"/>
             </a:pPr>
             <a:r>
-              <a:rPr lang="en-US" sz="2400" b="1" dirty="0" smtClean="0">
+              <a:rPr lang="en-US" sz="2400" b="1" dirty="0">
                 <a:latin typeface="Consolas" panose="020B0609020204030204" pitchFamily="49" charset="0"/>
               </a:rPr>
               <a:t>import </a:t>
             </a:r>
             <a:r>
-              <a:rPr lang="en-US" sz="2400" b="1" dirty="0" smtClean="0">
-                <a:solidFill>
-                  <a:schemeClr val="bg1"/>
+              <a:rPr lang="en-US" sz="2400" b="1" dirty="0">
+                <a:solidFill>
+                  <a:schemeClr val="accent4"/>
                 </a:solidFill>
                 <a:latin typeface="Consolas" panose="020B0609020204030204" pitchFamily="49" charset="0"/>
               </a:rPr>
               <a:t>random</a:t>
             </a:r>
-            <a:endParaRPr lang="bg-BG" sz="2400" b="1" dirty="0" smtClean="0">
+            <a:endParaRPr lang="bg-BG" sz="2400" b="1" dirty="0">
+              <a:solidFill>
+                <a:schemeClr val="accent4"/>
+              </a:solidFill>
               <a:latin typeface="Consolas" panose="020B0609020204030204" pitchFamily="49" charset="0"/>
             </a:endParaRPr>
           </a:p>
@@ -12323,29 +14080,29 @@
             <a:r>
               <a:rPr lang="en-US" sz="2400" b="1" dirty="0">
                 <a:solidFill>
-                  <a:schemeClr val="bg1"/>
+                  <a:schemeClr val="accent4"/>
                 </a:solidFill>
                 <a:latin typeface="Consolas" panose="020B0609020204030204" pitchFamily="49" charset="0"/>
               </a:rPr>
               <a:t>random</a:t>
             </a:r>
             <a:r>
-              <a:rPr lang="sv-SE" sz="2400" b="1" dirty="0" smtClean="0">
+              <a:rPr lang="sv-SE" sz="2400" b="1" dirty="0">
                 <a:latin typeface="Consolas" panose="020B0609020204030204" pitchFamily="49" charset="0"/>
               </a:rPr>
               <a:t>.</a:t>
             </a:r>
             <a:r>
-              <a:rPr lang="sv-SE" sz="2400" b="1" dirty="0" smtClean="0">
-                <a:solidFill>
-                  <a:schemeClr val="accent4"/>
+              <a:rPr lang="sv-SE" sz="2400" b="1" dirty="0">
+                <a:solidFill>
+                  <a:schemeClr val="bg1"/>
                 </a:solidFill>
                 <a:latin typeface="Consolas" panose="020B0609020204030204" pitchFamily="49" charset="0"/>
               </a:rPr>
               <a:t>choice(</a:t>
             </a:r>
             <a:r>
-              <a:rPr lang="sv-SE" sz="2400" b="1" dirty="0" smtClean="0">
+              <a:rPr lang="sv-SE" sz="2400" b="1" dirty="0">
                 <a:latin typeface="Consolas" panose="020B0609020204030204" pitchFamily="49" charset="0"/>
               </a:rPr>
               <a:t>fruits</a:t>
@@ -12353,7 +14110,7 @@
             <a:r>
               <a:rPr lang="sv-SE" sz="2400" b="1" dirty="0">
                 <a:solidFill>
-                  <a:schemeClr val="accent4"/>
+                  <a:schemeClr val="bg1"/>
                 </a:solidFill>
                 <a:latin typeface="Consolas" panose="020B0609020204030204" pitchFamily="49" charset="0"/>
               </a:rPr>

--- a/Courses/Computer-Modeling-and-IT/Computer-Modeling-and-IT-6-Class/27-{last-number}-Python/31-Libraries/31-Libraries.pptx
+++ b/Courses/Computer-Modeling-and-IT/Computer-Modeling-and-IT-6-Class/27-{last-number}-Python/31-Libraries/31-Libraries.pptx
@@ -5,10 +5,10 @@
     <p:sldMasterId id="2147483675" r:id="rId1"/>
   </p:sldMasterIdLst>
   <p:notesMasterIdLst>
-    <p:notesMasterId r:id="rId18"/>
+    <p:notesMasterId r:id="rId22"/>
   </p:notesMasterIdLst>
   <p:handoutMasterIdLst>
-    <p:handoutMasterId r:id="rId19"/>
+    <p:handoutMasterId r:id="rId23"/>
   </p:handoutMasterIdLst>
   <p:sldIdLst>
     <p:sldId id="503" r:id="rId2"/>
@@ -24,9 +24,13 @@
     <p:sldId id="597" r:id="rId12"/>
     <p:sldId id="598" r:id="rId13"/>
     <p:sldId id="600" r:id="rId14"/>
-    <p:sldId id="586" r:id="rId15"/>
-    <p:sldId id="504" r:id="rId16"/>
-    <p:sldId id="505" r:id="rId17"/>
+    <p:sldId id="601" r:id="rId15"/>
+    <p:sldId id="602" r:id="rId16"/>
+    <p:sldId id="603" r:id="rId17"/>
+    <p:sldId id="604" r:id="rId18"/>
+    <p:sldId id="586" r:id="rId19"/>
+    <p:sldId id="504" r:id="rId20"/>
+    <p:sldId id="505" r:id="rId21"/>
   </p:sldIdLst>
   <p:sldSz cx="12192000" cy="6858000"/>
   <p:notesSz cx="6858000" cy="9144000"/>
@@ -151,6 +155,10 @@
             <p14:sldId id="597"/>
             <p14:sldId id="598"/>
             <p14:sldId id="600"/>
+            <p14:sldId id="601"/>
+            <p14:sldId id="602"/>
+            <p14:sldId id="603"/>
+            <p14:sldId id="604"/>
           </p14:sldIdLst>
         </p14:section>
         <p14:section name="Заключение" id="{E19D07F1-86E2-47E9-B2AB-7ADC4F89DC12}">
@@ -277,7 +285,7 @@
           <a:p>
             <a:fld id="{4E087215-0C8F-4762-A664-737A353EC9A4}" type="datetimeFigureOut">
               <a:rPr lang="bg-BG" smtClean="0"/>
-              <a:t>5.12.2024 г.</a:t>
+              <a:t>6.12.2024 г.</a:t>
             </a:fld>
             <a:endParaRPr lang="bg-BG"/>
           </a:p>
@@ -473,7 +481,7 @@
           <a:p>
             <a:fld id="{72D84649-876A-46C9-8472-14CB09C070D8}" type="datetimeFigureOut">
               <a:rPr lang="en-US" smtClean="0"/>
-              <a:t>12/5/2024</a:t>
+              <a:t>12/6/2024</a:t>
             </a:fld>
             <a:endParaRPr lang="en-US" dirty="0"/>
           </a:p>
@@ -1256,7 +1264,7 @@
             <a:fld id="{3EBA5BD7-F043-4D1B-AA17-CD412FC534DE}" type="slidenum">
               <a:rPr lang="en-US" smtClean="0"/>
               <a:pPr/>
-              <a:t>14</a:t>
+              <a:t>18</a:t>
             </a:fld>
             <a:endParaRPr lang="en-US" dirty="0"/>
           </a:p>
@@ -1447,7 +1455,7 @@
             <a:fld id="{3EBA5BD7-F043-4D1B-AA17-CD412FC534DE}" type="slidenum">
               <a:rPr lang="en-US" smtClean="0"/>
               <a:pPr/>
-              <a:t>15</a:t>
+              <a:t>19</a:t>
             </a:fld>
             <a:endParaRPr lang="en-US" dirty="0"/>
           </a:p>
@@ -1676,7 +1684,7 @@
             <a:fld id="{3EBA5BD7-F043-4D1B-AA17-CD412FC534DE}" type="slidenum">
               <a:rPr lang="en-US" smtClean="0"/>
               <a:pPr/>
-              <a:t>16</a:t>
+              <a:t>20</a:t>
             </a:fld>
             <a:endParaRPr lang="en-US" dirty="0"/>
           </a:p>
@@ -8555,7 +8563,22 @@
               <a:rPr lang="en-GB" sz="2400" b="1" dirty="0">
                 <a:latin typeface="Consolas" panose="020B0609020204030204" pitchFamily="49" charset="0"/>
               </a:rPr>
-              <a:t>from turtle </a:t>
+              <a:t>from </a:t>
+            </a:r>
+            <a:r>
+              <a:rPr lang="en-GB" sz="2400" b="1" dirty="0">
+                <a:solidFill>
+                  <a:schemeClr val="bg1"/>
+                </a:solidFill>
+                <a:latin typeface="Consolas" panose="020B0609020204030204" pitchFamily="49" charset="0"/>
+              </a:rPr>
+              <a:t>turtle</a:t>
+            </a:r>
+            <a:r>
+              <a:rPr lang="en-GB" sz="2400" b="1" dirty="0">
+                <a:latin typeface="Consolas" panose="020B0609020204030204" pitchFamily="49" charset="0"/>
+              </a:rPr>
+              <a:t> </a:t>
             </a:r>
             <a:r>
               <a:rPr lang="en-US" sz="2400" b="1" dirty="0">
@@ -8565,9 +8588,18 @@
             </a:r>
             <a:r>
               <a:rPr lang="bg-BG" sz="2400" b="1" dirty="0">
+                <a:solidFill>
+                  <a:schemeClr val="bg1"/>
+                </a:solidFill>
                 <a:latin typeface="Consolas" panose="020B0609020204030204" pitchFamily="49" charset="0"/>
               </a:rPr>
-              <a:t>* </a:t>
+              <a:t>*</a:t>
+            </a:r>
+            <a:r>
+              <a:rPr lang="bg-BG" sz="2400" b="1" dirty="0">
+                <a:latin typeface="Consolas" panose="020B0609020204030204" pitchFamily="49" charset="0"/>
+              </a:rPr>
+              <a:t> </a:t>
             </a:r>
             <a:endParaRPr lang="en-US" sz="2400" b="1" dirty="0">
               <a:latin typeface="Consolas" panose="020B0609020204030204" pitchFamily="49" charset="0"/>
@@ -8672,9 +8704,21 @@
               <a:rPr lang="en-GB" sz="2400" b="1" dirty="0">
                 <a:latin typeface="Consolas" panose="020B0609020204030204" pitchFamily="49" charset="0"/>
               </a:rPr>
-              <a:t> = Turtle()</a:t>
+              <a:t> = </a:t>
+            </a:r>
+            <a:r>
+              <a:rPr lang="en-GB" sz="2400" b="1" dirty="0">
+                <a:solidFill>
+                  <a:schemeClr val="bg1"/>
+                </a:solidFill>
+                <a:latin typeface="Consolas" panose="020B0609020204030204" pitchFamily="49" charset="0"/>
+              </a:rPr>
+              <a:t>Turtle()</a:t>
             </a:r>
             <a:endParaRPr lang="bg-BG" sz="2400" b="1" dirty="0">
+              <a:solidFill>
+                <a:schemeClr val="bg1"/>
+              </a:solidFill>
               <a:latin typeface="Consolas" panose="020B0609020204030204" pitchFamily="49" charset="0"/>
             </a:endParaRPr>
           </a:p>
@@ -8695,9 +8739,21 @@
               <a:rPr lang="en-GB" sz="2400" b="1" dirty="0">
                 <a:latin typeface="Consolas" panose="020B0609020204030204" pitchFamily="49" charset="0"/>
               </a:rPr>
-              <a:t>screen = Screen()</a:t>
+              <a:t>screen = </a:t>
+            </a:r>
+            <a:r>
+              <a:rPr lang="en-GB" sz="2400" b="1" dirty="0">
+                <a:solidFill>
+                  <a:schemeClr val="bg1"/>
+                </a:solidFill>
+                <a:latin typeface="Consolas" panose="020B0609020204030204" pitchFamily="49" charset="0"/>
+              </a:rPr>
+              <a:t>Screen()</a:t>
             </a:r>
             <a:endParaRPr lang="en-US" sz="2400" b="1" dirty="0">
+              <a:solidFill>
+                <a:schemeClr val="bg1"/>
+              </a:solidFill>
               <a:latin typeface="Consolas" panose="020B0609020204030204" pitchFamily="49" charset="0"/>
             </a:endParaRPr>
           </a:p>
@@ -8962,7 +9018,7 @@
                             </p:stCondLst>
                             <p:childTnLst>
                               <p:par>
-                                <p:cTn id="9" presetID="1" presetClass="entr" presetSubtype="0" fill="hold" grpId="0" nodeType="clickEffect">
+                                <p:cTn id="9" presetID="1" presetClass="entr" presetSubtype="0" fill="hold" nodeType="clickEffect">
                                   <p:stCondLst>
                                     <p:cond delay="0"/>
                                   </p:stCondLst>
@@ -8975,7 +9031,226 @@
                                           </p:stCondLst>
                                         </p:cTn>
                                         <p:tgtEl>
+                                          <p:spTgt spid="5">
+                                            <p:txEl>
+                                              <p:pRg st="2" end="2"/>
+                                            </p:txEl>
+                                          </p:spTgt>
+                                        </p:tgtEl>
+                                        <p:attrNameLst>
+                                          <p:attrName>style.visibility</p:attrName>
+                                        </p:attrNameLst>
+                                      </p:cBhvr>
+                                      <p:to>
+                                        <p:strVal val="visible"/>
+                                      </p:to>
+                                    </p:set>
+                                  </p:childTnLst>
+                                </p:cTn>
+                              </p:par>
+                            </p:childTnLst>
+                          </p:cTn>
+                        </p:par>
+                      </p:childTnLst>
+                    </p:cTn>
+                  </p:par>
+                  <p:par>
+                    <p:cTn id="11" fill="hold">
+                      <p:stCondLst>
+                        <p:cond delay="indefinite"/>
+                      </p:stCondLst>
+                      <p:childTnLst>
+                        <p:par>
+                          <p:cTn id="12" fill="hold">
+                            <p:stCondLst>
+                              <p:cond delay="0"/>
+                            </p:stCondLst>
+                            <p:childTnLst>
+                              <p:par>
+                                <p:cTn id="13" presetID="1" presetClass="entr" presetSubtype="0" fill="hold" nodeType="clickEffect">
+                                  <p:stCondLst>
+                                    <p:cond delay="0"/>
+                                  </p:stCondLst>
+                                  <p:childTnLst>
+                                    <p:set>
+                                      <p:cBhvr>
+                                        <p:cTn id="14" dur="1" fill="hold">
+                                          <p:stCondLst>
+                                            <p:cond delay="0"/>
+                                          </p:stCondLst>
+                                        </p:cTn>
+                                        <p:tgtEl>
+                                          <p:spTgt spid="5">
+                                            <p:txEl>
+                                              <p:pRg st="3" end="3"/>
+                                            </p:txEl>
+                                          </p:spTgt>
+                                        </p:tgtEl>
+                                        <p:attrNameLst>
+                                          <p:attrName>style.visibility</p:attrName>
+                                        </p:attrNameLst>
+                                      </p:cBhvr>
+                                      <p:to>
+                                        <p:strVal val="visible"/>
+                                      </p:to>
+                                    </p:set>
+                                  </p:childTnLst>
+                                </p:cTn>
+                              </p:par>
+                            </p:childTnLst>
+                          </p:cTn>
+                        </p:par>
+                      </p:childTnLst>
+                    </p:cTn>
+                  </p:par>
+                  <p:par>
+                    <p:cTn id="15" fill="hold">
+                      <p:stCondLst>
+                        <p:cond delay="indefinite"/>
+                      </p:stCondLst>
+                      <p:childTnLst>
+                        <p:par>
+                          <p:cTn id="16" fill="hold">
+                            <p:stCondLst>
+                              <p:cond delay="0"/>
+                            </p:stCondLst>
+                            <p:childTnLst>
+                              <p:par>
+                                <p:cTn id="17" presetID="1" presetClass="entr" presetSubtype="0" fill="hold" nodeType="clickEffect">
+                                  <p:stCondLst>
+                                    <p:cond delay="0"/>
+                                  </p:stCondLst>
+                                  <p:childTnLst>
+                                    <p:set>
+                                      <p:cBhvr>
+                                        <p:cTn id="18" dur="1" fill="hold">
+                                          <p:stCondLst>
+                                            <p:cond delay="0"/>
+                                          </p:stCondLst>
+                                        </p:cTn>
+                                        <p:tgtEl>
+                                          <p:spTgt spid="5">
+                                            <p:txEl>
+                                              <p:pRg st="4" end="4"/>
+                                            </p:txEl>
+                                          </p:spTgt>
+                                        </p:tgtEl>
+                                        <p:attrNameLst>
+                                          <p:attrName>style.visibility</p:attrName>
+                                        </p:attrNameLst>
+                                      </p:cBhvr>
+                                      <p:to>
+                                        <p:strVal val="visible"/>
+                                      </p:to>
+                                    </p:set>
+                                  </p:childTnLst>
+                                </p:cTn>
+                              </p:par>
+                            </p:childTnLst>
+                          </p:cTn>
+                        </p:par>
+                      </p:childTnLst>
+                    </p:cTn>
+                  </p:par>
+                  <p:par>
+                    <p:cTn id="19" fill="hold">
+                      <p:stCondLst>
+                        <p:cond delay="indefinite"/>
+                      </p:stCondLst>
+                      <p:childTnLst>
+                        <p:par>
+                          <p:cTn id="20" fill="hold">
+                            <p:stCondLst>
+                              <p:cond delay="0"/>
+                            </p:stCondLst>
+                            <p:childTnLst>
+                              <p:par>
+                                <p:cTn id="21" presetID="1" presetClass="entr" presetSubtype="0" fill="hold" grpId="0" nodeType="clickEffect">
+                                  <p:stCondLst>
+                                    <p:cond delay="0"/>
+                                  </p:stCondLst>
+                                  <p:childTnLst>
+                                    <p:set>
+                                      <p:cBhvr>
+                                        <p:cTn id="22" dur="1" fill="hold">
+                                          <p:stCondLst>
+                                            <p:cond delay="0"/>
+                                          </p:stCondLst>
+                                        </p:cTn>
+                                        <p:tgtEl>
                                           <p:spTgt spid="7"/>
+                                        </p:tgtEl>
+                                        <p:attrNameLst>
+                                          <p:attrName>style.visibility</p:attrName>
+                                        </p:attrNameLst>
+                                      </p:cBhvr>
+                                      <p:to>
+                                        <p:strVal val="visible"/>
+                                      </p:to>
+                                    </p:set>
+                                  </p:childTnLst>
+                                </p:cTn>
+                              </p:par>
+                            </p:childTnLst>
+                          </p:cTn>
+                        </p:par>
+                      </p:childTnLst>
+                    </p:cTn>
+                  </p:par>
+                  <p:par>
+                    <p:cTn id="23" fill="hold">
+                      <p:stCondLst>
+                        <p:cond delay="indefinite"/>
+                      </p:stCondLst>
+                      <p:childTnLst>
+                        <p:par>
+                          <p:cTn id="24" fill="hold">
+                            <p:stCondLst>
+                              <p:cond delay="0"/>
+                            </p:stCondLst>
+                            <p:childTnLst>
+                              <p:par>
+                                <p:cTn id="25" presetID="1" presetClass="entr" presetSubtype="0" fill="hold" grpId="0" nodeType="clickEffect">
+                                  <p:stCondLst>
+                                    <p:cond delay="0"/>
+                                  </p:stCondLst>
+                                  <p:childTnLst>
+                                    <p:set>
+                                      <p:cBhvr>
+                                        <p:cTn id="26" dur="1" fill="hold">
+                                          <p:stCondLst>
+                                            <p:cond delay="0"/>
+                                          </p:stCondLst>
+                                        </p:cTn>
+                                        <p:tgtEl>
+                                          <p:spTgt spid="11"/>
+                                        </p:tgtEl>
+                                        <p:attrNameLst>
+                                          <p:attrName>style.visibility</p:attrName>
+                                        </p:attrNameLst>
+                                      </p:cBhvr>
+                                      <p:to>
+                                        <p:strVal val="visible"/>
+                                      </p:to>
+                                    </p:set>
+                                  </p:childTnLst>
+                                </p:cTn>
+                              </p:par>
+                              <p:par>
+                                <p:cTn id="27" presetID="1" presetClass="entr" presetSubtype="0" fill="hold" grpId="0" nodeType="withEffect">
+                                  <p:stCondLst>
+                                    <p:cond delay="0"/>
+                                  </p:stCondLst>
+                                  <p:childTnLst>
+                                    <p:set>
+                                      <p:cBhvr>
+                                        <p:cTn id="28" dur="1" fill="hold">
+                                          <p:stCondLst>
+                                            <p:cond delay="0"/>
+                                          </p:stCondLst>
+                                        </p:cTn>
+                                        <p:tgtEl>
+                                          <p:spTgt spid="9"/>
                                         </p:tgtEl>
                                         <p:attrNameLst>
                                           <p:attrName>style.visibility</p:attrName>
@@ -9018,12 +9293,3500 @@
     <p:bldLst>
       <p:bldP spid="6" grpId="0" animBg="1"/>
       <p:bldP spid="7" grpId="0" animBg="1"/>
+      <p:bldP spid="9" grpId="0" animBg="1"/>
+      <p:bldP spid="11" grpId="0" animBg="1"/>
     </p:bldLst>
   </p:timing>
 </p:sld>
 </file>
 
 <file path=ppt/slides/slide14.xml><?xml version="1.0" encoding="utf-8"?>
+<p:sld xmlns:a="http://schemas.openxmlformats.org/drawingml/2006/main" xmlns:r="http://schemas.openxmlformats.org/officeDocument/2006/relationships" xmlns:p="http://schemas.openxmlformats.org/presentationml/2006/main">
+  <p:cSld>
+    <p:spTree>
+      <p:nvGrpSpPr>
+        <p:cNvPr id="1" name=""/>
+        <p:cNvGrpSpPr/>
+        <p:nvPr/>
+      </p:nvGrpSpPr>
+      <p:grpSpPr>
+        <a:xfrm>
+          <a:off x="0" y="0"/>
+          <a:ext cx="0" cy="0"/>
+          <a:chOff x="0" y="0"/>
+          <a:chExt cx="0" cy="0"/>
+        </a:xfrm>
+      </p:grpSpPr>
+      <p:sp>
+        <p:nvSpPr>
+          <p:cNvPr id="2" name="Slide Number Placeholder 1">
+            <a:extLst>
+              <a:ext uri="{FF2B5EF4-FFF2-40B4-BE49-F238E27FC236}">
+                <a16:creationId xmlns:a16="http://schemas.microsoft.com/office/drawing/2014/main" id="{1B60265E-2D29-BE37-0135-F13441EB75F3}"/>
+              </a:ext>
+            </a:extLst>
+          </p:cNvPr>
+          <p:cNvSpPr>
+            <a:spLocks noGrp="1"/>
+          </p:cNvSpPr>
+          <p:nvPr>
+            <p:ph type="sldNum" sz="quarter" idx="5"/>
+          </p:nvPr>
+        </p:nvSpPr>
+        <p:spPr/>
+        <p:txBody>
+          <a:bodyPr/>
+          <a:lstStyle/>
+          <a:p>
+            <a:fld id="{2BF067CD-8E6B-4360-9AA8-C5DF2A48A6D1}" type="slidenum">
+              <a:rPr lang="en-US" noProof="0" smtClean="0"/>
+              <a:pPr/>
+              <a:t>14</a:t>
+            </a:fld>
+            <a:endParaRPr lang="en-US" noProof="0" dirty="0"/>
+          </a:p>
+        </p:txBody>
+      </p:sp>
+      <p:sp>
+        <p:nvSpPr>
+          <p:cNvPr id="4" name="Title 3">
+            <a:extLst>
+              <a:ext uri="{FF2B5EF4-FFF2-40B4-BE49-F238E27FC236}">
+                <a16:creationId xmlns:a16="http://schemas.microsoft.com/office/drawing/2014/main" id="{070DF829-D21E-7B6F-E869-09CA0F0C09CF}"/>
+              </a:ext>
+            </a:extLst>
+          </p:cNvPr>
+          <p:cNvSpPr>
+            <a:spLocks noGrp="1"/>
+          </p:cNvSpPr>
+          <p:nvPr>
+            <p:ph type="title"/>
+          </p:nvPr>
+        </p:nvSpPr>
+        <p:spPr/>
+        <p:txBody>
+          <a:bodyPr/>
+          <a:lstStyle/>
+          <a:p>
+            <a:r>
+              <a:rPr lang="bg-BG" dirty="0"/>
+              <a:t>Команди от библиотеката </a:t>
+            </a:r>
+            <a:r>
+              <a:rPr lang="en-US" dirty="0"/>
+              <a:t>t</a:t>
+            </a:r>
+            <a:r>
+              <a:rPr lang="en-GB" dirty="0"/>
+              <a:t>urtle (1)</a:t>
+            </a:r>
+          </a:p>
+        </p:txBody>
+      </p:sp>
+      <p:graphicFrame>
+        <p:nvGraphicFramePr>
+          <p:cNvPr id="5" name="Table 4">
+            <a:extLst>
+              <a:ext uri="{FF2B5EF4-FFF2-40B4-BE49-F238E27FC236}">
+                <a16:creationId xmlns:a16="http://schemas.microsoft.com/office/drawing/2014/main" id="{2962C497-AFB9-14D3-0FA2-C50AA6D21C64}"/>
+              </a:ext>
+            </a:extLst>
+          </p:cNvPr>
+          <p:cNvGraphicFramePr>
+            <a:graphicFrameLocks noGrp="1"/>
+          </p:cNvGraphicFramePr>
+          <p:nvPr>
+            <p:extLst>
+              <p:ext uri="{D42A27DB-BD31-4B8C-83A1-F6EECF244321}">
+                <p14:modId xmlns:p14="http://schemas.microsoft.com/office/powerpoint/2010/main" val="3549040665"/>
+              </p:ext>
+            </p:extLst>
+          </p:nvPr>
+        </p:nvGraphicFramePr>
+        <p:xfrm>
+          <a:off x="387485" y="1359000"/>
+          <a:ext cx="11417030" cy="5175000"/>
+        </p:xfrm>
+        <a:graphic>
+          <a:graphicData uri="http://schemas.openxmlformats.org/drawingml/2006/table">
+            <a:tbl>
+              <a:tblPr firstRow="1" bandRow="1">
+                <a:tableStyleId>{073A0DAA-6AF3-43AB-8588-CEC1D06C72B9}</a:tableStyleId>
+              </a:tblPr>
+              <a:tblGrid>
+                <a:gridCol w="4950000">
+                  <a:extLst>
+                    <a:ext uri="{9D8B030D-6E8A-4147-A177-3AD203B41FA5}">
+                      <a16:colId xmlns:a16="http://schemas.microsoft.com/office/drawing/2014/main" val="1555024472"/>
+                    </a:ext>
+                  </a:extLst>
+                </a:gridCol>
+                <a:gridCol w="6467030">
+                  <a:extLst>
+                    <a:ext uri="{9D8B030D-6E8A-4147-A177-3AD203B41FA5}">
+                      <a16:colId xmlns:a16="http://schemas.microsoft.com/office/drawing/2014/main" val="2710482895"/>
+                    </a:ext>
+                  </a:extLst>
+                </a:gridCol>
+              </a:tblGrid>
+              <a:tr h="620889">
+                <a:tc>
+                  <a:txBody>
+                    <a:bodyPr/>
+                    <a:lstStyle/>
+                    <a:p>
+                      <a:pPr algn="ctr"/>
+                      <a:r>
+                        <a:rPr lang="en-GB" dirty="0">
+                          <a:solidFill>
+                            <a:schemeClr val="bg2"/>
+                          </a:solidFill>
+                        </a:rPr>
+                        <a:t>Scratch</a:t>
+                      </a:r>
+                    </a:p>
+                  </a:txBody>
+                  <a:tcPr anchor="ctr">
+                    <a:lnL w="12700" cap="flat" cmpd="sng" algn="ctr">
+                      <a:solidFill>
+                        <a:schemeClr val="tx1"/>
+                      </a:solidFill>
+                      <a:prstDash val="solid"/>
+                      <a:round/>
+                      <a:headEnd type="none" w="med" len="med"/>
+                      <a:tailEnd type="none" w="med" len="med"/>
+                    </a:lnL>
+                    <a:lnR w="12700" cap="flat" cmpd="sng" algn="ctr">
+                      <a:solidFill>
+                        <a:schemeClr val="tx1"/>
+                      </a:solidFill>
+                      <a:prstDash val="solid"/>
+                      <a:round/>
+                      <a:headEnd type="none" w="med" len="med"/>
+                      <a:tailEnd type="none" w="med" len="med"/>
+                    </a:lnR>
+                    <a:lnT w="12700" cap="flat" cmpd="sng" algn="ctr">
+                      <a:solidFill>
+                        <a:schemeClr val="tx1"/>
+                      </a:solidFill>
+                      <a:prstDash val="solid"/>
+                      <a:round/>
+                      <a:headEnd type="none" w="med" len="med"/>
+                      <a:tailEnd type="none" w="med" len="med"/>
+                    </a:lnT>
+                    <a:lnB w="12700" cap="flat" cmpd="sng" algn="ctr">
+                      <a:solidFill>
+                        <a:schemeClr val="tx1"/>
+                      </a:solidFill>
+                      <a:prstDash val="solid"/>
+                      <a:round/>
+                      <a:headEnd type="none" w="med" len="med"/>
+                      <a:tailEnd type="none" w="med" len="med"/>
+                    </a:lnB>
+                  </a:tcPr>
+                </a:tc>
+                <a:tc>
+                  <a:txBody>
+                    <a:bodyPr/>
+                    <a:lstStyle/>
+                    <a:p>
+                      <a:pPr algn="ctr"/>
+                      <a:r>
+                        <a:rPr lang="en-GB" dirty="0">
+                          <a:solidFill>
+                            <a:schemeClr val="bg2"/>
+                          </a:solidFill>
+                        </a:rPr>
+                        <a:t>Python (turtle module)</a:t>
+                      </a:r>
+                    </a:p>
+                  </a:txBody>
+                  <a:tcPr anchor="ctr">
+                    <a:lnL w="12700" cap="flat" cmpd="sng" algn="ctr">
+                      <a:solidFill>
+                        <a:schemeClr val="tx1"/>
+                      </a:solidFill>
+                      <a:prstDash val="solid"/>
+                      <a:round/>
+                      <a:headEnd type="none" w="med" len="med"/>
+                      <a:tailEnd type="none" w="med" len="med"/>
+                    </a:lnL>
+                    <a:lnR w="12700" cap="flat" cmpd="sng" algn="ctr">
+                      <a:solidFill>
+                        <a:schemeClr val="tx1"/>
+                      </a:solidFill>
+                      <a:prstDash val="solid"/>
+                      <a:round/>
+                      <a:headEnd type="none" w="med" len="med"/>
+                      <a:tailEnd type="none" w="med" len="med"/>
+                    </a:lnR>
+                    <a:lnT w="12700" cap="flat" cmpd="sng" algn="ctr">
+                      <a:solidFill>
+                        <a:schemeClr val="tx1"/>
+                      </a:solidFill>
+                      <a:prstDash val="solid"/>
+                      <a:round/>
+                      <a:headEnd type="none" w="med" len="med"/>
+                      <a:tailEnd type="none" w="med" len="med"/>
+                    </a:lnT>
+                    <a:lnB w="12700" cap="flat" cmpd="sng" algn="ctr">
+                      <a:solidFill>
+                        <a:schemeClr val="tx1"/>
+                      </a:solidFill>
+                      <a:prstDash val="solid"/>
+                      <a:round/>
+                      <a:headEnd type="none" w="med" len="med"/>
+                      <a:tailEnd type="none" w="med" len="med"/>
+                    </a:lnB>
+                  </a:tcPr>
+                </a:tc>
+                <a:extLst>
+                  <a:ext uri="{0D108BD9-81ED-4DB2-BD59-A6C34878D82A}">
+                    <a16:rowId xmlns:a16="http://schemas.microsoft.com/office/drawing/2014/main" val="35918530"/>
+                  </a:ext>
+                </a:extLst>
+              </a:tr>
+              <a:tr h="1089111">
+                <a:tc>
+                  <a:txBody>
+                    <a:bodyPr/>
+                    <a:lstStyle/>
+                    <a:p>
+                      <a:endParaRPr lang="en-GB" dirty="0">
+                        <a:solidFill>
+                          <a:schemeClr val="tx1"/>
+                        </a:solidFill>
+                      </a:endParaRPr>
+                    </a:p>
+                  </a:txBody>
+                  <a:tcPr>
+                    <a:lnL w="12700" cap="flat" cmpd="sng" algn="ctr">
+                      <a:solidFill>
+                        <a:schemeClr val="tx1"/>
+                      </a:solidFill>
+                      <a:prstDash val="solid"/>
+                      <a:round/>
+                      <a:headEnd type="none" w="med" len="med"/>
+                      <a:tailEnd type="none" w="med" len="med"/>
+                    </a:lnL>
+                    <a:lnR w="12700" cap="flat" cmpd="sng" algn="ctr">
+                      <a:solidFill>
+                        <a:schemeClr val="tx1"/>
+                      </a:solidFill>
+                      <a:prstDash val="solid"/>
+                      <a:round/>
+                      <a:headEnd type="none" w="med" len="med"/>
+                      <a:tailEnd type="none" w="med" len="med"/>
+                    </a:lnR>
+                    <a:lnT w="12700" cap="flat" cmpd="sng" algn="ctr">
+                      <a:solidFill>
+                        <a:schemeClr val="tx1"/>
+                      </a:solidFill>
+                      <a:prstDash val="solid"/>
+                      <a:round/>
+                      <a:headEnd type="none" w="med" len="med"/>
+                      <a:tailEnd type="none" w="med" len="med"/>
+                    </a:lnT>
+                    <a:lnB w="12700" cap="flat" cmpd="sng" algn="ctr">
+                      <a:solidFill>
+                        <a:schemeClr val="tx1"/>
+                      </a:solidFill>
+                      <a:prstDash val="solid"/>
+                      <a:round/>
+                      <a:headEnd type="none" w="med" len="med"/>
+                      <a:tailEnd type="none" w="med" len="med"/>
+                    </a:lnB>
+                  </a:tcPr>
+                </a:tc>
+                <a:tc>
+                  <a:txBody>
+                    <a:bodyPr/>
+                    <a:lstStyle/>
+                    <a:p>
+                      <a:pPr algn="ctr"/>
+                      <a:r>
+                        <a:rPr lang="en-GB" b="0" dirty="0">
+                          <a:solidFill>
+                            <a:schemeClr val="tx1"/>
+                          </a:solidFill>
+                        </a:rPr>
+                        <a:t>my_turtle.</a:t>
+                      </a:r>
+                      <a:r>
+                        <a:rPr lang="en-GB" b="1" dirty="0">
+                          <a:solidFill>
+                            <a:schemeClr val="tx1"/>
+                          </a:solidFill>
+                        </a:rPr>
+                        <a:t>clear()</a:t>
+                      </a:r>
+                    </a:p>
+                  </a:txBody>
+                  <a:tcPr anchor="ctr">
+                    <a:lnL w="12700" cap="flat" cmpd="sng" algn="ctr">
+                      <a:solidFill>
+                        <a:schemeClr val="tx1"/>
+                      </a:solidFill>
+                      <a:prstDash val="solid"/>
+                      <a:round/>
+                      <a:headEnd type="none" w="med" len="med"/>
+                      <a:tailEnd type="none" w="med" len="med"/>
+                    </a:lnL>
+                    <a:lnR w="12700" cap="flat" cmpd="sng" algn="ctr">
+                      <a:solidFill>
+                        <a:schemeClr val="tx1"/>
+                      </a:solidFill>
+                      <a:prstDash val="solid"/>
+                      <a:round/>
+                      <a:headEnd type="none" w="med" len="med"/>
+                      <a:tailEnd type="none" w="med" len="med"/>
+                    </a:lnR>
+                    <a:lnT w="12700" cap="flat" cmpd="sng" algn="ctr">
+                      <a:solidFill>
+                        <a:schemeClr val="tx1"/>
+                      </a:solidFill>
+                      <a:prstDash val="solid"/>
+                      <a:round/>
+                      <a:headEnd type="none" w="med" len="med"/>
+                      <a:tailEnd type="none" w="med" len="med"/>
+                    </a:lnT>
+                    <a:lnB w="12700" cap="flat" cmpd="sng" algn="ctr">
+                      <a:solidFill>
+                        <a:schemeClr val="tx1"/>
+                      </a:solidFill>
+                      <a:prstDash val="solid"/>
+                      <a:round/>
+                      <a:headEnd type="none" w="med" len="med"/>
+                      <a:tailEnd type="none" w="med" len="med"/>
+                    </a:lnB>
+                  </a:tcPr>
+                </a:tc>
+                <a:extLst>
+                  <a:ext uri="{0D108BD9-81ED-4DB2-BD59-A6C34878D82A}">
+                    <a16:rowId xmlns:a16="http://schemas.microsoft.com/office/drawing/2014/main" val="661962438"/>
+                  </a:ext>
+                </a:extLst>
+              </a:tr>
+              <a:tr h="1097335">
+                <a:tc>
+                  <a:txBody>
+                    <a:bodyPr/>
+                    <a:lstStyle/>
+                    <a:p>
+                      <a:endParaRPr lang="en-GB" dirty="0">
+                        <a:solidFill>
+                          <a:schemeClr val="tx1"/>
+                        </a:solidFill>
+                      </a:endParaRPr>
+                    </a:p>
+                  </a:txBody>
+                  <a:tcPr>
+                    <a:lnL w="12700" cap="flat" cmpd="sng" algn="ctr">
+                      <a:solidFill>
+                        <a:schemeClr val="tx1"/>
+                      </a:solidFill>
+                      <a:prstDash val="solid"/>
+                      <a:round/>
+                      <a:headEnd type="none" w="med" len="med"/>
+                      <a:tailEnd type="none" w="med" len="med"/>
+                    </a:lnL>
+                    <a:lnR w="12700" cap="flat" cmpd="sng" algn="ctr">
+                      <a:solidFill>
+                        <a:schemeClr val="tx1"/>
+                      </a:solidFill>
+                      <a:prstDash val="solid"/>
+                      <a:round/>
+                      <a:headEnd type="none" w="med" len="med"/>
+                      <a:tailEnd type="none" w="med" len="med"/>
+                    </a:lnR>
+                    <a:lnT w="12700" cap="flat" cmpd="sng" algn="ctr">
+                      <a:solidFill>
+                        <a:schemeClr val="tx1"/>
+                      </a:solidFill>
+                      <a:prstDash val="solid"/>
+                      <a:round/>
+                      <a:headEnd type="none" w="med" len="med"/>
+                      <a:tailEnd type="none" w="med" len="med"/>
+                    </a:lnT>
+                    <a:lnB w="12700" cap="flat" cmpd="sng" algn="ctr">
+                      <a:solidFill>
+                        <a:schemeClr val="tx1"/>
+                      </a:solidFill>
+                      <a:prstDash val="solid"/>
+                      <a:round/>
+                      <a:headEnd type="none" w="med" len="med"/>
+                      <a:tailEnd type="none" w="med" len="med"/>
+                    </a:lnB>
+                  </a:tcPr>
+                </a:tc>
+                <a:tc>
+                  <a:txBody>
+                    <a:bodyPr/>
+                    <a:lstStyle/>
+                    <a:p>
+                      <a:pPr algn="ctr"/>
+                      <a:r>
+                        <a:rPr lang="en-GB" dirty="0">
+                          <a:solidFill>
+                            <a:schemeClr val="tx1"/>
+                          </a:solidFill>
+                        </a:rPr>
+                        <a:t>my_turtle.</a:t>
+                      </a:r>
+                      <a:r>
+                        <a:rPr lang="en-GB" b="1" dirty="0">
+                          <a:solidFill>
+                            <a:schemeClr val="tx1"/>
+                          </a:solidFill>
+                        </a:rPr>
+                        <a:t>pencolor(255, 0, 0) </a:t>
+                      </a:r>
+                      <a:r>
+                        <a:rPr lang="en-GB" b="0" dirty="0">
+                          <a:solidFill>
+                            <a:schemeClr val="tx1"/>
+                          </a:solidFill>
+                        </a:rPr>
+                        <a:t>/ </a:t>
+                      </a:r>
+                      <a:r>
+                        <a:rPr lang="en-GB" b="1" dirty="0">
+                          <a:solidFill>
+                            <a:schemeClr val="tx1"/>
+                          </a:solidFill>
+                        </a:rPr>
+                        <a:t>("red")</a:t>
+                      </a:r>
+                    </a:p>
+                  </a:txBody>
+                  <a:tcPr anchor="ctr">
+                    <a:lnL w="12700" cap="flat" cmpd="sng" algn="ctr">
+                      <a:solidFill>
+                        <a:schemeClr val="tx1"/>
+                      </a:solidFill>
+                      <a:prstDash val="solid"/>
+                      <a:round/>
+                      <a:headEnd type="none" w="med" len="med"/>
+                      <a:tailEnd type="none" w="med" len="med"/>
+                    </a:lnL>
+                    <a:lnR w="12700" cap="flat" cmpd="sng" algn="ctr">
+                      <a:solidFill>
+                        <a:schemeClr val="tx1"/>
+                      </a:solidFill>
+                      <a:prstDash val="solid"/>
+                      <a:round/>
+                      <a:headEnd type="none" w="med" len="med"/>
+                      <a:tailEnd type="none" w="med" len="med"/>
+                    </a:lnR>
+                    <a:lnT w="12700" cap="flat" cmpd="sng" algn="ctr">
+                      <a:solidFill>
+                        <a:schemeClr val="tx1"/>
+                      </a:solidFill>
+                      <a:prstDash val="solid"/>
+                      <a:round/>
+                      <a:headEnd type="none" w="med" len="med"/>
+                      <a:tailEnd type="none" w="med" len="med"/>
+                    </a:lnT>
+                    <a:lnB w="12700" cap="flat" cmpd="sng" algn="ctr">
+                      <a:solidFill>
+                        <a:schemeClr val="tx1"/>
+                      </a:solidFill>
+                      <a:prstDash val="solid"/>
+                      <a:round/>
+                      <a:headEnd type="none" w="med" len="med"/>
+                      <a:tailEnd type="none" w="med" len="med"/>
+                    </a:lnB>
+                  </a:tcPr>
+                </a:tc>
+                <a:extLst>
+                  <a:ext uri="{0D108BD9-81ED-4DB2-BD59-A6C34878D82A}">
+                    <a16:rowId xmlns:a16="http://schemas.microsoft.com/office/drawing/2014/main" val="1416192551"/>
+                  </a:ext>
+                </a:extLst>
+              </a:tr>
+              <a:tr h="1241446">
+                <a:tc>
+                  <a:txBody>
+                    <a:bodyPr/>
+                    <a:lstStyle/>
+                    <a:p>
+                      <a:endParaRPr lang="en-GB" dirty="0">
+                        <a:solidFill>
+                          <a:schemeClr val="tx1"/>
+                        </a:solidFill>
+                      </a:endParaRPr>
+                    </a:p>
+                  </a:txBody>
+                  <a:tcPr>
+                    <a:lnL w="12700" cap="flat" cmpd="sng" algn="ctr">
+                      <a:solidFill>
+                        <a:schemeClr val="tx1"/>
+                      </a:solidFill>
+                      <a:prstDash val="solid"/>
+                      <a:round/>
+                      <a:headEnd type="none" w="med" len="med"/>
+                      <a:tailEnd type="none" w="med" len="med"/>
+                    </a:lnL>
+                    <a:lnR w="12700" cap="flat" cmpd="sng" algn="ctr">
+                      <a:solidFill>
+                        <a:schemeClr val="tx1"/>
+                      </a:solidFill>
+                      <a:prstDash val="solid"/>
+                      <a:round/>
+                      <a:headEnd type="none" w="med" len="med"/>
+                      <a:tailEnd type="none" w="med" len="med"/>
+                    </a:lnR>
+                    <a:lnT w="12700" cap="flat" cmpd="sng" algn="ctr">
+                      <a:solidFill>
+                        <a:schemeClr val="tx1"/>
+                      </a:solidFill>
+                      <a:prstDash val="solid"/>
+                      <a:round/>
+                      <a:headEnd type="none" w="med" len="med"/>
+                      <a:tailEnd type="none" w="med" len="med"/>
+                    </a:lnT>
+                    <a:lnB w="12700" cap="flat" cmpd="sng" algn="ctr">
+                      <a:solidFill>
+                        <a:schemeClr val="tx1"/>
+                      </a:solidFill>
+                      <a:prstDash val="solid"/>
+                      <a:round/>
+                      <a:headEnd type="none" w="med" len="med"/>
+                      <a:tailEnd type="none" w="med" len="med"/>
+                    </a:lnB>
+                  </a:tcPr>
+                </a:tc>
+                <a:tc>
+                  <a:txBody>
+                    <a:bodyPr/>
+                    <a:lstStyle/>
+                    <a:p>
+                      <a:pPr algn="ctr"/>
+                      <a:r>
+                        <a:rPr lang="en-GB" dirty="0">
+                          <a:solidFill>
+                            <a:schemeClr val="tx1"/>
+                          </a:solidFill>
+                        </a:rPr>
+                        <a:t>my_turtle.</a:t>
+                      </a:r>
+                      <a:r>
+                        <a:rPr lang="en-GB" b="1" dirty="0">
+                          <a:solidFill>
+                            <a:schemeClr val="tx1"/>
+                          </a:solidFill>
+                        </a:rPr>
+                        <a:t>pensize(3)</a:t>
+                      </a:r>
+                    </a:p>
+                  </a:txBody>
+                  <a:tcPr anchor="ctr">
+                    <a:lnL w="12700" cap="flat" cmpd="sng" algn="ctr">
+                      <a:solidFill>
+                        <a:schemeClr val="tx1"/>
+                      </a:solidFill>
+                      <a:prstDash val="solid"/>
+                      <a:round/>
+                      <a:headEnd type="none" w="med" len="med"/>
+                      <a:tailEnd type="none" w="med" len="med"/>
+                    </a:lnL>
+                    <a:lnR w="12700" cap="flat" cmpd="sng" algn="ctr">
+                      <a:solidFill>
+                        <a:schemeClr val="tx1"/>
+                      </a:solidFill>
+                      <a:prstDash val="solid"/>
+                      <a:round/>
+                      <a:headEnd type="none" w="med" len="med"/>
+                      <a:tailEnd type="none" w="med" len="med"/>
+                    </a:lnR>
+                    <a:lnT w="12700" cap="flat" cmpd="sng" algn="ctr">
+                      <a:solidFill>
+                        <a:schemeClr val="tx1"/>
+                      </a:solidFill>
+                      <a:prstDash val="solid"/>
+                      <a:round/>
+                      <a:headEnd type="none" w="med" len="med"/>
+                      <a:tailEnd type="none" w="med" len="med"/>
+                    </a:lnT>
+                    <a:lnB w="12700" cap="flat" cmpd="sng" algn="ctr">
+                      <a:solidFill>
+                        <a:schemeClr val="tx1"/>
+                      </a:solidFill>
+                      <a:prstDash val="solid"/>
+                      <a:round/>
+                      <a:headEnd type="none" w="med" len="med"/>
+                      <a:tailEnd type="none" w="med" len="med"/>
+                    </a:lnB>
+                  </a:tcPr>
+                </a:tc>
+                <a:extLst>
+                  <a:ext uri="{0D108BD9-81ED-4DB2-BD59-A6C34878D82A}">
+                    <a16:rowId xmlns:a16="http://schemas.microsoft.com/office/drawing/2014/main" val="676353616"/>
+                  </a:ext>
+                </a:extLst>
+              </a:tr>
+              <a:tr h="1126219">
+                <a:tc>
+                  <a:txBody>
+                    <a:bodyPr/>
+                    <a:lstStyle/>
+                    <a:p>
+                      <a:endParaRPr lang="en-GB" dirty="0">
+                        <a:solidFill>
+                          <a:schemeClr val="tx1"/>
+                        </a:solidFill>
+                      </a:endParaRPr>
+                    </a:p>
+                  </a:txBody>
+                  <a:tcPr>
+                    <a:lnL w="12700" cap="flat" cmpd="sng" algn="ctr">
+                      <a:solidFill>
+                        <a:schemeClr val="tx1"/>
+                      </a:solidFill>
+                      <a:prstDash val="solid"/>
+                      <a:round/>
+                      <a:headEnd type="none" w="med" len="med"/>
+                      <a:tailEnd type="none" w="med" len="med"/>
+                    </a:lnL>
+                    <a:lnR w="12700" cap="flat" cmpd="sng" algn="ctr">
+                      <a:solidFill>
+                        <a:schemeClr val="tx1"/>
+                      </a:solidFill>
+                      <a:prstDash val="solid"/>
+                      <a:round/>
+                      <a:headEnd type="none" w="med" len="med"/>
+                      <a:tailEnd type="none" w="med" len="med"/>
+                    </a:lnR>
+                    <a:lnT w="12700" cap="flat" cmpd="sng" algn="ctr">
+                      <a:solidFill>
+                        <a:schemeClr val="tx1"/>
+                      </a:solidFill>
+                      <a:prstDash val="solid"/>
+                      <a:round/>
+                      <a:headEnd type="none" w="med" len="med"/>
+                      <a:tailEnd type="none" w="med" len="med"/>
+                    </a:lnT>
+                    <a:lnB w="12700" cap="flat" cmpd="sng" algn="ctr">
+                      <a:solidFill>
+                        <a:schemeClr val="tx1"/>
+                      </a:solidFill>
+                      <a:prstDash val="solid"/>
+                      <a:round/>
+                      <a:headEnd type="none" w="med" len="med"/>
+                      <a:tailEnd type="none" w="med" len="med"/>
+                    </a:lnB>
+                  </a:tcPr>
+                </a:tc>
+                <a:tc>
+                  <a:txBody>
+                    <a:bodyPr/>
+                    <a:lstStyle/>
+                    <a:p>
+                      <a:pPr algn="ctr"/>
+                      <a:r>
+                        <a:rPr lang="en-GB" dirty="0">
+                          <a:solidFill>
+                            <a:schemeClr val="tx1"/>
+                          </a:solidFill>
+                        </a:rPr>
+                        <a:t>my_turtle.</a:t>
+                      </a:r>
+                      <a:r>
+                        <a:rPr lang="en-GB" b="1" dirty="0">
+                          <a:solidFill>
+                            <a:schemeClr val="tx1"/>
+                          </a:solidFill>
+                        </a:rPr>
+                        <a:t>pendown()</a:t>
+                      </a:r>
+                    </a:p>
+                    <a:p>
+                      <a:pPr algn="ctr"/>
+                      <a:r>
+                        <a:rPr lang="en-GB" dirty="0">
+                          <a:solidFill>
+                            <a:schemeClr val="tx1"/>
+                          </a:solidFill>
+                        </a:rPr>
+                        <a:t>my_turtle.</a:t>
+                      </a:r>
+                      <a:r>
+                        <a:rPr lang="en-GB" b="1" dirty="0">
+                          <a:solidFill>
+                            <a:schemeClr val="tx1"/>
+                          </a:solidFill>
+                        </a:rPr>
+                        <a:t>penup()</a:t>
+                      </a:r>
+                    </a:p>
+                  </a:txBody>
+                  <a:tcPr anchor="ctr">
+                    <a:lnL w="12700" cap="flat" cmpd="sng" algn="ctr">
+                      <a:solidFill>
+                        <a:schemeClr val="tx1"/>
+                      </a:solidFill>
+                      <a:prstDash val="solid"/>
+                      <a:round/>
+                      <a:headEnd type="none" w="med" len="med"/>
+                      <a:tailEnd type="none" w="med" len="med"/>
+                    </a:lnL>
+                    <a:lnR w="12700" cap="flat" cmpd="sng" algn="ctr">
+                      <a:solidFill>
+                        <a:schemeClr val="tx1"/>
+                      </a:solidFill>
+                      <a:prstDash val="solid"/>
+                      <a:round/>
+                      <a:headEnd type="none" w="med" len="med"/>
+                      <a:tailEnd type="none" w="med" len="med"/>
+                    </a:lnR>
+                    <a:lnT w="12700" cap="flat" cmpd="sng" algn="ctr">
+                      <a:solidFill>
+                        <a:schemeClr val="tx1"/>
+                      </a:solidFill>
+                      <a:prstDash val="solid"/>
+                      <a:round/>
+                      <a:headEnd type="none" w="med" len="med"/>
+                      <a:tailEnd type="none" w="med" len="med"/>
+                    </a:lnT>
+                    <a:lnB w="12700" cap="flat" cmpd="sng" algn="ctr">
+                      <a:solidFill>
+                        <a:schemeClr val="tx1"/>
+                      </a:solidFill>
+                      <a:prstDash val="solid"/>
+                      <a:round/>
+                      <a:headEnd type="none" w="med" len="med"/>
+                      <a:tailEnd type="none" w="med" len="med"/>
+                    </a:lnB>
+                  </a:tcPr>
+                </a:tc>
+                <a:extLst>
+                  <a:ext uri="{0D108BD9-81ED-4DB2-BD59-A6C34878D82A}">
+                    <a16:rowId xmlns:a16="http://schemas.microsoft.com/office/drawing/2014/main" val="87828987"/>
+                  </a:ext>
+                </a:extLst>
+              </a:tr>
+            </a:tbl>
+          </a:graphicData>
+        </a:graphic>
+      </p:graphicFrame>
+      <p:pic>
+        <p:nvPicPr>
+          <p:cNvPr id="9" name="Picture 8" descr="A green rectangular object with white text&#10;&#10;Description automatically generated">
+            <a:extLst>
+              <a:ext uri="{FF2B5EF4-FFF2-40B4-BE49-F238E27FC236}">
+                <a16:creationId xmlns:a16="http://schemas.microsoft.com/office/drawing/2014/main" id="{AB45C560-7649-D325-FAE7-9DA7879E54EE}"/>
+              </a:ext>
+            </a:extLst>
+          </p:cNvPr>
+          <p:cNvPicPr>
+            <a:picLocks noChangeAspect="1"/>
+          </p:cNvPicPr>
+          <p:nvPr/>
+        </p:nvPicPr>
+        <p:blipFill>
+          <a:blip r:embed="rId2">
+            <a:extLst>
+              <a:ext uri="{28A0092B-C50C-407E-A947-70E740481C1C}">
+                <a14:useLocalDpi xmlns:a14="http://schemas.microsoft.com/office/drawing/2010/main" val="0"/>
+              </a:ext>
+            </a:extLst>
+          </a:blip>
+          <a:stretch>
+            <a:fillRect/>
+          </a:stretch>
+        </p:blipFill>
+        <p:spPr>
+          <a:xfrm>
+            <a:off x="1630146" y="2034000"/>
+            <a:ext cx="2385000" cy="1009661"/>
+          </a:xfrm>
+          <a:prstGeom prst="rect">
+            <a:avLst/>
+          </a:prstGeom>
+        </p:spPr>
+      </p:pic>
+      <p:pic>
+        <p:nvPicPr>
+          <p:cNvPr id="13" name="Picture 12" descr="A green rectangle with white text&#10;&#10;Description automatically generated">
+            <a:extLst>
+              <a:ext uri="{FF2B5EF4-FFF2-40B4-BE49-F238E27FC236}">
+                <a16:creationId xmlns:a16="http://schemas.microsoft.com/office/drawing/2014/main" id="{6983A937-FB65-C684-2082-50FCF97E3EE2}"/>
+              </a:ext>
+            </a:extLst>
+          </p:cNvPr>
+          <p:cNvPicPr>
+            <a:picLocks noChangeAspect="1"/>
+          </p:cNvPicPr>
+          <p:nvPr/>
+        </p:nvPicPr>
+        <p:blipFill>
+          <a:blip r:embed="rId3">
+            <a:extLst>
+              <a:ext uri="{28A0092B-C50C-407E-A947-70E740481C1C}">
+                <a14:useLocalDpi xmlns:a14="http://schemas.microsoft.com/office/drawing/2010/main" val="0"/>
+              </a:ext>
+            </a:extLst>
+          </a:blip>
+          <a:stretch>
+            <a:fillRect/>
+          </a:stretch>
+        </p:blipFill>
+        <p:spPr>
+          <a:xfrm>
+            <a:off x="955146" y="3160988"/>
+            <a:ext cx="3735000" cy="898012"/>
+          </a:xfrm>
+          <a:prstGeom prst="rect">
+            <a:avLst/>
+          </a:prstGeom>
+        </p:spPr>
+      </p:pic>
+      <p:pic>
+        <p:nvPicPr>
+          <p:cNvPr id="17" name="Picture 16" descr="A green rectangle with white text&#10;&#10;Description automatically generated">
+            <a:extLst>
+              <a:ext uri="{FF2B5EF4-FFF2-40B4-BE49-F238E27FC236}">
+                <a16:creationId xmlns:a16="http://schemas.microsoft.com/office/drawing/2014/main" id="{939E42CD-2E62-E72D-E94B-43A85655D03D}"/>
+              </a:ext>
+            </a:extLst>
+          </p:cNvPr>
+          <p:cNvPicPr>
+            <a:picLocks noChangeAspect="1"/>
+          </p:cNvPicPr>
+          <p:nvPr/>
+        </p:nvPicPr>
+        <p:blipFill>
+          <a:blip r:embed="rId4">
+            <a:extLst>
+              <a:ext uri="{28A0092B-C50C-407E-A947-70E740481C1C}">
+                <a14:useLocalDpi xmlns:a14="http://schemas.microsoft.com/office/drawing/2010/main" val="0"/>
+              </a:ext>
+            </a:extLst>
+          </a:blip>
+          <a:stretch>
+            <a:fillRect/>
+          </a:stretch>
+        </p:blipFill>
+        <p:spPr>
+          <a:xfrm>
+            <a:off x="674291" y="4396643"/>
+            <a:ext cx="4296709" cy="898012"/>
+          </a:xfrm>
+          <a:prstGeom prst="rect">
+            <a:avLst/>
+          </a:prstGeom>
+        </p:spPr>
+      </p:pic>
+      <p:pic>
+        <p:nvPicPr>
+          <p:cNvPr id="19" name="Picture 18" descr="A green tag with white text&#10;&#10;Description automatically generated">
+            <a:extLst>
+              <a:ext uri="{FF2B5EF4-FFF2-40B4-BE49-F238E27FC236}">
+                <a16:creationId xmlns:a16="http://schemas.microsoft.com/office/drawing/2014/main" id="{D35019FC-3336-35DD-B904-C5DDFF179871}"/>
+              </a:ext>
+            </a:extLst>
+          </p:cNvPr>
+          <p:cNvPicPr>
+            <a:picLocks noChangeAspect="1"/>
+          </p:cNvPicPr>
+          <p:nvPr/>
+        </p:nvPicPr>
+        <p:blipFill>
+          <a:blip r:embed="rId5">
+            <a:extLst>
+              <a:ext uri="{28A0092B-C50C-407E-A947-70E740481C1C}">
+                <a14:useLocalDpi xmlns:a14="http://schemas.microsoft.com/office/drawing/2010/main" val="0"/>
+              </a:ext>
+            </a:extLst>
+          </a:blip>
+          <a:stretch>
+            <a:fillRect/>
+          </a:stretch>
+        </p:blipFill>
+        <p:spPr>
+          <a:xfrm>
+            <a:off x="820146" y="5562668"/>
+            <a:ext cx="1890000" cy="836332"/>
+          </a:xfrm>
+          <a:prstGeom prst="rect">
+            <a:avLst/>
+          </a:prstGeom>
+        </p:spPr>
+      </p:pic>
+      <p:pic>
+        <p:nvPicPr>
+          <p:cNvPr id="21" name="Picture 20" descr="A green tag with white text&#10;&#10;Description automatically generated">
+            <a:extLst>
+              <a:ext uri="{FF2B5EF4-FFF2-40B4-BE49-F238E27FC236}">
+                <a16:creationId xmlns:a16="http://schemas.microsoft.com/office/drawing/2014/main" id="{615F278A-4A66-478E-26F2-D206EA76F1F1}"/>
+              </a:ext>
+            </a:extLst>
+          </p:cNvPr>
+          <p:cNvPicPr>
+            <a:picLocks noChangeAspect="1"/>
+          </p:cNvPicPr>
+          <p:nvPr/>
+        </p:nvPicPr>
+        <p:blipFill>
+          <a:blip r:embed="rId6">
+            <a:extLst>
+              <a:ext uri="{28A0092B-C50C-407E-A947-70E740481C1C}">
+                <a14:useLocalDpi xmlns:a14="http://schemas.microsoft.com/office/drawing/2010/main" val="0"/>
+              </a:ext>
+            </a:extLst>
+          </a:blip>
+          <a:stretch>
+            <a:fillRect/>
+          </a:stretch>
+        </p:blipFill>
+        <p:spPr>
+          <a:xfrm>
+            <a:off x="2890146" y="5571465"/>
+            <a:ext cx="1845000" cy="818737"/>
+          </a:xfrm>
+          <a:prstGeom prst="rect">
+            <a:avLst/>
+          </a:prstGeom>
+        </p:spPr>
+      </p:pic>
+    </p:spTree>
+    <p:extLst>
+      <p:ext uri="{BB962C8B-B14F-4D97-AF65-F5344CB8AC3E}">
+        <p14:creationId xmlns:p14="http://schemas.microsoft.com/office/powerpoint/2010/main" val="1550312191"/>
+      </p:ext>
+    </p:extLst>
+  </p:cSld>
+  <p:clrMapOvr>
+    <a:masterClrMapping/>
+  </p:clrMapOvr>
+  <mc:AlternateContent xmlns:mc="http://schemas.openxmlformats.org/markup-compatibility/2006" xmlns:p14="http://schemas.microsoft.com/office/powerpoint/2010/main">
+    <mc:Choice Requires="p14">
+      <p:transition spd="slow" p14:dur="2000" advClick="0" advTm="5000"/>
+    </mc:Choice>
+    <mc:Fallback xmlns="">
+      <p:transition spd="slow" advClick="0" advTm="5000"/>
+    </mc:Fallback>
+  </mc:AlternateContent>
+</p:sld>
+</file>
+
+<file path=ppt/slides/slide15.xml><?xml version="1.0" encoding="utf-8"?>
+<p:sld xmlns:a="http://schemas.openxmlformats.org/drawingml/2006/main" xmlns:r="http://schemas.openxmlformats.org/officeDocument/2006/relationships" xmlns:p="http://schemas.openxmlformats.org/presentationml/2006/main">
+  <p:cSld>
+    <p:spTree>
+      <p:nvGrpSpPr>
+        <p:cNvPr id="1" name="">
+          <a:extLst>
+            <a:ext uri="{FF2B5EF4-FFF2-40B4-BE49-F238E27FC236}">
+              <a16:creationId xmlns:a16="http://schemas.microsoft.com/office/drawing/2014/main" id="{9E015CF5-E698-6962-62D0-F957881A2281}"/>
+            </a:ext>
+          </a:extLst>
+        </p:cNvPr>
+        <p:cNvGrpSpPr/>
+        <p:nvPr/>
+      </p:nvGrpSpPr>
+      <p:grpSpPr>
+        <a:xfrm>
+          <a:off x="0" y="0"/>
+          <a:ext cx="0" cy="0"/>
+          <a:chOff x="0" y="0"/>
+          <a:chExt cx="0" cy="0"/>
+        </a:xfrm>
+      </p:grpSpPr>
+      <p:sp>
+        <p:nvSpPr>
+          <p:cNvPr id="2" name="Slide Number Placeholder 1">
+            <a:extLst>
+              <a:ext uri="{FF2B5EF4-FFF2-40B4-BE49-F238E27FC236}">
+                <a16:creationId xmlns:a16="http://schemas.microsoft.com/office/drawing/2014/main" id="{2B8DF6A8-9167-27A6-24AE-786DDD1E604F}"/>
+              </a:ext>
+            </a:extLst>
+          </p:cNvPr>
+          <p:cNvSpPr>
+            <a:spLocks noGrp="1"/>
+          </p:cNvSpPr>
+          <p:nvPr>
+            <p:ph type="sldNum" sz="quarter" idx="5"/>
+          </p:nvPr>
+        </p:nvSpPr>
+        <p:spPr/>
+        <p:txBody>
+          <a:bodyPr/>
+          <a:lstStyle/>
+          <a:p>
+            <a:fld id="{2BF067CD-8E6B-4360-9AA8-C5DF2A48A6D1}" type="slidenum">
+              <a:rPr lang="en-US" noProof="0" smtClean="0"/>
+              <a:pPr/>
+              <a:t>15</a:t>
+            </a:fld>
+            <a:endParaRPr lang="en-US" noProof="0" dirty="0"/>
+          </a:p>
+        </p:txBody>
+      </p:sp>
+      <p:sp>
+        <p:nvSpPr>
+          <p:cNvPr id="4" name="Title 3">
+            <a:extLst>
+              <a:ext uri="{FF2B5EF4-FFF2-40B4-BE49-F238E27FC236}">
+                <a16:creationId xmlns:a16="http://schemas.microsoft.com/office/drawing/2014/main" id="{E5920CE5-F8EC-3DEA-6E49-403C04ECE582}"/>
+              </a:ext>
+            </a:extLst>
+          </p:cNvPr>
+          <p:cNvSpPr>
+            <a:spLocks noGrp="1"/>
+          </p:cNvSpPr>
+          <p:nvPr>
+            <p:ph type="title"/>
+          </p:nvPr>
+        </p:nvSpPr>
+        <p:spPr/>
+        <p:txBody>
+          <a:bodyPr/>
+          <a:lstStyle/>
+          <a:p>
+            <a:r>
+              <a:rPr lang="bg-BG" dirty="0"/>
+              <a:t>Команди от библиотеката </a:t>
+            </a:r>
+            <a:r>
+              <a:rPr lang="en-US" dirty="0"/>
+              <a:t>t</a:t>
+            </a:r>
+            <a:r>
+              <a:rPr lang="en-GB" dirty="0"/>
+              <a:t>urtle (2)</a:t>
+            </a:r>
+          </a:p>
+        </p:txBody>
+      </p:sp>
+      <p:graphicFrame>
+        <p:nvGraphicFramePr>
+          <p:cNvPr id="5" name="Table 4">
+            <a:extLst>
+              <a:ext uri="{FF2B5EF4-FFF2-40B4-BE49-F238E27FC236}">
+                <a16:creationId xmlns:a16="http://schemas.microsoft.com/office/drawing/2014/main" id="{FD212CC9-0D04-2539-D1AD-A9DC1A931DB4}"/>
+              </a:ext>
+            </a:extLst>
+          </p:cNvPr>
+          <p:cNvGraphicFramePr>
+            <a:graphicFrameLocks noGrp="1"/>
+          </p:cNvGraphicFramePr>
+          <p:nvPr>
+            <p:extLst>
+              <p:ext uri="{D42A27DB-BD31-4B8C-83A1-F6EECF244321}">
+                <p14:modId xmlns:p14="http://schemas.microsoft.com/office/powerpoint/2010/main" val="2397927928"/>
+              </p:ext>
+            </p:extLst>
+          </p:nvPr>
+        </p:nvGraphicFramePr>
+        <p:xfrm>
+          <a:off x="387485" y="1359000"/>
+          <a:ext cx="11417030" cy="5220000"/>
+        </p:xfrm>
+        <a:graphic>
+          <a:graphicData uri="http://schemas.openxmlformats.org/drawingml/2006/table">
+            <a:tbl>
+              <a:tblPr firstRow="1" bandRow="1">
+                <a:tableStyleId>{073A0DAA-6AF3-43AB-8588-CEC1D06C72B9}</a:tableStyleId>
+              </a:tblPr>
+              <a:tblGrid>
+                <a:gridCol w="5168515">
+                  <a:extLst>
+                    <a:ext uri="{9D8B030D-6E8A-4147-A177-3AD203B41FA5}">
+                      <a16:colId xmlns:a16="http://schemas.microsoft.com/office/drawing/2014/main" val="1555024472"/>
+                    </a:ext>
+                  </a:extLst>
+                </a:gridCol>
+                <a:gridCol w="6248515">
+                  <a:extLst>
+                    <a:ext uri="{9D8B030D-6E8A-4147-A177-3AD203B41FA5}">
+                      <a16:colId xmlns:a16="http://schemas.microsoft.com/office/drawing/2014/main" val="2710482895"/>
+                    </a:ext>
+                  </a:extLst>
+                </a:gridCol>
+              </a:tblGrid>
+              <a:tr h="620889">
+                <a:tc>
+                  <a:txBody>
+                    <a:bodyPr/>
+                    <a:lstStyle/>
+                    <a:p>
+                      <a:pPr algn="ctr"/>
+                      <a:r>
+                        <a:rPr lang="en-GB" dirty="0">
+                          <a:solidFill>
+                            <a:schemeClr val="bg2"/>
+                          </a:solidFill>
+                        </a:rPr>
+                        <a:t>Scratch</a:t>
+                      </a:r>
+                    </a:p>
+                  </a:txBody>
+                  <a:tcPr anchor="ctr">
+                    <a:lnL w="12700" cap="flat" cmpd="sng" algn="ctr">
+                      <a:solidFill>
+                        <a:schemeClr val="tx1"/>
+                      </a:solidFill>
+                      <a:prstDash val="solid"/>
+                      <a:round/>
+                      <a:headEnd type="none" w="med" len="med"/>
+                      <a:tailEnd type="none" w="med" len="med"/>
+                    </a:lnL>
+                    <a:lnR w="12700" cap="flat" cmpd="sng" algn="ctr">
+                      <a:solidFill>
+                        <a:schemeClr val="tx1"/>
+                      </a:solidFill>
+                      <a:prstDash val="solid"/>
+                      <a:round/>
+                      <a:headEnd type="none" w="med" len="med"/>
+                      <a:tailEnd type="none" w="med" len="med"/>
+                    </a:lnR>
+                    <a:lnT w="12700" cap="flat" cmpd="sng" algn="ctr">
+                      <a:solidFill>
+                        <a:schemeClr val="tx1"/>
+                      </a:solidFill>
+                      <a:prstDash val="solid"/>
+                      <a:round/>
+                      <a:headEnd type="none" w="med" len="med"/>
+                      <a:tailEnd type="none" w="med" len="med"/>
+                    </a:lnT>
+                    <a:lnB w="12700" cap="flat" cmpd="sng" algn="ctr">
+                      <a:solidFill>
+                        <a:schemeClr val="tx1"/>
+                      </a:solidFill>
+                      <a:prstDash val="solid"/>
+                      <a:round/>
+                      <a:headEnd type="none" w="med" len="med"/>
+                      <a:tailEnd type="none" w="med" len="med"/>
+                    </a:lnB>
+                  </a:tcPr>
+                </a:tc>
+                <a:tc>
+                  <a:txBody>
+                    <a:bodyPr/>
+                    <a:lstStyle/>
+                    <a:p>
+                      <a:pPr algn="ctr"/>
+                      <a:r>
+                        <a:rPr lang="en-GB" dirty="0">
+                          <a:solidFill>
+                            <a:schemeClr val="bg2"/>
+                          </a:solidFill>
+                        </a:rPr>
+                        <a:t>Python (turtle module)</a:t>
+                      </a:r>
+                    </a:p>
+                  </a:txBody>
+                  <a:tcPr anchor="ctr">
+                    <a:lnL w="12700" cap="flat" cmpd="sng" algn="ctr">
+                      <a:solidFill>
+                        <a:schemeClr val="tx1"/>
+                      </a:solidFill>
+                      <a:prstDash val="solid"/>
+                      <a:round/>
+                      <a:headEnd type="none" w="med" len="med"/>
+                      <a:tailEnd type="none" w="med" len="med"/>
+                    </a:lnL>
+                    <a:lnR w="12700" cap="flat" cmpd="sng" algn="ctr">
+                      <a:solidFill>
+                        <a:schemeClr val="tx1"/>
+                      </a:solidFill>
+                      <a:prstDash val="solid"/>
+                      <a:round/>
+                      <a:headEnd type="none" w="med" len="med"/>
+                      <a:tailEnd type="none" w="med" len="med"/>
+                    </a:lnR>
+                    <a:lnT w="12700" cap="flat" cmpd="sng" algn="ctr">
+                      <a:solidFill>
+                        <a:schemeClr val="tx1"/>
+                      </a:solidFill>
+                      <a:prstDash val="solid"/>
+                      <a:round/>
+                      <a:headEnd type="none" w="med" len="med"/>
+                      <a:tailEnd type="none" w="med" len="med"/>
+                    </a:lnT>
+                    <a:lnB w="12700" cap="flat" cmpd="sng" algn="ctr">
+                      <a:solidFill>
+                        <a:schemeClr val="tx1"/>
+                      </a:solidFill>
+                      <a:prstDash val="solid"/>
+                      <a:round/>
+                      <a:headEnd type="none" w="med" len="med"/>
+                      <a:tailEnd type="none" w="med" len="med"/>
+                    </a:lnB>
+                  </a:tcPr>
+                </a:tc>
+                <a:extLst>
+                  <a:ext uri="{0D108BD9-81ED-4DB2-BD59-A6C34878D82A}">
+                    <a16:rowId xmlns:a16="http://schemas.microsoft.com/office/drawing/2014/main" val="35918530"/>
+                  </a:ext>
+                </a:extLst>
+              </a:tr>
+              <a:tr h="1134111">
+                <a:tc>
+                  <a:txBody>
+                    <a:bodyPr/>
+                    <a:lstStyle/>
+                    <a:p>
+                      <a:endParaRPr lang="en-GB" dirty="0">
+                        <a:solidFill>
+                          <a:schemeClr val="tx1"/>
+                        </a:solidFill>
+                      </a:endParaRPr>
+                    </a:p>
+                  </a:txBody>
+                  <a:tcPr>
+                    <a:lnL w="12700" cap="flat" cmpd="sng" algn="ctr">
+                      <a:solidFill>
+                        <a:schemeClr val="tx1"/>
+                      </a:solidFill>
+                      <a:prstDash val="solid"/>
+                      <a:round/>
+                      <a:headEnd type="none" w="med" len="med"/>
+                      <a:tailEnd type="none" w="med" len="med"/>
+                    </a:lnL>
+                    <a:lnR w="12700" cap="flat" cmpd="sng" algn="ctr">
+                      <a:solidFill>
+                        <a:schemeClr val="tx1"/>
+                      </a:solidFill>
+                      <a:prstDash val="solid"/>
+                      <a:round/>
+                      <a:headEnd type="none" w="med" len="med"/>
+                      <a:tailEnd type="none" w="med" len="med"/>
+                    </a:lnR>
+                    <a:lnT w="12700" cap="flat" cmpd="sng" algn="ctr">
+                      <a:solidFill>
+                        <a:schemeClr val="tx1"/>
+                      </a:solidFill>
+                      <a:prstDash val="solid"/>
+                      <a:round/>
+                      <a:headEnd type="none" w="med" len="med"/>
+                      <a:tailEnd type="none" w="med" len="med"/>
+                    </a:lnT>
+                    <a:lnB w="12700" cap="flat" cmpd="sng" algn="ctr">
+                      <a:solidFill>
+                        <a:schemeClr val="tx1"/>
+                      </a:solidFill>
+                      <a:prstDash val="solid"/>
+                      <a:round/>
+                      <a:headEnd type="none" w="med" len="med"/>
+                      <a:tailEnd type="none" w="med" len="med"/>
+                    </a:lnB>
+                  </a:tcPr>
+                </a:tc>
+                <a:tc>
+                  <a:txBody>
+                    <a:bodyPr/>
+                    <a:lstStyle/>
+                    <a:p>
+                      <a:pPr algn="ctr"/>
+                      <a:r>
+                        <a:rPr lang="en-GB" b="0" dirty="0">
+                          <a:solidFill>
+                            <a:schemeClr val="tx1"/>
+                          </a:solidFill>
+                        </a:rPr>
+                        <a:t>my_turtle.</a:t>
+                      </a:r>
+                      <a:r>
+                        <a:rPr lang="en-GB" b="1" dirty="0">
+                          <a:solidFill>
+                            <a:schemeClr val="tx1"/>
+                          </a:solidFill>
+                        </a:rPr>
+                        <a:t>goto(0, 0)</a:t>
+                      </a:r>
+                    </a:p>
+                  </a:txBody>
+                  <a:tcPr anchor="ctr">
+                    <a:lnL w="12700" cap="flat" cmpd="sng" algn="ctr">
+                      <a:solidFill>
+                        <a:schemeClr val="tx1"/>
+                      </a:solidFill>
+                      <a:prstDash val="solid"/>
+                      <a:round/>
+                      <a:headEnd type="none" w="med" len="med"/>
+                      <a:tailEnd type="none" w="med" len="med"/>
+                    </a:lnL>
+                    <a:lnR w="12700" cap="flat" cmpd="sng" algn="ctr">
+                      <a:solidFill>
+                        <a:schemeClr val="tx1"/>
+                      </a:solidFill>
+                      <a:prstDash val="solid"/>
+                      <a:round/>
+                      <a:headEnd type="none" w="med" len="med"/>
+                      <a:tailEnd type="none" w="med" len="med"/>
+                    </a:lnR>
+                    <a:lnT w="12700" cap="flat" cmpd="sng" algn="ctr">
+                      <a:solidFill>
+                        <a:schemeClr val="tx1"/>
+                      </a:solidFill>
+                      <a:prstDash val="solid"/>
+                      <a:round/>
+                      <a:headEnd type="none" w="med" len="med"/>
+                      <a:tailEnd type="none" w="med" len="med"/>
+                    </a:lnT>
+                    <a:lnB w="12700" cap="flat" cmpd="sng" algn="ctr">
+                      <a:solidFill>
+                        <a:schemeClr val="tx1"/>
+                      </a:solidFill>
+                      <a:prstDash val="solid"/>
+                      <a:round/>
+                      <a:headEnd type="none" w="med" len="med"/>
+                      <a:tailEnd type="none" w="med" len="med"/>
+                    </a:lnB>
+                  </a:tcPr>
+                </a:tc>
+                <a:extLst>
+                  <a:ext uri="{0D108BD9-81ED-4DB2-BD59-A6C34878D82A}">
+                    <a16:rowId xmlns:a16="http://schemas.microsoft.com/office/drawing/2014/main" val="661962438"/>
+                  </a:ext>
+                </a:extLst>
+              </a:tr>
+              <a:tr h="1097335">
+                <a:tc>
+                  <a:txBody>
+                    <a:bodyPr/>
+                    <a:lstStyle/>
+                    <a:p>
+                      <a:endParaRPr lang="en-GB" dirty="0">
+                        <a:solidFill>
+                          <a:schemeClr val="tx1"/>
+                        </a:solidFill>
+                      </a:endParaRPr>
+                    </a:p>
+                  </a:txBody>
+                  <a:tcPr>
+                    <a:lnL w="12700" cap="flat" cmpd="sng" algn="ctr">
+                      <a:solidFill>
+                        <a:schemeClr val="tx1"/>
+                      </a:solidFill>
+                      <a:prstDash val="solid"/>
+                      <a:round/>
+                      <a:headEnd type="none" w="med" len="med"/>
+                      <a:tailEnd type="none" w="med" len="med"/>
+                    </a:lnL>
+                    <a:lnR w="12700" cap="flat" cmpd="sng" algn="ctr">
+                      <a:solidFill>
+                        <a:schemeClr val="tx1"/>
+                      </a:solidFill>
+                      <a:prstDash val="solid"/>
+                      <a:round/>
+                      <a:headEnd type="none" w="med" len="med"/>
+                      <a:tailEnd type="none" w="med" len="med"/>
+                    </a:lnR>
+                    <a:lnT w="12700" cap="flat" cmpd="sng" algn="ctr">
+                      <a:solidFill>
+                        <a:schemeClr val="tx1"/>
+                      </a:solidFill>
+                      <a:prstDash val="solid"/>
+                      <a:round/>
+                      <a:headEnd type="none" w="med" len="med"/>
+                      <a:tailEnd type="none" w="med" len="med"/>
+                    </a:lnT>
+                    <a:lnB w="12700" cap="flat" cmpd="sng" algn="ctr">
+                      <a:solidFill>
+                        <a:schemeClr val="tx1"/>
+                      </a:solidFill>
+                      <a:prstDash val="solid"/>
+                      <a:round/>
+                      <a:headEnd type="none" w="med" len="med"/>
+                      <a:tailEnd type="none" w="med" len="med"/>
+                    </a:lnB>
+                  </a:tcPr>
+                </a:tc>
+                <a:tc>
+                  <a:txBody>
+                    <a:bodyPr/>
+                    <a:lstStyle/>
+                    <a:p>
+                      <a:pPr algn="ctr"/>
+                      <a:r>
+                        <a:rPr lang="en-GB" dirty="0">
+                          <a:solidFill>
+                            <a:schemeClr val="tx1"/>
+                          </a:solidFill>
+                        </a:rPr>
+                        <a:t>my_turtle.</a:t>
+                      </a:r>
+                      <a:r>
+                        <a:rPr lang="en-GB" b="1" dirty="0">
+                          <a:solidFill>
+                            <a:schemeClr val="tx1"/>
+                          </a:solidFill>
+                        </a:rPr>
+                        <a:t>setheading(0)</a:t>
+                      </a:r>
+                    </a:p>
+                    <a:p>
+                      <a:pPr algn="ctr"/>
+                      <a:r>
+                        <a:rPr lang="bg-BG" sz="2000" b="0" dirty="0">
+                          <a:solidFill>
+                            <a:schemeClr val="tx1"/>
+                          </a:solidFill>
+                        </a:rPr>
+                        <a:t>(</a:t>
+                      </a:r>
+                      <a:r>
+                        <a:rPr lang="en-GB" sz="2000" b="0" dirty="0">
+                          <a:solidFill>
+                            <a:schemeClr val="tx1"/>
+                          </a:solidFill>
+                        </a:rPr>
+                        <a:t>0 – </a:t>
+                      </a:r>
+                      <a:r>
+                        <a:rPr lang="bg-BG" sz="2000" b="0" dirty="0">
+                          <a:solidFill>
+                            <a:schemeClr val="tx1"/>
+                          </a:solidFill>
+                        </a:rPr>
+                        <a:t>надясно, 90 – нагоре, 180 – наляво, 270 – надолу)</a:t>
+                      </a:r>
+                      <a:endParaRPr lang="en-GB" sz="2000" b="0" dirty="0">
+                        <a:solidFill>
+                          <a:schemeClr val="tx1"/>
+                        </a:solidFill>
+                      </a:endParaRPr>
+                    </a:p>
+                  </a:txBody>
+                  <a:tcPr anchor="ctr">
+                    <a:lnL w="12700" cap="flat" cmpd="sng" algn="ctr">
+                      <a:solidFill>
+                        <a:schemeClr val="tx1"/>
+                      </a:solidFill>
+                      <a:prstDash val="solid"/>
+                      <a:round/>
+                      <a:headEnd type="none" w="med" len="med"/>
+                      <a:tailEnd type="none" w="med" len="med"/>
+                    </a:lnL>
+                    <a:lnR w="12700" cap="flat" cmpd="sng" algn="ctr">
+                      <a:solidFill>
+                        <a:schemeClr val="tx1"/>
+                      </a:solidFill>
+                      <a:prstDash val="solid"/>
+                      <a:round/>
+                      <a:headEnd type="none" w="med" len="med"/>
+                      <a:tailEnd type="none" w="med" len="med"/>
+                    </a:lnR>
+                    <a:lnT w="12700" cap="flat" cmpd="sng" algn="ctr">
+                      <a:solidFill>
+                        <a:schemeClr val="tx1"/>
+                      </a:solidFill>
+                      <a:prstDash val="solid"/>
+                      <a:round/>
+                      <a:headEnd type="none" w="med" len="med"/>
+                      <a:tailEnd type="none" w="med" len="med"/>
+                    </a:lnT>
+                    <a:lnB w="12700" cap="flat" cmpd="sng" algn="ctr">
+                      <a:solidFill>
+                        <a:schemeClr val="tx1"/>
+                      </a:solidFill>
+                      <a:prstDash val="solid"/>
+                      <a:round/>
+                      <a:headEnd type="none" w="med" len="med"/>
+                      <a:tailEnd type="none" w="med" len="med"/>
+                    </a:lnB>
+                  </a:tcPr>
+                </a:tc>
+                <a:extLst>
+                  <a:ext uri="{0D108BD9-81ED-4DB2-BD59-A6C34878D82A}">
+                    <a16:rowId xmlns:a16="http://schemas.microsoft.com/office/drawing/2014/main" val="1416192551"/>
+                  </a:ext>
+                </a:extLst>
+              </a:tr>
+              <a:tr h="1241446">
+                <a:tc>
+                  <a:txBody>
+                    <a:bodyPr/>
+                    <a:lstStyle/>
+                    <a:p>
+                      <a:endParaRPr lang="en-GB" dirty="0">
+                        <a:solidFill>
+                          <a:schemeClr val="tx1"/>
+                        </a:solidFill>
+                      </a:endParaRPr>
+                    </a:p>
+                  </a:txBody>
+                  <a:tcPr>
+                    <a:lnL w="12700" cap="flat" cmpd="sng" algn="ctr">
+                      <a:solidFill>
+                        <a:schemeClr val="tx1"/>
+                      </a:solidFill>
+                      <a:prstDash val="solid"/>
+                      <a:round/>
+                      <a:headEnd type="none" w="med" len="med"/>
+                      <a:tailEnd type="none" w="med" len="med"/>
+                    </a:lnL>
+                    <a:lnR w="12700" cap="flat" cmpd="sng" algn="ctr">
+                      <a:solidFill>
+                        <a:schemeClr val="tx1"/>
+                      </a:solidFill>
+                      <a:prstDash val="solid"/>
+                      <a:round/>
+                      <a:headEnd type="none" w="med" len="med"/>
+                      <a:tailEnd type="none" w="med" len="med"/>
+                    </a:lnR>
+                    <a:lnT w="12700" cap="flat" cmpd="sng" algn="ctr">
+                      <a:solidFill>
+                        <a:schemeClr val="tx1"/>
+                      </a:solidFill>
+                      <a:prstDash val="solid"/>
+                      <a:round/>
+                      <a:headEnd type="none" w="med" len="med"/>
+                      <a:tailEnd type="none" w="med" len="med"/>
+                    </a:lnT>
+                    <a:lnB w="12700" cap="flat" cmpd="sng" algn="ctr">
+                      <a:solidFill>
+                        <a:schemeClr val="tx1"/>
+                      </a:solidFill>
+                      <a:prstDash val="solid"/>
+                      <a:round/>
+                      <a:headEnd type="none" w="med" len="med"/>
+                      <a:tailEnd type="none" w="med" len="med"/>
+                    </a:lnB>
+                  </a:tcPr>
+                </a:tc>
+                <a:tc>
+                  <a:txBody>
+                    <a:bodyPr/>
+                    <a:lstStyle/>
+                    <a:p>
+                      <a:pPr algn="ctr"/>
+                      <a:r>
+                        <a:rPr lang="en-GB" b="0" dirty="0">
+                          <a:solidFill>
+                            <a:schemeClr val="tx1"/>
+                          </a:solidFill>
+                        </a:rPr>
+                        <a:t>my_turtle.</a:t>
+                      </a:r>
+                      <a:r>
+                        <a:rPr lang="en-GB" b="1" dirty="0">
+                          <a:solidFill>
+                            <a:schemeClr val="tx1"/>
+                          </a:solidFill>
+                        </a:rPr>
+                        <a:t>setx(random.randint(-20, 60))</a:t>
+                      </a:r>
+                    </a:p>
+                  </a:txBody>
+                  <a:tcPr anchor="ctr">
+                    <a:lnL w="12700" cap="flat" cmpd="sng" algn="ctr">
+                      <a:solidFill>
+                        <a:schemeClr val="tx1"/>
+                      </a:solidFill>
+                      <a:prstDash val="solid"/>
+                      <a:round/>
+                      <a:headEnd type="none" w="med" len="med"/>
+                      <a:tailEnd type="none" w="med" len="med"/>
+                    </a:lnL>
+                    <a:lnR w="12700" cap="flat" cmpd="sng" algn="ctr">
+                      <a:solidFill>
+                        <a:schemeClr val="tx1"/>
+                      </a:solidFill>
+                      <a:prstDash val="solid"/>
+                      <a:round/>
+                      <a:headEnd type="none" w="med" len="med"/>
+                      <a:tailEnd type="none" w="med" len="med"/>
+                    </a:lnR>
+                    <a:lnT w="12700" cap="flat" cmpd="sng" algn="ctr">
+                      <a:solidFill>
+                        <a:schemeClr val="tx1"/>
+                      </a:solidFill>
+                      <a:prstDash val="solid"/>
+                      <a:round/>
+                      <a:headEnd type="none" w="med" len="med"/>
+                      <a:tailEnd type="none" w="med" len="med"/>
+                    </a:lnT>
+                    <a:lnB w="12700" cap="flat" cmpd="sng" algn="ctr">
+                      <a:solidFill>
+                        <a:schemeClr val="tx1"/>
+                      </a:solidFill>
+                      <a:prstDash val="solid"/>
+                      <a:round/>
+                      <a:headEnd type="none" w="med" len="med"/>
+                      <a:tailEnd type="none" w="med" len="med"/>
+                    </a:lnB>
+                  </a:tcPr>
+                </a:tc>
+                <a:extLst>
+                  <a:ext uri="{0D108BD9-81ED-4DB2-BD59-A6C34878D82A}">
+                    <a16:rowId xmlns:a16="http://schemas.microsoft.com/office/drawing/2014/main" val="676353616"/>
+                  </a:ext>
+                </a:extLst>
+              </a:tr>
+              <a:tr h="1126219">
+                <a:tc>
+                  <a:txBody>
+                    <a:bodyPr/>
+                    <a:lstStyle/>
+                    <a:p>
+                      <a:endParaRPr lang="en-GB" dirty="0">
+                        <a:solidFill>
+                          <a:schemeClr val="tx1"/>
+                        </a:solidFill>
+                      </a:endParaRPr>
+                    </a:p>
+                  </a:txBody>
+                  <a:tcPr>
+                    <a:lnL w="12700" cap="flat" cmpd="sng" algn="ctr">
+                      <a:solidFill>
+                        <a:schemeClr val="tx1"/>
+                      </a:solidFill>
+                      <a:prstDash val="solid"/>
+                      <a:round/>
+                      <a:headEnd type="none" w="med" len="med"/>
+                      <a:tailEnd type="none" w="med" len="med"/>
+                    </a:lnL>
+                    <a:lnR w="12700" cap="flat" cmpd="sng" algn="ctr">
+                      <a:solidFill>
+                        <a:schemeClr val="tx1"/>
+                      </a:solidFill>
+                      <a:prstDash val="solid"/>
+                      <a:round/>
+                      <a:headEnd type="none" w="med" len="med"/>
+                      <a:tailEnd type="none" w="med" len="med"/>
+                    </a:lnR>
+                    <a:lnT w="12700" cap="flat" cmpd="sng" algn="ctr">
+                      <a:solidFill>
+                        <a:schemeClr val="tx1"/>
+                      </a:solidFill>
+                      <a:prstDash val="solid"/>
+                      <a:round/>
+                      <a:headEnd type="none" w="med" len="med"/>
+                      <a:tailEnd type="none" w="med" len="med"/>
+                    </a:lnT>
+                    <a:lnB w="12700" cap="flat" cmpd="sng" algn="ctr">
+                      <a:solidFill>
+                        <a:schemeClr val="tx1"/>
+                      </a:solidFill>
+                      <a:prstDash val="solid"/>
+                      <a:round/>
+                      <a:headEnd type="none" w="med" len="med"/>
+                      <a:tailEnd type="none" w="med" len="med"/>
+                    </a:lnB>
+                  </a:tcPr>
+                </a:tc>
+                <a:tc>
+                  <a:txBody>
+                    <a:bodyPr/>
+                    <a:lstStyle/>
+                    <a:p>
+                      <a:pPr marL="0" marR="0" lvl="0" indent="0" algn="ctr" defTabSz="1218438" rtl="0" eaLnBrk="1" fontAlgn="auto" latinLnBrk="1" hangingPunct="1">
+                        <a:lnSpc>
+                          <a:spcPct val="100000"/>
+                        </a:lnSpc>
+                        <a:spcBef>
+                          <a:spcPts val="0"/>
+                        </a:spcBef>
+                        <a:spcAft>
+                          <a:spcPts val="0"/>
+                        </a:spcAft>
+                        <a:buClrTx/>
+                        <a:buSzTx/>
+                        <a:buFontTx/>
+                        <a:buNone/>
+                        <a:tabLst/>
+                        <a:defRPr/>
+                      </a:pPr>
+                      <a:r>
+                        <a:rPr lang="en-GB" b="0" dirty="0">
+                          <a:solidFill>
+                            <a:schemeClr val="tx1"/>
+                          </a:solidFill>
+                        </a:rPr>
+                        <a:t>my_turtle.</a:t>
+                      </a:r>
+                      <a:r>
+                        <a:rPr lang="en-GB" b="1" dirty="0">
+                          <a:solidFill>
+                            <a:schemeClr val="tx1"/>
+                          </a:solidFill>
+                        </a:rPr>
+                        <a:t>sety(random.randint(30, 80))</a:t>
+                      </a:r>
+                    </a:p>
+                  </a:txBody>
+                  <a:tcPr anchor="ctr">
+                    <a:lnL w="12700" cap="flat" cmpd="sng" algn="ctr">
+                      <a:solidFill>
+                        <a:schemeClr val="tx1"/>
+                      </a:solidFill>
+                      <a:prstDash val="solid"/>
+                      <a:round/>
+                      <a:headEnd type="none" w="med" len="med"/>
+                      <a:tailEnd type="none" w="med" len="med"/>
+                    </a:lnL>
+                    <a:lnR w="12700" cap="flat" cmpd="sng" algn="ctr">
+                      <a:solidFill>
+                        <a:schemeClr val="tx1"/>
+                      </a:solidFill>
+                      <a:prstDash val="solid"/>
+                      <a:round/>
+                      <a:headEnd type="none" w="med" len="med"/>
+                      <a:tailEnd type="none" w="med" len="med"/>
+                    </a:lnR>
+                    <a:lnT w="12700" cap="flat" cmpd="sng" algn="ctr">
+                      <a:solidFill>
+                        <a:schemeClr val="tx1"/>
+                      </a:solidFill>
+                      <a:prstDash val="solid"/>
+                      <a:round/>
+                      <a:headEnd type="none" w="med" len="med"/>
+                      <a:tailEnd type="none" w="med" len="med"/>
+                    </a:lnT>
+                    <a:lnB w="12700" cap="flat" cmpd="sng" algn="ctr">
+                      <a:solidFill>
+                        <a:schemeClr val="tx1"/>
+                      </a:solidFill>
+                      <a:prstDash val="solid"/>
+                      <a:round/>
+                      <a:headEnd type="none" w="med" len="med"/>
+                      <a:tailEnd type="none" w="med" len="med"/>
+                    </a:lnB>
+                  </a:tcPr>
+                </a:tc>
+                <a:extLst>
+                  <a:ext uri="{0D108BD9-81ED-4DB2-BD59-A6C34878D82A}">
+                    <a16:rowId xmlns:a16="http://schemas.microsoft.com/office/drawing/2014/main" val="87828987"/>
+                  </a:ext>
+                </a:extLst>
+              </a:tr>
+            </a:tbl>
+          </a:graphicData>
+        </a:graphic>
+      </p:graphicFrame>
+      <p:pic>
+        <p:nvPicPr>
+          <p:cNvPr id="11" name="Picture 10" descr="A blue rectangular object with white text&#10;&#10;Description automatically generated">
+            <a:extLst>
+              <a:ext uri="{FF2B5EF4-FFF2-40B4-BE49-F238E27FC236}">
+                <a16:creationId xmlns:a16="http://schemas.microsoft.com/office/drawing/2014/main" id="{58FD6686-3AFA-1D71-702E-30573C00D5EC}"/>
+              </a:ext>
+            </a:extLst>
+          </p:cNvPr>
+          <p:cNvPicPr>
+            <a:picLocks noChangeAspect="1"/>
+          </p:cNvPicPr>
+          <p:nvPr/>
+        </p:nvPicPr>
+        <p:blipFill>
+          <a:blip r:embed="rId2">
+            <a:extLst>
+              <a:ext uri="{28A0092B-C50C-407E-A947-70E740481C1C}">
+                <a14:useLocalDpi xmlns:a14="http://schemas.microsoft.com/office/drawing/2010/main" val="0"/>
+              </a:ext>
+            </a:extLst>
+          </a:blip>
+          <a:stretch>
+            <a:fillRect/>
+          </a:stretch>
+        </p:blipFill>
+        <p:spPr>
+          <a:xfrm>
+            <a:off x="1416000" y="2124000"/>
+            <a:ext cx="3150000" cy="977953"/>
+          </a:xfrm>
+          <a:prstGeom prst="rect">
+            <a:avLst/>
+          </a:prstGeom>
+        </p:spPr>
+      </p:pic>
+      <p:pic>
+        <p:nvPicPr>
+          <p:cNvPr id="15" name="Picture 14" descr="A blue rectangle with white text&#10;&#10;Description automatically generated">
+            <a:extLst>
+              <a:ext uri="{FF2B5EF4-FFF2-40B4-BE49-F238E27FC236}">
+                <a16:creationId xmlns:a16="http://schemas.microsoft.com/office/drawing/2014/main" id="{911F348C-BE65-1D04-F4B7-D833F5F24CE4}"/>
+              </a:ext>
+            </a:extLst>
+          </p:cNvPr>
+          <p:cNvPicPr>
+            <a:picLocks noChangeAspect="1"/>
+          </p:cNvPicPr>
+          <p:nvPr/>
+        </p:nvPicPr>
+        <p:blipFill>
+          <a:blip r:embed="rId3">
+            <a:extLst>
+              <a:ext uri="{28A0092B-C50C-407E-A947-70E740481C1C}">
+                <a14:useLocalDpi xmlns:a14="http://schemas.microsoft.com/office/drawing/2010/main" val="0"/>
+              </a:ext>
+            </a:extLst>
+          </a:blip>
+          <a:stretch>
+            <a:fillRect/>
+          </a:stretch>
+        </p:blipFill>
+        <p:spPr>
+          <a:xfrm>
+            <a:off x="1416000" y="3123900"/>
+            <a:ext cx="3060000" cy="1033389"/>
+          </a:xfrm>
+          <a:prstGeom prst="rect">
+            <a:avLst/>
+          </a:prstGeom>
+        </p:spPr>
+      </p:pic>
+      <p:pic>
+        <p:nvPicPr>
+          <p:cNvPr id="18" name="Picture 17" descr="A green rectangle with white text&#10;&#10;Description automatically generated">
+            <a:extLst>
+              <a:ext uri="{FF2B5EF4-FFF2-40B4-BE49-F238E27FC236}">
+                <a16:creationId xmlns:a16="http://schemas.microsoft.com/office/drawing/2014/main" id="{90F7DB20-9F5E-C667-5C68-9BFDF8D00013}"/>
+              </a:ext>
+            </a:extLst>
+          </p:cNvPr>
+          <p:cNvPicPr>
+            <a:picLocks noChangeAspect="1"/>
+          </p:cNvPicPr>
+          <p:nvPr/>
+        </p:nvPicPr>
+        <p:blipFill>
+          <a:blip r:embed="rId4">
+            <a:extLst>
+              <a:ext uri="{28A0092B-C50C-407E-A947-70E740481C1C}">
+                <a14:useLocalDpi xmlns:a14="http://schemas.microsoft.com/office/drawing/2010/main" val="0"/>
+              </a:ext>
+            </a:extLst>
+          </a:blip>
+          <a:stretch>
+            <a:fillRect/>
+          </a:stretch>
+        </p:blipFill>
+        <p:spPr>
+          <a:xfrm>
+            <a:off x="516000" y="4532885"/>
+            <a:ext cx="4950000" cy="705491"/>
+          </a:xfrm>
+          <a:prstGeom prst="rect">
+            <a:avLst/>
+          </a:prstGeom>
+        </p:spPr>
+      </p:pic>
+      <p:pic>
+        <p:nvPicPr>
+          <p:cNvPr id="22" name="Picture 21" descr="A green rectangle with white text&#10;&#10;Description automatically generated">
+            <a:extLst>
+              <a:ext uri="{FF2B5EF4-FFF2-40B4-BE49-F238E27FC236}">
+                <a16:creationId xmlns:a16="http://schemas.microsoft.com/office/drawing/2014/main" id="{6550AAE0-46CB-81A2-F4E5-3AAD45A38F1F}"/>
+              </a:ext>
+            </a:extLst>
+          </p:cNvPr>
+          <p:cNvPicPr>
+            <a:picLocks noChangeAspect="1"/>
+          </p:cNvPicPr>
+          <p:nvPr/>
+        </p:nvPicPr>
+        <p:blipFill>
+          <a:blip r:embed="rId5">
+            <a:extLst>
+              <a:ext uri="{28A0092B-C50C-407E-A947-70E740481C1C}">
+                <a14:useLocalDpi xmlns:a14="http://schemas.microsoft.com/office/drawing/2010/main" val="0"/>
+              </a:ext>
+            </a:extLst>
+          </a:blip>
+          <a:stretch>
+            <a:fillRect/>
+          </a:stretch>
+        </p:blipFill>
+        <p:spPr>
+          <a:xfrm>
+            <a:off x="591361" y="5613972"/>
+            <a:ext cx="4799277" cy="777064"/>
+          </a:xfrm>
+          <a:prstGeom prst="rect">
+            <a:avLst/>
+          </a:prstGeom>
+        </p:spPr>
+      </p:pic>
+    </p:spTree>
+    <p:extLst>
+      <p:ext uri="{BB962C8B-B14F-4D97-AF65-F5344CB8AC3E}">
+        <p14:creationId xmlns:p14="http://schemas.microsoft.com/office/powerpoint/2010/main" val="839638224"/>
+      </p:ext>
+    </p:extLst>
+  </p:cSld>
+  <p:clrMapOvr>
+    <a:masterClrMapping/>
+  </p:clrMapOvr>
+  <mc:AlternateContent xmlns:mc="http://schemas.openxmlformats.org/markup-compatibility/2006">
+    <mc:Choice xmlns:p14="http://schemas.microsoft.com/office/powerpoint/2010/main" Requires="p14">
+      <p:transition spd="slow" p14:dur="2000" advClick="0" advTm="5000"/>
+    </mc:Choice>
+    <mc:Fallback>
+      <p:transition spd="slow" advClick="0" advTm="5000"/>
+    </mc:Fallback>
+  </mc:AlternateContent>
+</p:sld>
+</file>
+
+<file path=ppt/slides/slide16.xml><?xml version="1.0" encoding="utf-8"?>
+<p:sld xmlns:a="http://schemas.openxmlformats.org/drawingml/2006/main" xmlns:r="http://schemas.openxmlformats.org/officeDocument/2006/relationships" xmlns:p="http://schemas.openxmlformats.org/presentationml/2006/main">
+  <p:cSld>
+    <p:spTree>
+      <p:nvGrpSpPr>
+        <p:cNvPr id="1" name="">
+          <a:extLst>
+            <a:ext uri="{FF2B5EF4-FFF2-40B4-BE49-F238E27FC236}">
+              <a16:creationId xmlns:a16="http://schemas.microsoft.com/office/drawing/2014/main" id="{47509045-B65A-59C6-18C8-1F070CB6A6F6}"/>
+            </a:ext>
+          </a:extLst>
+        </p:cNvPr>
+        <p:cNvGrpSpPr/>
+        <p:nvPr/>
+      </p:nvGrpSpPr>
+      <p:grpSpPr>
+        <a:xfrm>
+          <a:off x="0" y="0"/>
+          <a:ext cx="0" cy="0"/>
+          <a:chOff x="0" y="0"/>
+          <a:chExt cx="0" cy="0"/>
+        </a:xfrm>
+      </p:grpSpPr>
+      <p:sp>
+        <p:nvSpPr>
+          <p:cNvPr id="2" name="Slide Number Placeholder 1">
+            <a:extLst>
+              <a:ext uri="{FF2B5EF4-FFF2-40B4-BE49-F238E27FC236}">
+                <a16:creationId xmlns:a16="http://schemas.microsoft.com/office/drawing/2014/main" id="{E3DC8B66-ADBB-74EC-B0F9-893F6424D822}"/>
+              </a:ext>
+            </a:extLst>
+          </p:cNvPr>
+          <p:cNvSpPr>
+            <a:spLocks noGrp="1"/>
+          </p:cNvSpPr>
+          <p:nvPr>
+            <p:ph type="sldNum" sz="quarter" idx="5"/>
+          </p:nvPr>
+        </p:nvSpPr>
+        <p:spPr/>
+        <p:txBody>
+          <a:bodyPr/>
+          <a:lstStyle/>
+          <a:p>
+            <a:fld id="{2BF067CD-8E6B-4360-9AA8-C5DF2A48A6D1}" type="slidenum">
+              <a:rPr lang="en-US" noProof="0" smtClean="0"/>
+              <a:pPr/>
+              <a:t>16</a:t>
+            </a:fld>
+            <a:endParaRPr lang="en-US" noProof="0" dirty="0"/>
+          </a:p>
+        </p:txBody>
+      </p:sp>
+      <p:sp>
+        <p:nvSpPr>
+          <p:cNvPr id="4" name="Title 3">
+            <a:extLst>
+              <a:ext uri="{FF2B5EF4-FFF2-40B4-BE49-F238E27FC236}">
+                <a16:creationId xmlns:a16="http://schemas.microsoft.com/office/drawing/2014/main" id="{962327D6-AEEB-BC85-6239-83379C9CDDF3}"/>
+              </a:ext>
+            </a:extLst>
+          </p:cNvPr>
+          <p:cNvSpPr>
+            <a:spLocks noGrp="1"/>
+          </p:cNvSpPr>
+          <p:nvPr>
+            <p:ph type="title"/>
+          </p:nvPr>
+        </p:nvSpPr>
+        <p:spPr/>
+        <p:txBody>
+          <a:bodyPr/>
+          <a:lstStyle/>
+          <a:p>
+            <a:r>
+              <a:rPr lang="bg-BG" dirty="0"/>
+              <a:t>Команди от библиотеката </a:t>
+            </a:r>
+            <a:r>
+              <a:rPr lang="en-US" dirty="0"/>
+              <a:t>t</a:t>
+            </a:r>
+            <a:r>
+              <a:rPr lang="en-GB" dirty="0"/>
+              <a:t>urtle (3)</a:t>
+            </a:r>
+          </a:p>
+        </p:txBody>
+      </p:sp>
+      <p:graphicFrame>
+        <p:nvGraphicFramePr>
+          <p:cNvPr id="5" name="Table 4">
+            <a:extLst>
+              <a:ext uri="{FF2B5EF4-FFF2-40B4-BE49-F238E27FC236}">
+                <a16:creationId xmlns:a16="http://schemas.microsoft.com/office/drawing/2014/main" id="{B32AC65B-63E3-3ACE-6E6A-F5B2BBC0C43A}"/>
+              </a:ext>
+            </a:extLst>
+          </p:cNvPr>
+          <p:cNvGraphicFramePr>
+            <a:graphicFrameLocks noGrp="1"/>
+          </p:cNvGraphicFramePr>
+          <p:nvPr>
+            <p:extLst>
+              <p:ext uri="{D42A27DB-BD31-4B8C-83A1-F6EECF244321}">
+                <p14:modId xmlns:p14="http://schemas.microsoft.com/office/powerpoint/2010/main" val="3617877678"/>
+              </p:ext>
+            </p:extLst>
+          </p:nvPr>
+        </p:nvGraphicFramePr>
+        <p:xfrm>
+          <a:off x="387485" y="1639486"/>
+          <a:ext cx="11417030" cy="4093781"/>
+        </p:xfrm>
+        <a:graphic>
+          <a:graphicData uri="http://schemas.openxmlformats.org/drawingml/2006/table">
+            <a:tbl>
+              <a:tblPr firstRow="1" bandRow="1">
+                <a:tableStyleId>{073A0DAA-6AF3-43AB-8588-CEC1D06C72B9}</a:tableStyleId>
+              </a:tblPr>
+              <a:tblGrid>
+                <a:gridCol w="6068515">
+                  <a:extLst>
+                    <a:ext uri="{9D8B030D-6E8A-4147-A177-3AD203B41FA5}">
+                      <a16:colId xmlns:a16="http://schemas.microsoft.com/office/drawing/2014/main" val="1555024472"/>
+                    </a:ext>
+                  </a:extLst>
+                </a:gridCol>
+                <a:gridCol w="5348515">
+                  <a:extLst>
+                    <a:ext uri="{9D8B030D-6E8A-4147-A177-3AD203B41FA5}">
+                      <a16:colId xmlns:a16="http://schemas.microsoft.com/office/drawing/2014/main" val="2710482895"/>
+                    </a:ext>
+                  </a:extLst>
+                </a:gridCol>
+              </a:tblGrid>
+              <a:tr h="620889">
+                <a:tc>
+                  <a:txBody>
+                    <a:bodyPr/>
+                    <a:lstStyle/>
+                    <a:p>
+                      <a:pPr algn="ctr"/>
+                      <a:r>
+                        <a:rPr lang="en-GB" dirty="0">
+                          <a:solidFill>
+                            <a:schemeClr val="bg2"/>
+                          </a:solidFill>
+                        </a:rPr>
+                        <a:t>Scratch</a:t>
+                      </a:r>
+                    </a:p>
+                  </a:txBody>
+                  <a:tcPr anchor="ctr">
+                    <a:lnL w="12700" cap="flat" cmpd="sng" algn="ctr">
+                      <a:solidFill>
+                        <a:schemeClr val="tx1"/>
+                      </a:solidFill>
+                      <a:prstDash val="solid"/>
+                      <a:round/>
+                      <a:headEnd type="none" w="med" len="med"/>
+                      <a:tailEnd type="none" w="med" len="med"/>
+                    </a:lnL>
+                    <a:lnR w="12700" cap="flat" cmpd="sng" algn="ctr">
+                      <a:solidFill>
+                        <a:schemeClr val="tx1"/>
+                      </a:solidFill>
+                      <a:prstDash val="solid"/>
+                      <a:round/>
+                      <a:headEnd type="none" w="med" len="med"/>
+                      <a:tailEnd type="none" w="med" len="med"/>
+                    </a:lnR>
+                    <a:lnT w="12700" cap="flat" cmpd="sng" algn="ctr">
+                      <a:solidFill>
+                        <a:schemeClr val="tx1"/>
+                      </a:solidFill>
+                      <a:prstDash val="solid"/>
+                      <a:round/>
+                      <a:headEnd type="none" w="med" len="med"/>
+                      <a:tailEnd type="none" w="med" len="med"/>
+                    </a:lnT>
+                    <a:lnB w="12700" cap="flat" cmpd="sng" algn="ctr">
+                      <a:solidFill>
+                        <a:schemeClr val="tx1"/>
+                      </a:solidFill>
+                      <a:prstDash val="solid"/>
+                      <a:round/>
+                      <a:headEnd type="none" w="med" len="med"/>
+                      <a:tailEnd type="none" w="med" len="med"/>
+                    </a:lnB>
+                  </a:tcPr>
+                </a:tc>
+                <a:tc>
+                  <a:txBody>
+                    <a:bodyPr/>
+                    <a:lstStyle/>
+                    <a:p>
+                      <a:pPr algn="ctr"/>
+                      <a:r>
+                        <a:rPr lang="en-GB" dirty="0">
+                          <a:solidFill>
+                            <a:schemeClr val="bg2"/>
+                          </a:solidFill>
+                        </a:rPr>
+                        <a:t>Python (turtle module)</a:t>
+                      </a:r>
+                    </a:p>
+                  </a:txBody>
+                  <a:tcPr anchor="ctr">
+                    <a:lnL w="12700" cap="flat" cmpd="sng" algn="ctr">
+                      <a:solidFill>
+                        <a:schemeClr val="tx1"/>
+                      </a:solidFill>
+                      <a:prstDash val="solid"/>
+                      <a:round/>
+                      <a:headEnd type="none" w="med" len="med"/>
+                      <a:tailEnd type="none" w="med" len="med"/>
+                    </a:lnL>
+                    <a:lnR w="12700" cap="flat" cmpd="sng" algn="ctr">
+                      <a:solidFill>
+                        <a:schemeClr val="tx1"/>
+                      </a:solidFill>
+                      <a:prstDash val="solid"/>
+                      <a:round/>
+                      <a:headEnd type="none" w="med" len="med"/>
+                      <a:tailEnd type="none" w="med" len="med"/>
+                    </a:lnR>
+                    <a:lnT w="12700" cap="flat" cmpd="sng" algn="ctr">
+                      <a:solidFill>
+                        <a:schemeClr val="tx1"/>
+                      </a:solidFill>
+                      <a:prstDash val="solid"/>
+                      <a:round/>
+                      <a:headEnd type="none" w="med" len="med"/>
+                      <a:tailEnd type="none" w="med" len="med"/>
+                    </a:lnT>
+                    <a:lnB w="12700" cap="flat" cmpd="sng" algn="ctr">
+                      <a:solidFill>
+                        <a:schemeClr val="tx1"/>
+                      </a:solidFill>
+                      <a:prstDash val="solid"/>
+                      <a:round/>
+                      <a:headEnd type="none" w="med" len="med"/>
+                      <a:tailEnd type="none" w="med" len="med"/>
+                    </a:lnB>
+                  </a:tcPr>
+                </a:tc>
+                <a:extLst>
+                  <a:ext uri="{0D108BD9-81ED-4DB2-BD59-A6C34878D82A}">
+                    <a16:rowId xmlns:a16="http://schemas.microsoft.com/office/drawing/2014/main" val="35918530"/>
+                  </a:ext>
+                </a:extLst>
+              </a:tr>
+              <a:tr h="1134111">
+                <a:tc>
+                  <a:txBody>
+                    <a:bodyPr/>
+                    <a:lstStyle/>
+                    <a:p>
+                      <a:endParaRPr lang="en-GB" dirty="0">
+                        <a:solidFill>
+                          <a:schemeClr val="tx1"/>
+                        </a:solidFill>
+                      </a:endParaRPr>
+                    </a:p>
+                  </a:txBody>
+                  <a:tcPr>
+                    <a:lnL w="12700" cap="flat" cmpd="sng" algn="ctr">
+                      <a:solidFill>
+                        <a:schemeClr val="tx1"/>
+                      </a:solidFill>
+                      <a:prstDash val="solid"/>
+                      <a:round/>
+                      <a:headEnd type="none" w="med" len="med"/>
+                      <a:tailEnd type="none" w="med" len="med"/>
+                    </a:lnL>
+                    <a:lnR w="12700" cap="flat" cmpd="sng" algn="ctr">
+                      <a:solidFill>
+                        <a:schemeClr val="tx1"/>
+                      </a:solidFill>
+                      <a:prstDash val="solid"/>
+                      <a:round/>
+                      <a:headEnd type="none" w="med" len="med"/>
+                      <a:tailEnd type="none" w="med" len="med"/>
+                    </a:lnR>
+                    <a:lnT w="12700" cap="flat" cmpd="sng" algn="ctr">
+                      <a:solidFill>
+                        <a:schemeClr val="tx1"/>
+                      </a:solidFill>
+                      <a:prstDash val="solid"/>
+                      <a:round/>
+                      <a:headEnd type="none" w="med" len="med"/>
+                      <a:tailEnd type="none" w="med" len="med"/>
+                    </a:lnT>
+                    <a:lnB w="12700" cap="flat" cmpd="sng" algn="ctr">
+                      <a:solidFill>
+                        <a:schemeClr val="tx1"/>
+                      </a:solidFill>
+                      <a:prstDash val="solid"/>
+                      <a:round/>
+                      <a:headEnd type="none" w="med" len="med"/>
+                      <a:tailEnd type="none" w="med" len="med"/>
+                    </a:lnB>
+                  </a:tcPr>
+                </a:tc>
+                <a:tc>
+                  <a:txBody>
+                    <a:bodyPr/>
+                    <a:lstStyle/>
+                    <a:p>
+                      <a:pPr algn="ctr"/>
+                      <a:r>
+                        <a:rPr lang="en-GB" b="0" dirty="0">
+                          <a:solidFill>
+                            <a:schemeClr val="tx1"/>
+                          </a:solidFill>
+                        </a:rPr>
+                        <a:t>my_turtle.</a:t>
+                      </a:r>
+                      <a:r>
+                        <a:rPr lang="en-GB" b="1" dirty="0">
+                          <a:solidFill>
+                            <a:schemeClr val="tx1"/>
+                          </a:solidFill>
+                        </a:rPr>
+                        <a:t>forward(30)</a:t>
+                      </a:r>
+                    </a:p>
+                    <a:p>
+                      <a:pPr algn="ctr"/>
+                      <a:r>
+                        <a:rPr lang="en-GB" b="0" dirty="0">
+                          <a:solidFill>
+                            <a:schemeClr val="tx1"/>
+                          </a:solidFill>
+                        </a:rPr>
+                        <a:t>my_turtle.</a:t>
+                      </a:r>
+                      <a:r>
+                        <a:rPr lang="en-GB" b="1" dirty="0">
+                          <a:solidFill>
+                            <a:schemeClr val="tx1"/>
+                          </a:solidFill>
+                        </a:rPr>
+                        <a:t>backward(30)</a:t>
+                      </a:r>
+                    </a:p>
+                  </a:txBody>
+                  <a:tcPr anchor="ctr">
+                    <a:lnL w="12700" cap="flat" cmpd="sng" algn="ctr">
+                      <a:solidFill>
+                        <a:schemeClr val="tx1"/>
+                      </a:solidFill>
+                      <a:prstDash val="solid"/>
+                      <a:round/>
+                      <a:headEnd type="none" w="med" len="med"/>
+                      <a:tailEnd type="none" w="med" len="med"/>
+                    </a:lnL>
+                    <a:lnR w="12700" cap="flat" cmpd="sng" algn="ctr">
+                      <a:solidFill>
+                        <a:schemeClr val="tx1"/>
+                      </a:solidFill>
+                      <a:prstDash val="solid"/>
+                      <a:round/>
+                      <a:headEnd type="none" w="med" len="med"/>
+                      <a:tailEnd type="none" w="med" len="med"/>
+                    </a:lnR>
+                    <a:lnT w="12700" cap="flat" cmpd="sng" algn="ctr">
+                      <a:solidFill>
+                        <a:schemeClr val="tx1"/>
+                      </a:solidFill>
+                      <a:prstDash val="solid"/>
+                      <a:round/>
+                      <a:headEnd type="none" w="med" len="med"/>
+                      <a:tailEnd type="none" w="med" len="med"/>
+                    </a:lnT>
+                    <a:lnB w="12700" cap="flat" cmpd="sng" algn="ctr">
+                      <a:solidFill>
+                        <a:schemeClr val="tx1"/>
+                      </a:solidFill>
+                      <a:prstDash val="solid"/>
+                      <a:round/>
+                      <a:headEnd type="none" w="med" len="med"/>
+                      <a:tailEnd type="none" w="med" len="med"/>
+                    </a:lnB>
+                  </a:tcPr>
+                </a:tc>
+                <a:extLst>
+                  <a:ext uri="{0D108BD9-81ED-4DB2-BD59-A6C34878D82A}">
+                    <a16:rowId xmlns:a16="http://schemas.microsoft.com/office/drawing/2014/main" val="661962438"/>
+                  </a:ext>
+                </a:extLst>
+              </a:tr>
+              <a:tr h="1097335">
+                <a:tc>
+                  <a:txBody>
+                    <a:bodyPr/>
+                    <a:lstStyle/>
+                    <a:p>
+                      <a:endParaRPr lang="en-GB" dirty="0">
+                        <a:solidFill>
+                          <a:schemeClr val="tx1"/>
+                        </a:solidFill>
+                      </a:endParaRPr>
+                    </a:p>
+                  </a:txBody>
+                  <a:tcPr>
+                    <a:lnL w="12700" cap="flat" cmpd="sng" algn="ctr">
+                      <a:solidFill>
+                        <a:schemeClr val="tx1"/>
+                      </a:solidFill>
+                      <a:prstDash val="solid"/>
+                      <a:round/>
+                      <a:headEnd type="none" w="med" len="med"/>
+                      <a:tailEnd type="none" w="med" len="med"/>
+                    </a:lnL>
+                    <a:lnR w="12700" cap="flat" cmpd="sng" algn="ctr">
+                      <a:solidFill>
+                        <a:schemeClr val="tx1"/>
+                      </a:solidFill>
+                      <a:prstDash val="solid"/>
+                      <a:round/>
+                      <a:headEnd type="none" w="med" len="med"/>
+                      <a:tailEnd type="none" w="med" len="med"/>
+                    </a:lnR>
+                    <a:lnT w="12700" cap="flat" cmpd="sng" algn="ctr">
+                      <a:solidFill>
+                        <a:schemeClr val="tx1"/>
+                      </a:solidFill>
+                      <a:prstDash val="solid"/>
+                      <a:round/>
+                      <a:headEnd type="none" w="med" len="med"/>
+                      <a:tailEnd type="none" w="med" len="med"/>
+                    </a:lnT>
+                    <a:lnB w="12700" cap="flat" cmpd="sng" algn="ctr">
+                      <a:solidFill>
+                        <a:schemeClr val="tx1"/>
+                      </a:solidFill>
+                      <a:prstDash val="solid"/>
+                      <a:round/>
+                      <a:headEnd type="none" w="med" len="med"/>
+                      <a:tailEnd type="none" w="med" len="med"/>
+                    </a:lnB>
+                  </a:tcPr>
+                </a:tc>
+                <a:tc>
+                  <a:txBody>
+                    <a:bodyPr/>
+                    <a:lstStyle/>
+                    <a:p>
+                      <a:pPr algn="ctr"/>
+                      <a:r>
+                        <a:rPr lang="en-GB" sz="2400" b="0" dirty="0">
+                          <a:solidFill>
+                            <a:schemeClr val="tx1"/>
+                          </a:solidFill>
+                        </a:rPr>
+                        <a:t>my_turtle.</a:t>
+                      </a:r>
+                      <a:r>
+                        <a:rPr lang="en-GB" sz="2400" b="1" dirty="0">
+                          <a:solidFill>
+                            <a:schemeClr val="tx1"/>
+                          </a:solidFill>
+                        </a:rPr>
+                        <a:t>left(15)</a:t>
+                      </a:r>
+                    </a:p>
+                    <a:p>
+                      <a:pPr algn="ctr"/>
+                      <a:r>
+                        <a:rPr lang="en-GB" sz="2400" b="0" dirty="0">
+                          <a:solidFill>
+                            <a:schemeClr val="tx1"/>
+                          </a:solidFill>
+                        </a:rPr>
+                        <a:t>my_turtle.</a:t>
+                      </a:r>
+                      <a:r>
+                        <a:rPr lang="en-GB" sz="2400" b="1" dirty="0">
+                          <a:solidFill>
+                            <a:schemeClr val="tx1"/>
+                          </a:solidFill>
+                        </a:rPr>
+                        <a:t>right(45)</a:t>
+                      </a:r>
+                    </a:p>
+                  </a:txBody>
+                  <a:tcPr anchor="ctr">
+                    <a:lnL w="12700" cap="flat" cmpd="sng" algn="ctr">
+                      <a:solidFill>
+                        <a:schemeClr val="tx1"/>
+                      </a:solidFill>
+                      <a:prstDash val="solid"/>
+                      <a:round/>
+                      <a:headEnd type="none" w="med" len="med"/>
+                      <a:tailEnd type="none" w="med" len="med"/>
+                    </a:lnL>
+                    <a:lnR w="12700" cap="flat" cmpd="sng" algn="ctr">
+                      <a:solidFill>
+                        <a:schemeClr val="tx1"/>
+                      </a:solidFill>
+                      <a:prstDash val="solid"/>
+                      <a:round/>
+                      <a:headEnd type="none" w="med" len="med"/>
+                      <a:tailEnd type="none" w="med" len="med"/>
+                    </a:lnR>
+                    <a:lnT w="12700" cap="flat" cmpd="sng" algn="ctr">
+                      <a:solidFill>
+                        <a:schemeClr val="tx1"/>
+                      </a:solidFill>
+                      <a:prstDash val="solid"/>
+                      <a:round/>
+                      <a:headEnd type="none" w="med" len="med"/>
+                      <a:tailEnd type="none" w="med" len="med"/>
+                    </a:lnT>
+                    <a:lnB w="12700" cap="flat" cmpd="sng" algn="ctr">
+                      <a:solidFill>
+                        <a:schemeClr val="tx1"/>
+                      </a:solidFill>
+                      <a:prstDash val="solid"/>
+                      <a:round/>
+                      <a:headEnd type="none" w="med" len="med"/>
+                      <a:tailEnd type="none" w="med" len="med"/>
+                    </a:lnB>
+                  </a:tcPr>
+                </a:tc>
+                <a:extLst>
+                  <a:ext uri="{0D108BD9-81ED-4DB2-BD59-A6C34878D82A}">
+                    <a16:rowId xmlns:a16="http://schemas.microsoft.com/office/drawing/2014/main" val="1416192551"/>
+                  </a:ext>
+                </a:extLst>
+              </a:tr>
+              <a:tr h="1241446">
+                <a:tc gridSpan="2">
+                  <a:txBody>
+                    <a:bodyPr/>
+                    <a:lstStyle/>
+                    <a:p>
+                      <a:pPr algn="ctr"/>
+                      <a:r>
+                        <a:rPr lang="en-GB" dirty="0">
+                          <a:solidFill>
+                            <a:schemeClr val="tx1"/>
+                          </a:solidFill>
+                        </a:rPr>
+                        <a:t>my_turtle.</a:t>
+                      </a:r>
+                      <a:r>
+                        <a:rPr lang="en-GB" b="1" dirty="0">
+                          <a:solidFill>
+                            <a:schemeClr val="tx1"/>
+                          </a:solidFill>
+                        </a:rPr>
+                        <a:t>speed(</a:t>
+                      </a:r>
+                      <a:r>
+                        <a:rPr lang="bg-BG" b="1" dirty="0">
+                          <a:solidFill>
+                            <a:schemeClr val="tx1"/>
+                          </a:solidFill>
+                        </a:rPr>
+                        <a:t>цяло число</a:t>
+                      </a:r>
+                      <a:r>
+                        <a:rPr lang="en-GB" b="1" dirty="0">
+                          <a:solidFill>
+                            <a:schemeClr val="tx1"/>
+                          </a:solidFill>
+                        </a:rPr>
+                        <a:t>) </a:t>
+                      </a:r>
+                      <a:r>
+                        <a:rPr lang="en-GB" dirty="0">
+                          <a:solidFill>
+                            <a:schemeClr val="tx1"/>
+                          </a:solidFill>
+                        </a:rPr>
+                        <a:t>– </a:t>
+                      </a:r>
+                      <a:r>
+                        <a:rPr lang="bg-BG" dirty="0">
+                          <a:solidFill>
+                            <a:schemeClr val="tx1"/>
+                          </a:solidFill>
+                        </a:rPr>
+                        <a:t>задава </a:t>
+                      </a:r>
+                      <a:r>
+                        <a:rPr lang="bg-BG" b="1" dirty="0">
+                          <a:solidFill>
+                            <a:schemeClr val="tx1"/>
+                          </a:solidFill>
+                        </a:rPr>
+                        <a:t>скоростта</a:t>
+                      </a:r>
+                      <a:r>
+                        <a:rPr lang="bg-BG" dirty="0">
+                          <a:solidFill>
+                            <a:schemeClr val="tx1"/>
+                          </a:solidFill>
+                        </a:rPr>
+                        <a:t> на движение на героя </a:t>
+                      </a:r>
+                    </a:p>
+                    <a:p>
+                      <a:pPr algn="ctr"/>
+                      <a:r>
+                        <a:rPr lang="bg-BG" dirty="0">
+                          <a:solidFill>
+                            <a:schemeClr val="tx1"/>
+                          </a:solidFill>
+                        </a:rPr>
+                        <a:t>(1 – много бавно, ..., 9 – много бързо)</a:t>
+                      </a:r>
+                      <a:endParaRPr lang="en-GB" dirty="0">
+                        <a:solidFill>
+                          <a:schemeClr val="tx1"/>
+                        </a:solidFill>
+                      </a:endParaRPr>
+                    </a:p>
+                  </a:txBody>
+                  <a:tcPr anchor="ctr">
+                    <a:lnL w="12700" cap="flat" cmpd="sng" algn="ctr">
+                      <a:solidFill>
+                        <a:schemeClr val="tx1"/>
+                      </a:solidFill>
+                      <a:prstDash val="solid"/>
+                      <a:round/>
+                      <a:headEnd type="none" w="med" len="med"/>
+                      <a:tailEnd type="none" w="med" len="med"/>
+                    </a:lnL>
+                    <a:lnR w="12700" cap="flat" cmpd="sng" algn="ctr">
+                      <a:solidFill>
+                        <a:schemeClr val="tx1"/>
+                      </a:solidFill>
+                      <a:prstDash val="solid"/>
+                      <a:round/>
+                      <a:headEnd type="none" w="med" len="med"/>
+                      <a:tailEnd type="none" w="med" len="med"/>
+                    </a:lnR>
+                    <a:lnT w="12700" cap="flat" cmpd="sng" algn="ctr">
+                      <a:solidFill>
+                        <a:schemeClr val="tx1"/>
+                      </a:solidFill>
+                      <a:prstDash val="solid"/>
+                      <a:round/>
+                      <a:headEnd type="none" w="med" len="med"/>
+                      <a:tailEnd type="none" w="med" len="med"/>
+                    </a:lnT>
+                    <a:lnB w="12700" cap="flat" cmpd="sng" algn="ctr">
+                      <a:solidFill>
+                        <a:schemeClr val="tx1"/>
+                      </a:solidFill>
+                      <a:prstDash val="solid"/>
+                      <a:round/>
+                      <a:headEnd type="none" w="med" len="med"/>
+                      <a:tailEnd type="none" w="med" len="med"/>
+                    </a:lnB>
+                  </a:tcPr>
+                </a:tc>
+                <a:tc hMerge="1">
+                  <a:txBody>
+                    <a:bodyPr/>
+                    <a:lstStyle/>
+                    <a:p>
+                      <a:pPr algn="ctr"/>
+                      <a:endParaRPr lang="en-GB" b="0" dirty="0">
+                        <a:solidFill>
+                          <a:schemeClr val="tx1"/>
+                        </a:solidFill>
+                      </a:endParaRPr>
+                    </a:p>
+                  </a:txBody>
+                  <a:tcPr anchor="ctr">
+                    <a:lnL w="12700" cap="flat" cmpd="sng" algn="ctr">
+                      <a:solidFill>
+                        <a:schemeClr val="tx1"/>
+                      </a:solidFill>
+                      <a:prstDash val="solid"/>
+                      <a:round/>
+                      <a:headEnd type="none" w="med" len="med"/>
+                      <a:tailEnd type="none" w="med" len="med"/>
+                    </a:lnL>
+                    <a:lnR w="12700" cap="flat" cmpd="sng" algn="ctr">
+                      <a:solidFill>
+                        <a:schemeClr val="tx1"/>
+                      </a:solidFill>
+                      <a:prstDash val="solid"/>
+                      <a:round/>
+                      <a:headEnd type="none" w="med" len="med"/>
+                      <a:tailEnd type="none" w="med" len="med"/>
+                    </a:lnR>
+                    <a:lnT w="12700" cap="flat" cmpd="sng" algn="ctr">
+                      <a:solidFill>
+                        <a:schemeClr val="tx1"/>
+                      </a:solidFill>
+                      <a:prstDash val="solid"/>
+                      <a:round/>
+                      <a:headEnd type="none" w="med" len="med"/>
+                      <a:tailEnd type="none" w="med" len="med"/>
+                    </a:lnT>
+                    <a:lnB w="12700" cap="flat" cmpd="sng" algn="ctr">
+                      <a:solidFill>
+                        <a:schemeClr val="tx1"/>
+                      </a:solidFill>
+                      <a:prstDash val="solid"/>
+                      <a:round/>
+                      <a:headEnd type="none" w="med" len="med"/>
+                      <a:tailEnd type="none" w="med" len="med"/>
+                    </a:lnB>
+                  </a:tcPr>
+                </a:tc>
+                <a:extLst>
+                  <a:ext uri="{0D108BD9-81ED-4DB2-BD59-A6C34878D82A}">
+                    <a16:rowId xmlns:a16="http://schemas.microsoft.com/office/drawing/2014/main" val="676353616"/>
+                  </a:ext>
+                </a:extLst>
+              </a:tr>
+            </a:tbl>
+          </a:graphicData>
+        </a:graphic>
+      </p:graphicFrame>
+      <p:pic>
+        <p:nvPicPr>
+          <p:cNvPr id="10" name="Picture 9" descr="A blue rectangular sign with white text and black background&#10;&#10;Description automatically generated">
+            <a:extLst>
+              <a:ext uri="{FF2B5EF4-FFF2-40B4-BE49-F238E27FC236}">
+                <a16:creationId xmlns:a16="http://schemas.microsoft.com/office/drawing/2014/main" id="{F933E34E-32AD-AF7E-8958-1CC16BB9378E}"/>
+              </a:ext>
+            </a:extLst>
+          </p:cNvPr>
+          <p:cNvPicPr>
+            <a:picLocks noChangeAspect="1"/>
+          </p:cNvPicPr>
+          <p:nvPr/>
+        </p:nvPicPr>
+        <p:blipFill>
+          <a:blip r:embed="rId2">
+            <a:extLst>
+              <a:ext uri="{28A0092B-C50C-407E-A947-70E740481C1C}">
+                <a14:useLocalDpi xmlns:a14="http://schemas.microsoft.com/office/drawing/2010/main" val="0"/>
+              </a:ext>
+            </a:extLst>
+          </a:blip>
+          <a:stretch>
+            <a:fillRect/>
+          </a:stretch>
+        </p:blipFill>
+        <p:spPr>
+          <a:xfrm>
+            <a:off x="3372062" y="2398173"/>
+            <a:ext cx="2588938" cy="789228"/>
+          </a:xfrm>
+          <a:prstGeom prst="rect">
+            <a:avLst/>
+          </a:prstGeom>
+        </p:spPr>
+      </p:pic>
+      <p:pic>
+        <p:nvPicPr>
+          <p:cNvPr id="13" name="Picture 12" descr="A blue rectangle with white text and black background&#10;&#10;Description automatically generated">
+            <a:extLst>
+              <a:ext uri="{FF2B5EF4-FFF2-40B4-BE49-F238E27FC236}">
+                <a16:creationId xmlns:a16="http://schemas.microsoft.com/office/drawing/2014/main" id="{280ADA94-879C-00F9-4679-2570BC0B6A04}"/>
+              </a:ext>
+            </a:extLst>
+          </p:cNvPr>
+          <p:cNvPicPr>
+            <a:picLocks noChangeAspect="1"/>
+          </p:cNvPicPr>
+          <p:nvPr/>
+        </p:nvPicPr>
+        <p:blipFill>
+          <a:blip r:embed="rId3">
+            <a:extLst>
+              <a:ext uri="{28A0092B-C50C-407E-A947-70E740481C1C}">
+                <a14:useLocalDpi xmlns:a14="http://schemas.microsoft.com/office/drawing/2010/main" val="0"/>
+              </a:ext>
+            </a:extLst>
+          </a:blip>
+          <a:stretch>
+            <a:fillRect/>
+          </a:stretch>
+        </p:blipFill>
+        <p:spPr>
+          <a:xfrm>
+            <a:off x="614152" y="2422401"/>
+            <a:ext cx="2610000" cy="808147"/>
+          </a:xfrm>
+          <a:prstGeom prst="rect">
+            <a:avLst/>
+          </a:prstGeom>
+        </p:spPr>
+      </p:pic>
+      <p:pic>
+        <p:nvPicPr>
+          <p:cNvPr id="16" name="Picture 15" descr="A blue screen with white arrows and a circle&#10;&#10;Description automatically generated">
+            <a:extLst>
+              <a:ext uri="{FF2B5EF4-FFF2-40B4-BE49-F238E27FC236}">
+                <a16:creationId xmlns:a16="http://schemas.microsoft.com/office/drawing/2014/main" id="{21C9DA1F-B739-6377-8BF3-002E6C8F7FF9}"/>
+              </a:ext>
+            </a:extLst>
+          </p:cNvPr>
+          <p:cNvPicPr>
+            <a:picLocks noChangeAspect="1"/>
+          </p:cNvPicPr>
+          <p:nvPr/>
+        </p:nvPicPr>
+        <p:blipFill>
+          <a:blip r:embed="rId4">
+            <a:extLst>
+              <a:ext uri="{28A0092B-C50C-407E-A947-70E740481C1C}">
+                <a14:useLocalDpi xmlns:a14="http://schemas.microsoft.com/office/drawing/2010/main" val="0"/>
+              </a:ext>
+            </a:extLst>
+          </a:blip>
+          <a:stretch>
+            <a:fillRect/>
+          </a:stretch>
+        </p:blipFill>
+        <p:spPr>
+          <a:xfrm>
+            <a:off x="561000" y="3563052"/>
+            <a:ext cx="2871848" cy="765948"/>
+          </a:xfrm>
+          <a:prstGeom prst="rect">
+            <a:avLst/>
+          </a:prstGeom>
+        </p:spPr>
+      </p:pic>
+      <p:pic>
+        <p:nvPicPr>
+          <p:cNvPr id="19" name="Picture 18" descr="A blue screen with a white arrow and a white circle&#10;&#10;Description automatically generated">
+            <a:extLst>
+              <a:ext uri="{FF2B5EF4-FFF2-40B4-BE49-F238E27FC236}">
+                <a16:creationId xmlns:a16="http://schemas.microsoft.com/office/drawing/2014/main" id="{811C870D-FD4F-9128-9F42-1FA3224EBA0E}"/>
+              </a:ext>
+            </a:extLst>
+          </p:cNvPr>
+          <p:cNvPicPr>
+            <a:picLocks noChangeAspect="1"/>
+          </p:cNvPicPr>
+          <p:nvPr/>
+        </p:nvPicPr>
+        <p:blipFill>
+          <a:blip r:embed="rId5">
+            <a:extLst>
+              <a:ext uri="{28A0092B-C50C-407E-A947-70E740481C1C}">
+                <a14:useLocalDpi xmlns:a14="http://schemas.microsoft.com/office/drawing/2010/main" val="0"/>
+              </a:ext>
+            </a:extLst>
+          </a:blip>
+          <a:stretch>
+            <a:fillRect/>
+          </a:stretch>
+        </p:blipFill>
+        <p:spPr>
+          <a:xfrm>
+            <a:off x="3432848" y="3550557"/>
+            <a:ext cx="2871848" cy="778443"/>
+          </a:xfrm>
+          <a:prstGeom prst="rect">
+            <a:avLst/>
+          </a:prstGeom>
+        </p:spPr>
+      </p:pic>
+    </p:spTree>
+    <p:extLst>
+      <p:ext uri="{BB962C8B-B14F-4D97-AF65-F5344CB8AC3E}">
+        <p14:creationId xmlns:p14="http://schemas.microsoft.com/office/powerpoint/2010/main" val="4107567079"/>
+      </p:ext>
+    </p:extLst>
+  </p:cSld>
+  <p:clrMapOvr>
+    <a:masterClrMapping/>
+  </p:clrMapOvr>
+  <mc:AlternateContent xmlns:mc="http://schemas.openxmlformats.org/markup-compatibility/2006">
+    <mc:Choice xmlns:p14="http://schemas.microsoft.com/office/powerpoint/2010/main" Requires="p14">
+      <p:transition spd="slow" p14:dur="2000" advClick="0" advTm="5000"/>
+    </mc:Choice>
+    <mc:Fallback>
+      <p:transition spd="slow" advClick="0" advTm="5000"/>
+    </mc:Fallback>
+  </mc:AlternateContent>
+</p:sld>
+</file>
+
+<file path=ppt/slides/slide17.xml><?xml version="1.0" encoding="utf-8"?>
+<p:sld xmlns:a="http://schemas.openxmlformats.org/drawingml/2006/main" xmlns:r="http://schemas.openxmlformats.org/officeDocument/2006/relationships" xmlns:p="http://schemas.openxmlformats.org/presentationml/2006/main">
+  <p:cSld>
+    <p:spTree>
+      <p:nvGrpSpPr>
+        <p:cNvPr id="1" name=""/>
+        <p:cNvGrpSpPr/>
+        <p:nvPr/>
+      </p:nvGrpSpPr>
+      <p:grpSpPr>
+        <a:xfrm>
+          <a:off x="0" y="0"/>
+          <a:ext cx="0" cy="0"/>
+          <a:chOff x="0" y="0"/>
+          <a:chExt cx="0" cy="0"/>
+        </a:xfrm>
+      </p:grpSpPr>
+      <p:sp>
+        <p:nvSpPr>
+          <p:cNvPr id="2" name="Slide Number Placeholder 1">
+            <a:extLst>
+              <a:ext uri="{FF2B5EF4-FFF2-40B4-BE49-F238E27FC236}">
+                <a16:creationId xmlns:a16="http://schemas.microsoft.com/office/drawing/2014/main" id="{CA40410C-1963-160A-801D-ED86D557FD87}"/>
+              </a:ext>
+            </a:extLst>
+          </p:cNvPr>
+          <p:cNvSpPr>
+            <a:spLocks noGrp="1"/>
+          </p:cNvSpPr>
+          <p:nvPr>
+            <p:ph type="sldNum" sz="quarter" idx="4"/>
+          </p:nvPr>
+        </p:nvSpPr>
+        <p:spPr/>
+        <p:txBody>
+          <a:bodyPr/>
+          <a:lstStyle/>
+          <a:p>
+            <a:fld id="{2BF067CD-8E6B-4360-9AA8-C5DF2A48A6D1}" type="slidenum">
+              <a:rPr lang="en-US" noProof="0" smtClean="0"/>
+              <a:pPr/>
+              <a:t>17</a:t>
+            </a:fld>
+            <a:endParaRPr lang="en-US" noProof="0" dirty="0"/>
+          </a:p>
+        </p:txBody>
+      </p:sp>
+      <p:sp>
+        <p:nvSpPr>
+          <p:cNvPr id="5" name="Title 4">
+            <a:extLst>
+              <a:ext uri="{FF2B5EF4-FFF2-40B4-BE49-F238E27FC236}">
+                <a16:creationId xmlns:a16="http://schemas.microsoft.com/office/drawing/2014/main" id="{2B680AD7-C286-11AC-CF50-26446200C2D8}"/>
+              </a:ext>
+            </a:extLst>
+          </p:cNvPr>
+          <p:cNvSpPr>
+            <a:spLocks noGrp="1"/>
+          </p:cNvSpPr>
+          <p:nvPr>
+            <p:ph type="title"/>
+          </p:nvPr>
+        </p:nvSpPr>
+        <p:spPr/>
+        <p:txBody>
+          <a:bodyPr/>
+          <a:lstStyle/>
+          <a:p>
+            <a:r>
+              <a:rPr lang="en-GB" dirty="0"/>
+              <a:t>Scratch </a:t>
+            </a:r>
+            <a:r>
+              <a:rPr lang="bg-BG" dirty="0"/>
+              <a:t>срещу </a:t>
+            </a:r>
+            <a:r>
+              <a:rPr lang="en-GB" dirty="0"/>
+              <a:t>Python (turtle)</a:t>
+            </a:r>
+          </a:p>
+        </p:txBody>
+      </p:sp>
+      <p:pic>
+        <p:nvPicPr>
+          <p:cNvPr id="11" name="Picture 10">
+            <a:extLst>
+              <a:ext uri="{FF2B5EF4-FFF2-40B4-BE49-F238E27FC236}">
+                <a16:creationId xmlns:a16="http://schemas.microsoft.com/office/drawing/2014/main" id="{52210732-9528-83E3-CB05-BD0AEA1B5C14}"/>
+              </a:ext>
+            </a:extLst>
+          </p:cNvPr>
+          <p:cNvPicPr>
+            <a:picLocks noChangeAspect="1"/>
+          </p:cNvPicPr>
+          <p:nvPr/>
+        </p:nvPicPr>
+        <p:blipFill>
+          <a:blip r:embed="rId2">
+            <a:extLst>
+              <a:ext uri="{28A0092B-C50C-407E-A947-70E740481C1C}">
+                <a14:useLocalDpi xmlns:a14="http://schemas.microsoft.com/office/drawing/2010/main" val="0"/>
+              </a:ext>
+            </a:extLst>
+          </a:blip>
+          <a:srcRect/>
+          <a:stretch/>
+        </p:blipFill>
+        <p:spPr>
+          <a:xfrm>
+            <a:off x="1371000" y="1255768"/>
+            <a:ext cx="2930402" cy="4884004"/>
+          </a:xfrm>
+          <a:prstGeom prst="rect">
+            <a:avLst/>
+          </a:prstGeom>
+        </p:spPr>
+      </p:pic>
+      <p:sp>
+        <p:nvSpPr>
+          <p:cNvPr id="12" name="TextBox 11">
+            <a:extLst>
+              <a:ext uri="{FF2B5EF4-FFF2-40B4-BE49-F238E27FC236}">
+                <a16:creationId xmlns:a16="http://schemas.microsoft.com/office/drawing/2014/main" id="{7D27B0AE-61D8-DEA6-B159-1C5DA9744D79}"/>
+              </a:ext>
+            </a:extLst>
+          </p:cNvPr>
+          <p:cNvSpPr txBox="1"/>
+          <p:nvPr/>
+        </p:nvSpPr>
+        <p:spPr>
+          <a:xfrm>
+            <a:off x="7433030" y="1224000"/>
+            <a:ext cx="4320000" cy="4939210"/>
+          </a:xfrm>
+          <a:prstGeom prst="rect">
+            <a:avLst/>
+          </a:prstGeom>
+          <a:solidFill>
+            <a:schemeClr val="accent6">
+              <a:lumMod val="75000"/>
+              <a:alpha val="15000"/>
+            </a:schemeClr>
+          </a:solidFill>
+          <a:ln w="12700">
+            <a:solidFill>
+              <a:schemeClr val="tx1">
+                <a:lumMod val="75000"/>
+              </a:schemeClr>
+            </a:solidFill>
+          </a:ln>
+        </p:spPr>
+        <p:txBody>
+          <a:bodyPr vert="horz" wrap="square" lIns="144000" tIns="108000" rIns="144000" bIns="108000" rtlCol="0">
+            <a:spAutoFit/>
+          </a:bodyPr>
+          <a:lstStyle/>
+          <a:p>
+            <a:pPr algn="l" eaLnBrk="0" hangingPunct="0">
+              <a:lnSpc>
+                <a:spcPct val="110000"/>
+              </a:lnSpc>
+              <a:buClr>
+                <a:schemeClr val="accent5">
+                  <a:lumMod val="40000"/>
+                  <a:lumOff val="60000"/>
+                </a:schemeClr>
+              </a:buClr>
+              <a:buSzPct val="70000"/>
+            </a:pPr>
+            <a:r>
+              <a:rPr lang="en-GB" sz="2000" b="1" dirty="0">
+                <a:latin typeface="Consolas" panose="020B0609020204030204" pitchFamily="49" charset="0"/>
+              </a:rPr>
+              <a:t>from turtle import *</a:t>
+            </a:r>
+          </a:p>
+          <a:p>
+            <a:pPr algn="l" eaLnBrk="0" hangingPunct="0">
+              <a:lnSpc>
+                <a:spcPct val="110000"/>
+              </a:lnSpc>
+              <a:buClr>
+                <a:schemeClr val="accent5">
+                  <a:lumMod val="40000"/>
+                  <a:lumOff val="60000"/>
+                </a:schemeClr>
+              </a:buClr>
+              <a:buSzPct val="70000"/>
+            </a:pPr>
+            <a:r>
+              <a:rPr lang="en-GB" sz="2000" b="1" dirty="0" err="1">
+                <a:latin typeface="Consolas" panose="020B0609020204030204" pitchFamily="49" charset="0"/>
+              </a:rPr>
+              <a:t>my_turtle</a:t>
+            </a:r>
+            <a:r>
+              <a:rPr lang="en-GB" sz="2000" b="1" dirty="0">
+                <a:latin typeface="Consolas" panose="020B0609020204030204" pitchFamily="49" charset="0"/>
+              </a:rPr>
+              <a:t> = Turtle()</a:t>
+            </a:r>
+          </a:p>
+          <a:p>
+            <a:pPr algn="l" eaLnBrk="0" hangingPunct="0">
+              <a:lnSpc>
+                <a:spcPct val="110000"/>
+              </a:lnSpc>
+              <a:buClr>
+                <a:schemeClr val="accent5">
+                  <a:lumMod val="40000"/>
+                  <a:lumOff val="60000"/>
+                </a:schemeClr>
+              </a:buClr>
+              <a:buSzPct val="70000"/>
+            </a:pPr>
+            <a:endParaRPr lang="en-GB" sz="2000" b="1" dirty="0">
+              <a:latin typeface="Consolas" panose="020B0609020204030204" pitchFamily="49" charset="0"/>
+            </a:endParaRPr>
+          </a:p>
+          <a:p>
+            <a:pPr algn="l" eaLnBrk="0" hangingPunct="0">
+              <a:lnSpc>
+                <a:spcPct val="110000"/>
+              </a:lnSpc>
+              <a:buClr>
+                <a:schemeClr val="accent5">
+                  <a:lumMod val="40000"/>
+                  <a:lumOff val="60000"/>
+                </a:schemeClr>
+              </a:buClr>
+              <a:buSzPct val="70000"/>
+            </a:pPr>
+            <a:r>
+              <a:rPr lang="en-GB" sz="2000" b="1" dirty="0">
+                <a:latin typeface="Consolas" panose="020B0609020204030204" pitchFamily="49" charset="0"/>
+              </a:rPr>
+              <a:t>my_turtle.clear()</a:t>
+            </a:r>
+          </a:p>
+          <a:p>
+            <a:pPr algn="l" eaLnBrk="0" hangingPunct="0">
+              <a:lnSpc>
+                <a:spcPct val="110000"/>
+              </a:lnSpc>
+              <a:buClr>
+                <a:schemeClr val="accent5">
+                  <a:lumMod val="40000"/>
+                  <a:lumOff val="60000"/>
+                </a:schemeClr>
+              </a:buClr>
+              <a:buSzPct val="70000"/>
+            </a:pPr>
+            <a:r>
+              <a:rPr lang="en-GB" sz="2000" b="1" dirty="0">
+                <a:latin typeface="Consolas" panose="020B0609020204030204" pitchFamily="49" charset="0"/>
+              </a:rPr>
+              <a:t>my_turtle.pendown()</a:t>
+            </a:r>
+          </a:p>
+          <a:p>
+            <a:pPr algn="l" eaLnBrk="0" hangingPunct="0">
+              <a:lnSpc>
+                <a:spcPct val="110000"/>
+              </a:lnSpc>
+              <a:buClr>
+                <a:schemeClr val="accent5">
+                  <a:lumMod val="40000"/>
+                  <a:lumOff val="60000"/>
+                </a:schemeClr>
+              </a:buClr>
+              <a:buSzPct val="70000"/>
+            </a:pPr>
+            <a:r>
+              <a:rPr lang="en-GB" sz="2000" b="1" dirty="0">
+                <a:latin typeface="Consolas" panose="020B0609020204030204" pitchFamily="49" charset="0"/>
+              </a:rPr>
+              <a:t>my_turtle.pencolor("purple")</a:t>
+            </a:r>
+          </a:p>
+          <a:p>
+            <a:pPr algn="l" eaLnBrk="0" hangingPunct="0">
+              <a:lnSpc>
+                <a:spcPct val="110000"/>
+              </a:lnSpc>
+              <a:buClr>
+                <a:schemeClr val="accent5">
+                  <a:lumMod val="40000"/>
+                  <a:lumOff val="60000"/>
+                </a:schemeClr>
+              </a:buClr>
+              <a:buSzPct val="70000"/>
+            </a:pPr>
+            <a:r>
+              <a:rPr lang="en-GB" sz="2000" b="1" dirty="0">
+                <a:latin typeface="Consolas" panose="020B0609020204030204" pitchFamily="49" charset="0"/>
+              </a:rPr>
+              <a:t>my_turtle.setheading(0)</a:t>
+            </a:r>
+          </a:p>
+          <a:p>
+            <a:pPr algn="l" eaLnBrk="0" hangingPunct="0">
+              <a:lnSpc>
+                <a:spcPct val="110000"/>
+              </a:lnSpc>
+              <a:buClr>
+                <a:schemeClr val="accent5">
+                  <a:lumMod val="40000"/>
+                  <a:lumOff val="60000"/>
+                </a:schemeClr>
+              </a:buClr>
+              <a:buSzPct val="70000"/>
+            </a:pPr>
+            <a:r>
+              <a:rPr lang="en-GB" sz="2000" b="1" dirty="0">
+                <a:latin typeface="Consolas" panose="020B0609020204030204" pitchFamily="49" charset="0"/>
+              </a:rPr>
+              <a:t>my_turtle.goto(0, 0)</a:t>
+            </a:r>
+          </a:p>
+          <a:p>
+            <a:pPr algn="l" eaLnBrk="0" hangingPunct="0">
+              <a:lnSpc>
+                <a:spcPct val="110000"/>
+              </a:lnSpc>
+              <a:buClr>
+                <a:schemeClr val="accent5">
+                  <a:lumMod val="40000"/>
+                  <a:lumOff val="60000"/>
+                </a:schemeClr>
+              </a:buClr>
+              <a:buSzPct val="70000"/>
+            </a:pPr>
+            <a:endParaRPr lang="en-GB" sz="2000" b="1" dirty="0">
+              <a:latin typeface="Consolas" panose="020B0609020204030204" pitchFamily="49" charset="0"/>
+            </a:endParaRPr>
+          </a:p>
+          <a:p>
+            <a:pPr algn="l" eaLnBrk="0" hangingPunct="0">
+              <a:lnSpc>
+                <a:spcPct val="110000"/>
+              </a:lnSpc>
+              <a:buClr>
+                <a:schemeClr val="accent5">
+                  <a:lumMod val="40000"/>
+                  <a:lumOff val="60000"/>
+                </a:schemeClr>
+              </a:buClr>
+              <a:buSzPct val="70000"/>
+            </a:pPr>
+            <a:r>
+              <a:rPr lang="en-GB" sz="2000" b="1" dirty="0">
+                <a:latin typeface="Consolas" panose="020B0609020204030204" pitchFamily="49" charset="0"/>
+              </a:rPr>
+              <a:t>for i in range(4):</a:t>
+            </a:r>
+          </a:p>
+          <a:p>
+            <a:pPr algn="l" eaLnBrk="0" hangingPunct="0">
+              <a:lnSpc>
+                <a:spcPct val="110000"/>
+              </a:lnSpc>
+              <a:buClr>
+                <a:schemeClr val="accent5">
+                  <a:lumMod val="40000"/>
+                  <a:lumOff val="60000"/>
+                </a:schemeClr>
+              </a:buClr>
+              <a:buSzPct val="70000"/>
+            </a:pPr>
+            <a:r>
+              <a:rPr lang="en-GB" sz="2000" b="1" dirty="0">
+                <a:latin typeface="Consolas" panose="020B0609020204030204" pitchFamily="49" charset="0"/>
+              </a:rPr>
+              <a:t>   my_turtle.forward(100)</a:t>
+            </a:r>
+          </a:p>
+          <a:p>
+            <a:pPr algn="l" eaLnBrk="0" hangingPunct="0">
+              <a:lnSpc>
+                <a:spcPct val="110000"/>
+              </a:lnSpc>
+              <a:buClr>
+                <a:schemeClr val="accent5">
+                  <a:lumMod val="40000"/>
+                  <a:lumOff val="60000"/>
+                </a:schemeClr>
+              </a:buClr>
+              <a:buSzPct val="70000"/>
+            </a:pPr>
+            <a:r>
+              <a:rPr lang="en-GB" sz="2000" b="1" dirty="0">
+                <a:latin typeface="Consolas" panose="020B0609020204030204" pitchFamily="49" charset="0"/>
+              </a:rPr>
+              <a:t>   my_turtle.left(90)</a:t>
+            </a:r>
+          </a:p>
+          <a:p>
+            <a:pPr algn="l" eaLnBrk="0" hangingPunct="0">
+              <a:lnSpc>
+                <a:spcPct val="110000"/>
+              </a:lnSpc>
+              <a:buClr>
+                <a:schemeClr val="accent5">
+                  <a:lumMod val="40000"/>
+                  <a:lumOff val="60000"/>
+                </a:schemeClr>
+              </a:buClr>
+              <a:buSzPct val="70000"/>
+            </a:pPr>
+            <a:endParaRPr lang="bg-BG" sz="2000" b="1" dirty="0">
+              <a:latin typeface="Consolas" panose="020B0609020204030204" pitchFamily="49" charset="0"/>
+            </a:endParaRPr>
+          </a:p>
+          <a:p>
+            <a:pPr algn="l" eaLnBrk="0" hangingPunct="0">
+              <a:lnSpc>
+                <a:spcPct val="110000"/>
+              </a:lnSpc>
+              <a:buClr>
+                <a:schemeClr val="accent5">
+                  <a:lumMod val="40000"/>
+                  <a:lumOff val="60000"/>
+                </a:schemeClr>
+              </a:buClr>
+              <a:buSzPct val="70000"/>
+            </a:pPr>
+            <a:r>
+              <a:rPr lang="en-GB" sz="2000" b="1" dirty="0">
+                <a:latin typeface="Consolas" panose="020B0609020204030204" pitchFamily="49" charset="0"/>
+              </a:rPr>
+              <a:t>my_turtle.penup()</a:t>
+            </a:r>
+          </a:p>
+        </p:txBody>
+      </p:sp>
+      <p:sp>
+        <p:nvSpPr>
+          <p:cNvPr id="13" name="Speech Bubble: Rectangle with Corners Rounded 12">
+            <a:extLst>
+              <a:ext uri="{FF2B5EF4-FFF2-40B4-BE49-F238E27FC236}">
+                <a16:creationId xmlns:a16="http://schemas.microsoft.com/office/drawing/2014/main" id="{6A6A3C85-CF10-DEAB-2694-55021F0A5B31}"/>
+              </a:ext>
+            </a:extLst>
+          </p:cNvPr>
+          <p:cNvSpPr/>
+          <p:nvPr/>
+        </p:nvSpPr>
+        <p:spPr bwMode="auto">
+          <a:xfrm>
+            <a:off x="4301402" y="1359000"/>
+            <a:ext cx="2930402" cy="1440000"/>
+          </a:xfrm>
+          <a:prstGeom prst="wedgeRoundRectCallout">
+            <a:avLst>
+              <a:gd name="adj1" fmla="val -48885"/>
+              <a:gd name="adj2" fmla="val 85591"/>
+              <a:gd name="adj3" fmla="val 16667"/>
+            </a:avLst>
+          </a:prstGeom>
+          <a:solidFill>
+            <a:schemeClr val="dk2">
+              <a:alpha val="80000"/>
+            </a:schemeClr>
+          </a:solidFill>
+          <a:ln w="19050">
+            <a:solidFill>
+              <a:schemeClr val="tx1">
+                <a:lumMod val="75000"/>
+                <a:alpha val="80000"/>
+              </a:schemeClr>
+            </a:solidFill>
+          </a:ln>
+          <a:effectLst/>
+        </p:spPr>
+        <p:style>
+          <a:lnRef idx="2">
+            <a:schemeClr val="accent1">
+              <a:shade val="50000"/>
+            </a:schemeClr>
+          </a:lnRef>
+          <a:fillRef idx="1001">
+            <a:schemeClr val="dk2"/>
+          </a:fillRef>
+          <a:effectRef idx="0">
+            <a:schemeClr val="accent1"/>
+          </a:effectRef>
+          <a:fontRef idx="minor">
+            <a:schemeClr val="lt1"/>
+          </a:fontRef>
+        </p:style>
+        <p:txBody>
+          <a:bodyPr rot="0" spcFirstLastPara="0" vertOverflow="overflow" horzOverflow="overflow" vert="horz" wrap="square" lIns="91440" tIns="45720" rIns="91440" bIns="45720" numCol="1" spcCol="0" rtlCol="0" fromWordArt="0" anchor="ctr" anchorCtr="0" forceAA="0" compatLnSpc="1">
+            <a:prstTxWarp prst="textNoShape">
+              <a:avLst/>
+            </a:prstTxWarp>
+            <a:noAutofit/>
+          </a:bodyPr>
+          <a:lstStyle/>
+          <a:p>
+            <a:pPr algn="ctr"/>
+            <a:r>
+              <a:rPr lang="bg-BG" sz="2800" b="1" dirty="0">
+                <a:solidFill>
+                  <a:srgbClr val="FFFFFF"/>
+                </a:solidFill>
+                <a:effectLst>
+                  <a:outerShdw blurRad="38100" dist="38100" dir="2700000" algn="tl">
+                    <a:srgbClr val="000000">
+                      <a:alpha val="43137"/>
+                    </a:srgbClr>
+                  </a:outerShdw>
+                </a:effectLst>
+              </a:rPr>
+              <a:t>Какво ще се начертае от тези блокове код?</a:t>
+            </a:r>
+            <a:endParaRPr lang="en-GB" sz="2800" b="1" dirty="0">
+              <a:solidFill>
+                <a:srgbClr val="FFFFFF"/>
+              </a:solidFill>
+              <a:effectLst>
+                <a:outerShdw blurRad="38100" dist="38100" dir="2700000" algn="tl">
+                  <a:srgbClr val="000000">
+                    <a:alpha val="43137"/>
+                  </a:srgbClr>
+                </a:outerShdw>
+              </a:effectLst>
+            </a:endParaRPr>
+          </a:p>
+        </p:txBody>
+      </p:sp>
+    </p:spTree>
+    <p:extLst>
+      <p:ext uri="{BB962C8B-B14F-4D97-AF65-F5344CB8AC3E}">
+        <p14:creationId xmlns:p14="http://schemas.microsoft.com/office/powerpoint/2010/main" val="2508532744"/>
+      </p:ext>
+    </p:extLst>
+  </p:cSld>
+  <p:clrMapOvr>
+    <a:masterClrMapping/>
+  </p:clrMapOvr>
+  <mc:AlternateContent xmlns:mc="http://schemas.openxmlformats.org/markup-compatibility/2006" xmlns:p14="http://schemas.microsoft.com/office/powerpoint/2010/main">
+    <mc:Choice Requires="p14">
+      <p:transition spd="slow" p14:dur="2000" advClick="0" advTm="5000"/>
+    </mc:Choice>
+    <mc:Fallback xmlns="">
+      <p:transition spd="slow" advClick="0" advTm="5000"/>
+    </mc:Fallback>
+  </mc:AlternateContent>
+  <p:timing>
+    <p:tnLst>
+      <p:par>
+        <p:cTn id="1" dur="indefinite" restart="never" nodeType="tmRoot">
+          <p:childTnLst>
+            <p:seq concurrent="1" nextAc="seek">
+              <p:cTn id="2" dur="indefinite" nodeType="mainSeq">
+                <p:childTnLst>
+                  <p:par>
+                    <p:cTn id="3" fill="hold">
+                      <p:stCondLst>
+                        <p:cond delay="indefinite"/>
+                      </p:stCondLst>
+                      <p:childTnLst>
+                        <p:par>
+                          <p:cTn id="4" fill="hold">
+                            <p:stCondLst>
+                              <p:cond delay="0"/>
+                            </p:stCondLst>
+                            <p:childTnLst>
+                              <p:par>
+                                <p:cTn id="5" presetID="1" presetClass="entr" presetSubtype="0" fill="hold" grpId="0" nodeType="clickEffect">
+                                  <p:stCondLst>
+                                    <p:cond delay="0"/>
+                                  </p:stCondLst>
+                                  <p:childTnLst>
+                                    <p:set>
+                                      <p:cBhvr>
+                                        <p:cTn id="6" dur="1" fill="hold">
+                                          <p:stCondLst>
+                                            <p:cond delay="0"/>
+                                          </p:stCondLst>
+                                        </p:cTn>
+                                        <p:tgtEl>
+                                          <p:spTgt spid="13"/>
+                                        </p:tgtEl>
+                                        <p:attrNameLst>
+                                          <p:attrName>style.visibility</p:attrName>
+                                        </p:attrNameLst>
+                                      </p:cBhvr>
+                                      <p:to>
+                                        <p:strVal val="visible"/>
+                                      </p:to>
+                                    </p:set>
+                                  </p:childTnLst>
+                                </p:cTn>
+                              </p:par>
+                            </p:childTnLst>
+                          </p:cTn>
+                        </p:par>
+                      </p:childTnLst>
+                    </p:cTn>
+                  </p:par>
+                  <p:par>
+                    <p:cTn id="7" fill="hold">
+                      <p:stCondLst>
+                        <p:cond delay="indefinite"/>
+                      </p:stCondLst>
+                      <p:childTnLst>
+                        <p:par>
+                          <p:cTn id="8" fill="hold">
+                            <p:stCondLst>
+                              <p:cond delay="0"/>
+                            </p:stCondLst>
+                            <p:childTnLst>
+                              <p:par>
+                                <p:cTn id="9" presetID="1" presetClass="entr" presetSubtype="0" fill="hold" grpId="0" nodeType="clickEffect">
+                                  <p:stCondLst>
+                                    <p:cond delay="0"/>
+                                  </p:stCondLst>
+                                  <p:childTnLst>
+                                    <p:set>
+                                      <p:cBhvr>
+                                        <p:cTn id="10" dur="1" fill="hold">
+                                          <p:stCondLst>
+                                            <p:cond delay="0"/>
+                                          </p:stCondLst>
+                                        </p:cTn>
+                                        <p:tgtEl>
+                                          <p:spTgt spid="12"/>
+                                        </p:tgtEl>
+                                        <p:attrNameLst>
+                                          <p:attrName>style.visibility</p:attrName>
+                                        </p:attrNameLst>
+                                      </p:cBhvr>
+                                      <p:to>
+                                        <p:strVal val="visible"/>
+                                      </p:to>
+                                    </p:set>
+                                  </p:childTnLst>
+                                </p:cTn>
+                              </p:par>
+                            </p:childTnLst>
+                          </p:cTn>
+                        </p:par>
+                      </p:childTnLst>
+                    </p:cTn>
+                  </p:par>
+                </p:childTnLst>
+              </p:cTn>
+              <p:prevCondLst>
+                <p:cond evt="onPrev" delay="0">
+                  <p:tgtEl>
+                    <p:sldTgt/>
+                  </p:tgtEl>
+                </p:cond>
+              </p:prevCondLst>
+              <p:nextCondLst>
+                <p:cond evt="onNext" delay="0">
+                  <p:tgtEl>
+                    <p:sldTgt/>
+                  </p:tgtEl>
+                </p:cond>
+              </p:nextCondLst>
+            </p:seq>
+          </p:childTnLst>
+        </p:cTn>
+      </p:par>
+    </p:tnLst>
+    <p:bldLst>
+      <p:bldP spid="12" grpId="0" animBg="1"/>
+      <p:bldP spid="13" grpId="0" animBg="1"/>
+    </p:bldLst>
+  </p:timing>
+</p:sld>
+</file>
+
+<file path=ppt/slides/slide18.xml><?xml version="1.0" encoding="utf-8"?>
 <p:sld xmlns:a="http://schemas.openxmlformats.org/drawingml/2006/main" xmlns:r="http://schemas.openxmlformats.org/officeDocument/2006/relationships" xmlns:p="http://schemas.openxmlformats.org/presentationml/2006/main">
   <p:cSld>
     <p:spTree>
@@ -9285,7 +13048,7 @@
             <a:fld id="{C014DD1E-5D91-48A3-AD6D-45FBA980D106}" type="slidenum">
               <a:rPr lang="en-US" smtClean="0"/>
               <a:pPr/>
-              <a:t>14</a:t>
+              <a:t>18</a:t>
             </a:fld>
             <a:endParaRPr lang="en-US" dirty="0"/>
           </a:p>
@@ -9686,16 +13449,282 @@
               <a:lnSpc>
                 <a:spcPct val="100000"/>
               </a:lnSpc>
+              <a:buClr>
+                <a:schemeClr val="bg2"/>
+              </a:buClr>
             </a:pPr>
             <a:r>
-              <a:rPr lang="en-US" sz="2800" b="1" dirty="0">
+              <a:rPr lang="ru-RU" sz="2800" b="1" dirty="0">
+                <a:solidFill>
+                  <a:schemeClr val="accent1">
+                    <a:lumMod val="60000"/>
+                    <a:lumOff val="40000"/>
+                  </a:schemeClr>
+                </a:solidFill>
+              </a:rPr>
+              <a:t>Библиотеките</a:t>
+            </a:r>
+            <a:r>
+              <a:rPr lang="ru-RU" sz="2800" dirty="0">
                 <a:solidFill>
                   <a:schemeClr val="bg2"/>
                 </a:solidFill>
               </a:rPr>
-              <a:t>TODO</a:t>
-            </a:r>
-            <a:endParaRPr lang="ru-RU" sz="2800" b="1" dirty="0">
+              <a:t> – </a:t>
+            </a:r>
+            <a:r>
+              <a:rPr lang="ru-RU" sz="2800" b="1" dirty="0">
+                <a:solidFill>
+                  <a:schemeClr val="bg2"/>
+                </a:solidFill>
+              </a:rPr>
+              <a:t>модули</a:t>
+            </a:r>
+            <a:r>
+              <a:rPr lang="ru-RU" sz="2800" dirty="0">
+                <a:solidFill>
+                  <a:schemeClr val="bg2"/>
+                </a:solidFill>
+              </a:rPr>
+              <a:t> с готови </a:t>
+            </a:r>
+            <a:r>
+              <a:rPr lang="ru-RU" sz="2800" b="1" dirty="0">
+                <a:solidFill>
+                  <a:schemeClr val="bg2"/>
+                </a:solidFill>
+              </a:rPr>
+              <a:t>функции</a:t>
+            </a:r>
+            <a:r>
+              <a:rPr lang="ru-RU" sz="2800" dirty="0">
+                <a:solidFill>
+                  <a:schemeClr val="bg2"/>
+                </a:solidFill>
+              </a:rPr>
+              <a:t>, които </a:t>
+            </a:r>
+            <a:r>
+              <a:rPr lang="ru-RU" sz="2800" b="1" dirty="0">
+                <a:solidFill>
+                  <a:schemeClr val="bg2"/>
+                </a:solidFill>
+              </a:rPr>
+              <a:t>улесняват</a:t>
+            </a:r>
+            <a:r>
+              <a:rPr lang="ru-RU" sz="2800" dirty="0">
+                <a:solidFill>
+                  <a:schemeClr val="bg2"/>
+                </a:solidFill>
+              </a:rPr>
+              <a:t> </a:t>
+            </a:r>
+            <a:r>
+              <a:rPr lang="ru-RU" sz="2800" b="1" dirty="0">
+                <a:solidFill>
+                  <a:schemeClr val="bg2"/>
+                </a:solidFill>
+              </a:rPr>
+              <a:t>програмирането</a:t>
+            </a:r>
+            <a:r>
+              <a:rPr lang="ru-RU" sz="2800" dirty="0">
+                <a:solidFill>
+                  <a:schemeClr val="bg2"/>
+                </a:solidFill>
+              </a:rPr>
+              <a:t> и </a:t>
+            </a:r>
+            <a:r>
+              <a:rPr lang="ru-RU" sz="2800" b="1" dirty="0">
+                <a:solidFill>
+                  <a:schemeClr val="bg2"/>
+                </a:solidFill>
+              </a:rPr>
+              <a:t>разширяват възможностите </a:t>
+            </a:r>
+            <a:r>
+              <a:rPr lang="ru-RU" sz="2800" dirty="0">
+                <a:solidFill>
+                  <a:schemeClr val="bg2"/>
+                </a:solidFill>
+              </a:rPr>
+              <a:t>на кода</a:t>
+            </a:r>
+          </a:p>
+          <a:p>
+            <a:pPr marL="456565" indent="-456565">
+              <a:lnSpc>
+                <a:spcPct val="100000"/>
+              </a:lnSpc>
+              <a:buClr>
+                <a:schemeClr val="bg2"/>
+              </a:buClr>
+            </a:pPr>
+            <a:r>
+              <a:rPr lang="en-GB" sz="2800" dirty="0">
+                <a:solidFill>
+                  <a:schemeClr val="bg2"/>
+                </a:solidFill>
+              </a:rPr>
+              <a:t>"</a:t>
+            </a:r>
+            <a:r>
+              <a:rPr lang="en-GB" sz="2800" b="1" dirty="0">
+                <a:solidFill>
+                  <a:schemeClr val="accent1">
+                    <a:lumMod val="60000"/>
+                    <a:lumOff val="40000"/>
+                  </a:schemeClr>
+                </a:solidFill>
+              </a:rPr>
+              <a:t>import</a:t>
+            </a:r>
+            <a:r>
+              <a:rPr lang="en-GB" sz="2800" dirty="0">
+                <a:solidFill>
+                  <a:schemeClr val="bg2"/>
+                </a:solidFill>
+              </a:rPr>
+              <a:t>" –</a:t>
+            </a:r>
+            <a:r>
+              <a:rPr lang="bg-BG" sz="2800" dirty="0">
+                <a:solidFill>
+                  <a:schemeClr val="bg2"/>
+                </a:solidFill>
+              </a:rPr>
+              <a:t> </a:t>
+            </a:r>
+            <a:r>
+              <a:rPr lang="bg-BG" sz="2800" b="1" dirty="0">
+                <a:solidFill>
+                  <a:schemeClr val="bg2"/>
+                </a:solidFill>
+              </a:rPr>
+              <a:t>ключова дума </a:t>
+            </a:r>
+            <a:r>
+              <a:rPr lang="bg-BG" sz="2800" dirty="0">
+                <a:solidFill>
+                  <a:schemeClr val="bg2"/>
+                </a:solidFill>
+              </a:rPr>
+              <a:t>за </a:t>
+            </a:r>
+            <a:r>
+              <a:rPr lang="bg-BG" sz="2800" b="1" dirty="0">
+                <a:solidFill>
+                  <a:schemeClr val="bg2"/>
+                </a:solidFill>
+              </a:rPr>
+              <a:t>вмъкване</a:t>
+            </a:r>
+            <a:r>
+              <a:rPr lang="bg-BG" sz="2800" dirty="0">
+                <a:solidFill>
+                  <a:schemeClr val="bg2"/>
+                </a:solidFill>
+              </a:rPr>
+              <a:t> на </a:t>
+            </a:r>
+            <a:r>
+              <a:rPr lang="bg-BG" sz="2800" b="1" dirty="0">
+                <a:solidFill>
+                  <a:schemeClr val="bg2"/>
+                </a:solidFill>
+              </a:rPr>
+              <a:t>библиотеки</a:t>
+            </a:r>
+          </a:p>
+          <a:p>
+            <a:pPr marL="456565" indent="-456565">
+              <a:lnSpc>
+                <a:spcPct val="100000"/>
+              </a:lnSpc>
+              <a:buClr>
+                <a:schemeClr val="bg2"/>
+              </a:buClr>
+            </a:pPr>
+            <a:r>
+              <a:rPr lang="bg-BG" sz="2800" dirty="0">
+                <a:solidFill>
+                  <a:schemeClr val="bg2"/>
+                </a:solidFill>
+              </a:rPr>
+              <a:t>Примерни библиотеки:</a:t>
+            </a:r>
+          </a:p>
+          <a:p>
+            <a:pPr marL="989631" lvl="1" indent="-456565">
+              <a:lnSpc>
+                <a:spcPct val="100000"/>
+              </a:lnSpc>
+              <a:buClr>
+                <a:schemeClr val="bg2"/>
+              </a:buClr>
+            </a:pPr>
+            <a:r>
+              <a:rPr lang="en-GB" sz="2600" dirty="0">
+                <a:solidFill>
+                  <a:schemeClr val="bg2"/>
+                </a:solidFill>
+              </a:rPr>
+              <a:t>random</a:t>
+            </a:r>
+          </a:p>
+          <a:p>
+            <a:pPr marL="989631" lvl="1" indent="-456565">
+              <a:lnSpc>
+                <a:spcPct val="100000"/>
+              </a:lnSpc>
+              <a:buClr>
+                <a:schemeClr val="bg2"/>
+              </a:buClr>
+            </a:pPr>
+            <a:r>
+              <a:rPr lang="en-GB" sz="2600" dirty="0">
+                <a:solidFill>
+                  <a:schemeClr val="bg2"/>
+                </a:solidFill>
+              </a:rPr>
+              <a:t>time</a:t>
+            </a:r>
+          </a:p>
+          <a:p>
+            <a:pPr marL="989631" lvl="1" indent="-456565">
+              <a:lnSpc>
+                <a:spcPct val="100000"/>
+              </a:lnSpc>
+              <a:buClr>
+                <a:schemeClr val="bg2"/>
+              </a:buClr>
+            </a:pPr>
+            <a:r>
+              <a:rPr lang="en-GB" sz="2600" dirty="0">
+                <a:solidFill>
+                  <a:schemeClr val="bg2"/>
+                </a:solidFill>
+              </a:rPr>
+              <a:t>turtle</a:t>
+            </a:r>
+            <a:endParaRPr lang="ru-RU" sz="2600" dirty="0">
+              <a:solidFill>
+                <a:schemeClr val="bg2"/>
+              </a:solidFill>
+            </a:endParaRPr>
+          </a:p>
+          <a:p>
+            <a:pPr marL="456565" indent="-456565">
+              <a:lnSpc>
+                <a:spcPct val="100000"/>
+              </a:lnSpc>
+              <a:buClr>
+                <a:schemeClr val="bg2"/>
+              </a:buClr>
+            </a:pPr>
+            <a:endParaRPr lang="ru-RU" sz="2800" dirty="0">
               <a:solidFill>
                 <a:schemeClr val="bg2"/>
               </a:solidFill>
@@ -9721,10 +13750,285 @@
       <p:transition spd="slow" advClick="0" advTm="5000"/>
     </mc:Fallback>
   </mc:AlternateContent>
+  <p:timing>
+    <p:tnLst>
+      <p:par>
+        <p:cTn id="1" dur="indefinite" restart="never" nodeType="tmRoot">
+          <p:childTnLst>
+            <p:seq concurrent="1" nextAc="seek">
+              <p:cTn id="2" dur="indefinite" nodeType="mainSeq">
+                <p:childTnLst>
+                  <p:par>
+                    <p:cTn id="3" fill="hold">
+                      <p:stCondLst>
+                        <p:cond delay="indefinite"/>
+                      </p:stCondLst>
+                      <p:childTnLst>
+                        <p:par>
+                          <p:cTn id="4" fill="hold">
+                            <p:stCondLst>
+                              <p:cond delay="0"/>
+                            </p:stCondLst>
+                            <p:childTnLst>
+                              <p:par>
+                                <p:cTn id="5" presetID="1" presetClass="entr" presetSubtype="0" fill="hold" nodeType="clickEffect">
+                                  <p:stCondLst>
+                                    <p:cond delay="0"/>
+                                  </p:stCondLst>
+                                  <p:childTnLst>
+                                    <p:set>
+                                      <p:cBhvr>
+                                        <p:cTn id="6" dur="1" fill="hold">
+                                          <p:stCondLst>
+                                            <p:cond delay="0"/>
+                                          </p:stCondLst>
+                                        </p:cTn>
+                                        <p:tgtEl>
+                                          <p:spTgt spid="15">
+                                            <p:txEl>
+                                              <p:pRg st="1" end="1"/>
+                                            </p:txEl>
+                                          </p:spTgt>
+                                        </p:tgtEl>
+                                        <p:attrNameLst>
+                                          <p:attrName>style.visibility</p:attrName>
+                                        </p:attrNameLst>
+                                      </p:cBhvr>
+                                      <p:to>
+                                        <p:strVal val="visible"/>
+                                      </p:to>
+                                    </p:set>
+                                  </p:childTnLst>
+                                </p:cTn>
+                              </p:par>
+                            </p:childTnLst>
+                          </p:cTn>
+                        </p:par>
+                      </p:childTnLst>
+                    </p:cTn>
+                  </p:par>
+                  <p:par>
+                    <p:cTn id="7" fill="hold">
+                      <p:stCondLst>
+                        <p:cond delay="indefinite"/>
+                      </p:stCondLst>
+                      <p:childTnLst>
+                        <p:par>
+                          <p:cTn id="8" fill="hold">
+                            <p:stCondLst>
+                              <p:cond delay="0"/>
+                            </p:stCondLst>
+                            <p:childTnLst>
+                              <p:par>
+                                <p:cTn id="9" presetID="1" presetClass="entr" presetSubtype="0" fill="hold" nodeType="clickEffect">
+                                  <p:stCondLst>
+                                    <p:cond delay="0"/>
+                                  </p:stCondLst>
+                                  <p:childTnLst>
+                                    <p:set>
+                                      <p:cBhvr>
+                                        <p:cTn id="10" dur="1" fill="hold">
+                                          <p:stCondLst>
+                                            <p:cond delay="0"/>
+                                          </p:stCondLst>
+                                        </p:cTn>
+                                        <p:tgtEl>
+                                          <p:spTgt spid="15">
+                                            <p:txEl>
+                                              <p:pRg st="2" end="2"/>
+                                            </p:txEl>
+                                          </p:spTgt>
+                                        </p:tgtEl>
+                                        <p:attrNameLst>
+                                          <p:attrName>style.visibility</p:attrName>
+                                        </p:attrNameLst>
+                                      </p:cBhvr>
+                                      <p:to>
+                                        <p:strVal val="visible"/>
+                                      </p:to>
+                                    </p:set>
+                                  </p:childTnLst>
+                                </p:cTn>
+                              </p:par>
+                            </p:childTnLst>
+                          </p:cTn>
+                        </p:par>
+                      </p:childTnLst>
+                    </p:cTn>
+                  </p:par>
+                  <p:par>
+                    <p:cTn id="11" fill="hold">
+                      <p:stCondLst>
+                        <p:cond delay="indefinite"/>
+                      </p:stCondLst>
+                      <p:childTnLst>
+                        <p:par>
+                          <p:cTn id="12" fill="hold">
+                            <p:stCondLst>
+                              <p:cond delay="0"/>
+                            </p:stCondLst>
+                            <p:childTnLst>
+                              <p:par>
+                                <p:cTn id="13" presetID="1" presetClass="entr" presetSubtype="0" fill="hold" nodeType="clickEffect">
+                                  <p:stCondLst>
+                                    <p:cond delay="0"/>
+                                  </p:stCondLst>
+                                  <p:childTnLst>
+                                    <p:set>
+                                      <p:cBhvr>
+                                        <p:cTn id="14" dur="1" fill="hold">
+                                          <p:stCondLst>
+                                            <p:cond delay="0"/>
+                                          </p:stCondLst>
+                                        </p:cTn>
+                                        <p:tgtEl>
+                                          <p:spTgt spid="15">
+                                            <p:txEl>
+                                              <p:pRg st="3" end="3"/>
+                                            </p:txEl>
+                                          </p:spTgt>
+                                        </p:tgtEl>
+                                        <p:attrNameLst>
+                                          <p:attrName>style.visibility</p:attrName>
+                                        </p:attrNameLst>
+                                      </p:cBhvr>
+                                      <p:to>
+                                        <p:strVal val="visible"/>
+                                      </p:to>
+                                    </p:set>
+                                  </p:childTnLst>
+                                </p:cTn>
+                              </p:par>
+                            </p:childTnLst>
+                          </p:cTn>
+                        </p:par>
+                      </p:childTnLst>
+                    </p:cTn>
+                  </p:par>
+                  <p:par>
+                    <p:cTn id="15" fill="hold">
+                      <p:stCondLst>
+                        <p:cond delay="indefinite"/>
+                      </p:stCondLst>
+                      <p:childTnLst>
+                        <p:par>
+                          <p:cTn id="16" fill="hold">
+                            <p:stCondLst>
+                              <p:cond delay="0"/>
+                            </p:stCondLst>
+                            <p:childTnLst>
+                              <p:par>
+                                <p:cTn id="17" presetID="1" presetClass="entr" presetSubtype="0" fill="hold" nodeType="clickEffect">
+                                  <p:stCondLst>
+                                    <p:cond delay="0"/>
+                                  </p:stCondLst>
+                                  <p:childTnLst>
+                                    <p:set>
+                                      <p:cBhvr>
+                                        <p:cTn id="18" dur="1" fill="hold">
+                                          <p:stCondLst>
+                                            <p:cond delay="0"/>
+                                          </p:stCondLst>
+                                        </p:cTn>
+                                        <p:tgtEl>
+                                          <p:spTgt spid="15">
+                                            <p:txEl>
+                                              <p:pRg st="4" end="4"/>
+                                            </p:txEl>
+                                          </p:spTgt>
+                                        </p:tgtEl>
+                                        <p:attrNameLst>
+                                          <p:attrName>style.visibility</p:attrName>
+                                        </p:attrNameLst>
+                                      </p:cBhvr>
+                                      <p:to>
+                                        <p:strVal val="visible"/>
+                                      </p:to>
+                                    </p:set>
+                                  </p:childTnLst>
+                                </p:cTn>
+                              </p:par>
+                            </p:childTnLst>
+                          </p:cTn>
+                        </p:par>
+                      </p:childTnLst>
+                    </p:cTn>
+                  </p:par>
+                  <p:par>
+                    <p:cTn id="19" fill="hold">
+                      <p:stCondLst>
+                        <p:cond delay="indefinite"/>
+                      </p:stCondLst>
+                      <p:childTnLst>
+                        <p:par>
+                          <p:cTn id="20" fill="hold">
+                            <p:stCondLst>
+                              <p:cond delay="0"/>
+                            </p:stCondLst>
+                            <p:childTnLst>
+                              <p:par>
+                                <p:cTn id="21" presetID="1" presetClass="entr" presetSubtype="0" fill="hold" nodeType="clickEffect">
+                                  <p:stCondLst>
+                                    <p:cond delay="0"/>
+                                  </p:stCondLst>
+                                  <p:childTnLst>
+                                    <p:set>
+                                      <p:cBhvr>
+                                        <p:cTn id="22" dur="1" fill="hold">
+                                          <p:stCondLst>
+                                            <p:cond delay="0"/>
+                                          </p:stCondLst>
+                                        </p:cTn>
+                                        <p:tgtEl>
+                                          <p:spTgt spid="15">
+                                            <p:txEl>
+                                              <p:pRg st="5" end="5"/>
+                                            </p:txEl>
+                                          </p:spTgt>
+                                        </p:tgtEl>
+                                        <p:attrNameLst>
+                                          <p:attrName>style.visibility</p:attrName>
+                                        </p:attrNameLst>
+                                      </p:cBhvr>
+                                      <p:to>
+                                        <p:strVal val="visible"/>
+                                      </p:to>
+                                    </p:set>
+                                  </p:childTnLst>
+                                </p:cTn>
+                              </p:par>
+                            </p:childTnLst>
+                          </p:cTn>
+                        </p:par>
+                      </p:childTnLst>
+                    </p:cTn>
+                  </p:par>
+                </p:childTnLst>
+              </p:cTn>
+              <p:prevCondLst>
+                <p:cond evt="onPrev" delay="0">
+                  <p:tgtEl>
+                    <p:sldTgt/>
+                  </p:tgtEl>
+                </p:cond>
+              </p:prevCondLst>
+              <p:nextCondLst>
+                <p:cond evt="onNext" delay="0">
+                  <p:tgtEl>
+                    <p:sldTgt/>
+                  </p:tgtEl>
+                </p:cond>
+              </p:nextCondLst>
+            </p:seq>
+          </p:childTnLst>
+        </p:cTn>
+      </p:par>
+    </p:tnLst>
+  </p:timing>
 </p:sld>
 </file>
 
-<file path=ppt/slides/slide15.xml><?xml version="1.0" encoding="utf-8"?>
+<file path=ppt/slides/slide19.xml><?xml version="1.0" encoding="utf-8"?>
 <p:sld xmlns:a="http://schemas.openxmlformats.org/drawingml/2006/main" xmlns:r="http://schemas.openxmlformats.org/officeDocument/2006/relationships" xmlns:p="http://schemas.openxmlformats.org/presentationml/2006/main">
   <p:cSld>
     <p:spTree>
@@ -9897,389 +14201,6 @@
     <p:extLst>
       <p:ext uri="{BB962C8B-B14F-4D97-AF65-F5344CB8AC3E}">
         <p14:creationId xmlns:p14="http://schemas.microsoft.com/office/powerpoint/2010/main" val="1472534970"/>
-      </p:ext>
-    </p:extLst>
-  </p:cSld>
-  <p:clrMapOvr>
-    <a:masterClrMapping/>
-  </p:clrMapOvr>
-  <mc:AlternateContent xmlns:mc="http://schemas.openxmlformats.org/markup-compatibility/2006" xmlns:p14="http://schemas.microsoft.com/office/powerpoint/2010/main">
-    <mc:Choice Requires="p14">
-      <p:transition spd="slow" p14:dur="2000" advClick="0" advTm="5000"/>
-    </mc:Choice>
-    <mc:Fallback xmlns="">
-      <p:transition spd="slow" advClick="0" advTm="5000"/>
-    </mc:Fallback>
-  </mc:AlternateContent>
-</p:sld>
-</file>
-
-<file path=ppt/slides/slide16.xml><?xml version="1.0" encoding="utf-8"?>
-<p:sld xmlns:a="http://schemas.openxmlformats.org/drawingml/2006/main" xmlns:r="http://schemas.openxmlformats.org/officeDocument/2006/relationships" xmlns:p="http://schemas.openxmlformats.org/presentationml/2006/main" show="0">
-  <p:cSld>
-    <p:spTree>
-      <p:nvGrpSpPr>
-        <p:cNvPr id="1" name=""/>
-        <p:cNvGrpSpPr/>
-        <p:nvPr/>
-      </p:nvGrpSpPr>
-      <p:grpSpPr>
-        <a:xfrm>
-          <a:off x="0" y="0"/>
-          <a:ext cx="0" cy="0"/>
-          <a:chOff x="0" y="0"/>
-          <a:chExt cx="0" cy="0"/>
-        </a:xfrm>
-      </p:grpSpPr>
-      <p:sp>
-        <p:nvSpPr>
-          <p:cNvPr id="5" name="Slide Number">
-            <a:extLst>
-              <a:ext uri="{FF2B5EF4-FFF2-40B4-BE49-F238E27FC236}">
-                <a16:creationId xmlns:a16="http://schemas.microsoft.com/office/drawing/2014/main" id="{F48C3C93-90A1-4D31-BEA6-B54D1106CE31}"/>
-              </a:ext>
-            </a:extLst>
-          </p:cNvPr>
-          <p:cNvSpPr>
-            <a:spLocks noGrp="1"/>
-          </p:cNvSpPr>
-          <p:nvPr>
-            <p:ph type="sldNum" sz="quarter" idx="5"/>
-          </p:nvPr>
-        </p:nvSpPr>
-        <p:spPr>
-          <a:xfrm>
-            <a:off x="11753030" y="6507000"/>
-            <a:ext cx="367414" cy="297000"/>
-          </a:xfrm>
-          <a:prstGeom prst="rect">
-            <a:avLst/>
-          </a:prstGeom>
-        </p:spPr>
-        <p:txBody>
-          <a:bodyPr vert="horz" lIns="91440" tIns="45720" rIns="91440" bIns="45720" rtlCol="0" anchor="b"/>
-          <a:lstStyle>
-            <a:lvl1pPr algn="r">
-              <a:defRPr sz="1000"/>
-            </a:lvl1pPr>
-          </a:lstStyle>
-          <a:p>
-            <a:fld id="{2BF067CD-8E6B-4360-9AA8-C5DF2A48A6D1}" type="slidenum">
-              <a:rPr lang="en-US" smtClean="0"/>
-              <a:pPr/>
-              <a:t>16</a:t>
-            </a:fld>
-            <a:endParaRPr lang="en-US" dirty="0"/>
-          </a:p>
-        </p:txBody>
-      </p:sp>
-      <p:sp>
-        <p:nvSpPr>
-          <p:cNvPr id="2" name="Slide Body">
-            <a:extLst>
-              <a:ext uri="{FF2B5EF4-FFF2-40B4-BE49-F238E27FC236}">
-                <a16:creationId xmlns:a16="http://schemas.microsoft.com/office/drawing/2014/main" id="{980F49B1-E4BE-4389-A747-7AB9B71AD920}"/>
-              </a:ext>
-            </a:extLst>
-          </p:cNvPr>
-          <p:cNvSpPr>
-            <a:spLocks noGrp="1"/>
-          </p:cNvSpPr>
-          <p:nvPr>
-            <p:ph type="body" sz="quarter" idx="10"/>
-          </p:nvPr>
-        </p:nvSpPr>
-        <p:spPr>
-          <a:xfrm>
-            <a:off x="190402" y="1269001"/>
-            <a:ext cx="9865598" cy="2474999"/>
-          </a:xfrm>
-        </p:spPr>
-        <p:txBody>
-          <a:bodyPr>
-            <a:normAutofit/>
-          </a:bodyPr>
-          <a:lstStyle/>
-          <a:p>
-            <a:pPr>
-              <a:lnSpc>
-                <a:spcPct val="120000"/>
-              </a:lnSpc>
-            </a:pPr>
-            <a:r>
-              <a:rPr lang="bg-BG" sz="3200" dirty="0"/>
-              <a:t>Този курс</a:t>
-            </a:r>
-            <a:r>
-              <a:rPr lang="en-US" sz="3200" dirty="0"/>
-              <a:t> (</a:t>
-            </a:r>
-            <a:r>
-              <a:rPr lang="bg-BG" sz="3200" dirty="0"/>
-              <a:t>презентации, примери, демонстрационен код, упражнения, домашни, видео и други активи</a:t>
-            </a:r>
-            <a:r>
-              <a:rPr lang="en-US" sz="3200" dirty="0"/>
-              <a:t>) </a:t>
-            </a:r>
-            <a:r>
-              <a:rPr lang="bg-BG" sz="3200" dirty="0"/>
-              <a:t>представлява</a:t>
-            </a:r>
-            <a:r>
-              <a:rPr lang="en-US" sz="3200" dirty="0"/>
-              <a:t> </a:t>
-            </a:r>
-            <a:r>
-              <a:rPr lang="bg-BG" sz="3200" b="1" dirty="0"/>
-              <a:t>свободно учебно съдържание </a:t>
-            </a:r>
-            <a:r>
-              <a:rPr lang="bg-BG" sz="3200" dirty="0"/>
-              <a:t>и се разпространява под свободен лиценз </a:t>
-            </a:r>
-            <a:r>
-              <a:rPr lang="en-US" sz="3200" b="1" dirty="0"/>
-              <a:t>CC-BY-NC-SA</a:t>
-            </a:r>
-            <a:endParaRPr lang="bg-BG" sz="3200" dirty="0"/>
-          </a:p>
-        </p:txBody>
-      </p:sp>
-      <p:pic>
-        <p:nvPicPr>
-          <p:cNvPr id="6" name="Picture License" descr="License">
-            <a:extLst>
-              <a:ext uri="{FF2B5EF4-FFF2-40B4-BE49-F238E27FC236}">
-                <a16:creationId xmlns:a16="http://schemas.microsoft.com/office/drawing/2014/main" id="{82BA520F-A037-4E01-AA18-27D9F1E930A6}"/>
-              </a:ext>
-            </a:extLst>
-          </p:cNvPr>
-          <p:cNvPicPr>
-            <a:picLocks noChangeAspect="1"/>
-          </p:cNvPicPr>
-          <p:nvPr/>
-        </p:nvPicPr>
-        <p:blipFill>
-          <a:blip r:embed="rId3">
-            <a:clrChange>
-              <a:clrFrom>
-                <a:srgbClr val="FFFFFF"/>
-              </a:clrFrom>
-              <a:clrTo>
-                <a:srgbClr val="FFFFFF">
-                  <a:alpha val="0"/>
-                </a:srgbClr>
-              </a:clrTo>
-            </a:clrChange>
-          </a:blip>
-          <a:stretch>
-            <a:fillRect/>
-          </a:stretch>
-        </p:blipFill>
-        <p:spPr>
-          <a:xfrm>
-            <a:off x="10226175" y="1440120"/>
-            <a:ext cx="1198986" cy="1268880"/>
-          </a:xfrm>
-          <a:prstGeom prst="rect">
-            <a:avLst/>
-          </a:prstGeom>
-        </p:spPr>
-      </p:pic>
-      <p:sp>
-        <p:nvSpPr>
-          <p:cNvPr id="3" name="Slide Title">
-            <a:extLst>
-              <a:ext uri="{FF2B5EF4-FFF2-40B4-BE49-F238E27FC236}">
-                <a16:creationId xmlns:a16="http://schemas.microsoft.com/office/drawing/2014/main" id="{E5F1FB41-80C3-4816-BC47-CCC50632E6E8}"/>
-              </a:ext>
-            </a:extLst>
-          </p:cNvPr>
-          <p:cNvSpPr>
-            <a:spLocks noGrp="1"/>
-          </p:cNvSpPr>
-          <p:nvPr>
-            <p:ph type="title"/>
-          </p:nvPr>
-        </p:nvSpPr>
-        <p:spPr/>
-        <p:txBody>
-          <a:bodyPr/>
-          <a:lstStyle/>
-          <a:p>
-            <a:r>
-              <a:rPr lang="bg-BG" dirty="0"/>
-              <a:t>Лиценз</a:t>
-            </a:r>
-          </a:p>
-        </p:txBody>
-      </p:sp>
-      <p:sp>
-        <p:nvSpPr>
-          <p:cNvPr id="11" name="TextBox 10">
-            <a:extLst>
-              <a:ext uri="{FF2B5EF4-FFF2-40B4-BE49-F238E27FC236}">
-                <a16:creationId xmlns:a16="http://schemas.microsoft.com/office/drawing/2014/main" id="{0C18DF19-B750-4C88-975B-661A6BF61F5E}"/>
-              </a:ext>
-            </a:extLst>
-          </p:cNvPr>
-          <p:cNvSpPr txBox="1"/>
-          <p:nvPr/>
-        </p:nvSpPr>
-        <p:spPr>
-          <a:xfrm>
-            <a:off x="190401" y="3927519"/>
-            <a:ext cx="11710599" cy="1979644"/>
-          </a:xfrm>
-          <a:prstGeom prst="rect">
-            <a:avLst/>
-          </a:prstGeom>
-          <a:noFill/>
-          <a:ln w="12700">
-            <a:noFill/>
-          </a:ln>
-        </p:spPr>
-        <p:txBody>
-          <a:bodyPr wrap="square">
-            <a:spAutoFit/>
-          </a:bodyPr>
-          <a:lstStyle/>
-          <a:p>
-            <a:pPr marL="360363" indent="-360363" defTabSz="1218438">
-              <a:lnSpc>
-                <a:spcPct val="120000"/>
-              </a:lnSpc>
-              <a:spcBef>
-                <a:spcPts val="600"/>
-              </a:spcBef>
-              <a:spcAft>
-                <a:spcPts val="600"/>
-              </a:spcAft>
-              <a:buFont typeface="Wingdings" panose="05000000000000000000" pitchFamily="2" charset="2"/>
-              <a:buChar char="§"/>
-              <a:defRPr/>
-            </a:pPr>
-            <a:r>
-              <a:rPr lang="bg-BG" sz="3200" dirty="0"/>
-              <a:t>Проект "</a:t>
-            </a:r>
-            <a:r>
-              <a:rPr lang="bg-BG" sz="3200" b="1" dirty="0"/>
-              <a:t>Отворено учебно съдържание по програмиране и ИТ</a:t>
-            </a:r>
-            <a:r>
-              <a:rPr lang="bg-BG" sz="3200" dirty="0"/>
-              <a:t>" към Фондация "Софтуерен университет"</a:t>
-            </a:r>
-            <a:r>
-              <a:rPr lang="en-US" sz="3200" dirty="0"/>
-              <a:t>:</a:t>
-            </a:r>
-            <a:endParaRPr lang="bg-BG" sz="3200" dirty="0"/>
-          </a:p>
-          <a:p>
-            <a:pPr marL="817563" lvl="1" indent="-360363" defTabSz="1218438">
-              <a:lnSpc>
-                <a:spcPct val="120000"/>
-              </a:lnSpc>
-              <a:spcBef>
-                <a:spcPts val="600"/>
-              </a:spcBef>
-              <a:spcAft>
-                <a:spcPts val="600"/>
-              </a:spcAft>
-              <a:buFont typeface="Wingdings" panose="05000000000000000000" pitchFamily="2" charset="2"/>
-              <a:buChar char="§"/>
-              <a:defRPr/>
-            </a:pPr>
-            <a:r>
-              <a:rPr kumimoji="0" lang="en-US" sz="3200" b="0" i="0" u="none" strike="noStrike" kern="1200" cap="none" spc="0" normalizeH="0" baseline="0" noProof="0" dirty="0">
-                <a:ln>
-                  <a:noFill/>
-                </a:ln>
-                <a:solidFill>
-                  <a:srgbClr val="234465"/>
-                </a:solidFill>
-                <a:effectLst/>
-                <a:uLnTx/>
-                <a:uFillTx/>
-                <a:latin typeface="Calibri"/>
-                <a:ea typeface="+mn-ea"/>
-                <a:cs typeface="+mn-cs"/>
-                <a:hlinkClick r:id="rId4"/>
-              </a:rPr>
-              <a:t>https://github.com/BG-IT-Edu</a:t>
-            </a:r>
-            <a:endParaRPr kumimoji="0" lang="bg-BG" sz="3200" b="0" i="0" u="none" strike="noStrike" kern="1200" cap="none" spc="0" normalizeH="0" baseline="0" noProof="0" dirty="0">
-              <a:ln>
-                <a:noFill/>
-              </a:ln>
-              <a:solidFill>
-                <a:srgbClr val="234465"/>
-              </a:solidFill>
-              <a:effectLst/>
-              <a:uLnTx/>
-              <a:uFillTx/>
-              <a:latin typeface="Calibri"/>
-              <a:ea typeface="+mn-ea"/>
-              <a:cs typeface="+mn-cs"/>
-            </a:endParaRPr>
-          </a:p>
-        </p:txBody>
-      </p:sp>
-      <p:pic>
-        <p:nvPicPr>
-          <p:cNvPr id="7" name="Picture 6" title="CC-BY-NC-SA License">
-            <a:hlinkClick r:id="rId5" tooltip="This work is licensed under the &quot;Creative Commons Attribution-NonCommercial-ShareAlike 4.0 International&quot; license"/>
-            <a:extLst>
-              <a:ext uri="{FF2B5EF4-FFF2-40B4-BE49-F238E27FC236}">
-                <a16:creationId xmlns:a16="http://schemas.microsoft.com/office/drawing/2014/main" id="{F6C77C47-F7D8-A176-5C69-7FDE5C7E8003}"/>
-              </a:ext>
-            </a:extLst>
-          </p:cNvPr>
-          <p:cNvPicPr>
-            <a:picLocks noChangeAspect="1" noChangeArrowheads="1"/>
-          </p:cNvPicPr>
-          <p:nvPr/>
-        </p:nvPicPr>
-        <p:blipFill>
-          <a:blip r:embed="rId6">
-            <a:extLst>
-              <a:ext uri="{28A0092B-C50C-407E-A947-70E740481C1C}">
-                <a14:useLocalDpi xmlns:a14="http://schemas.microsoft.com/office/drawing/2010/main"/>
-              </a:ext>
-            </a:extLst>
-          </a:blip>
-          <a:srcRect/>
-          <a:stretch>
-            <a:fillRect/>
-          </a:stretch>
-        </p:blipFill>
-        <p:spPr bwMode="auto">
-          <a:xfrm>
-            <a:off x="9831000" y="2908593"/>
-            <a:ext cx="1989336" cy="696022"/>
-          </a:xfrm>
-          <a:prstGeom prst="roundRect">
-            <a:avLst>
-              <a:gd name="adj" fmla="val 3940"/>
-            </a:avLst>
-          </a:prstGeom>
-          <a:solidFill>
-            <a:srgbClr val="231F20">
-              <a:alpha val="50000"/>
-            </a:srgbClr>
-          </a:solidFill>
-          <a:ln>
-            <a:noFill/>
-          </a:ln>
-        </p:spPr>
-      </p:pic>
-    </p:spTree>
-    <p:extLst>
-      <p:ext uri="{BB962C8B-B14F-4D97-AF65-F5344CB8AC3E}">
-        <p14:creationId xmlns:p14="http://schemas.microsoft.com/office/powerpoint/2010/main" val="3879276042"/>
       </p:ext>
     </p:extLst>
   </p:cSld>
@@ -10838,6 +14759,389 @@
       </p:par>
     </p:tnLst>
   </p:timing>
+</p:sld>
+</file>
+
+<file path=ppt/slides/slide20.xml><?xml version="1.0" encoding="utf-8"?>
+<p:sld xmlns:a="http://schemas.openxmlformats.org/drawingml/2006/main" xmlns:r="http://schemas.openxmlformats.org/officeDocument/2006/relationships" xmlns:p="http://schemas.openxmlformats.org/presentationml/2006/main" show="0">
+  <p:cSld>
+    <p:spTree>
+      <p:nvGrpSpPr>
+        <p:cNvPr id="1" name=""/>
+        <p:cNvGrpSpPr/>
+        <p:nvPr/>
+      </p:nvGrpSpPr>
+      <p:grpSpPr>
+        <a:xfrm>
+          <a:off x="0" y="0"/>
+          <a:ext cx="0" cy="0"/>
+          <a:chOff x="0" y="0"/>
+          <a:chExt cx="0" cy="0"/>
+        </a:xfrm>
+      </p:grpSpPr>
+      <p:sp>
+        <p:nvSpPr>
+          <p:cNvPr id="5" name="Slide Number">
+            <a:extLst>
+              <a:ext uri="{FF2B5EF4-FFF2-40B4-BE49-F238E27FC236}">
+                <a16:creationId xmlns:a16="http://schemas.microsoft.com/office/drawing/2014/main" id="{F48C3C93-90A1-4D31-BEA6-B54D1106CE31}"/>
+              </a:ext>
+            </a:extLst>
+          </p:cNvPr>
+          <p:cNvSpPr>
+            <a:spLocks noGrp="1"/>
+          </p:cNvSpPr>
+          <p:nvPr>
+            <p:ph type="sldNum" sz="quarter" idx="5"/>
+          </p:nvPr>
+        </p:nvSpPr>
+        <p:spPr>
+          <a:xfrm>
+            <a:off x="11753030" y="6507000"/>
+            <a:ext cx="367414" cy="297000"/>
+          </a:xfrm>
+          <a:prstGeom prst="rect">
+            <a:avLst/>
+          </a:prstGeom>
+        </p:spPr>
+        <p:txBody>
+          <a:bodyPr vert="horz" lIns="91440" tIns="45720" rIns="91440" bIns="45720" rtlCol="0" anchor="b"/>
+          <a:lstStyle>
+            <a:lvl1pPr algn="r">
+              <a:defRPr sz="1000"/>
+            </a:lvl1pPr>
+          </a:lstStyle>
+          <a:p>
+            <a:fld id="{2BF067CD-8E6B-4360-9AA8-C5DF2A48A6D1}" type="slidenum">
+              <a:rPr lang="en-US" smtClean="0"/>
+              <a:pPr/>
+              <a:t>20</a:t>
+            </a:fld>
+            <a:endParaRPr lang="en-US" dirty="0"/>
+          </a:p>
+        </p:txBody>
+      </p:sp>
+      <p:sp>
+        <p:nvSpPr>
+          <p:cNvPr id="2" name="Slide Body">
+            <a:extLst>
+              <a:ext uri="{FF2B5EF4-FFF2-40B4-BE49-F238E27FC236}">
+                <a16:creationId xmlns:a16="http://schemas.microsoft.com/office/drawing/2014/main" id="{980F49B1-E4BE-4389-A747-7AB9B71AD920}"/>
+              </a:ext>
+            </a:extLst>
+          </p:cNvPr>
+          <p:cNvSpPr>
+            <a:spLocks noGrp="1"/>
+          </p:cNvSpPr>
+          <p:nvPr>
+            <p:ph type="body" sz="quarter" idx="10"/>
+          </p:nvPr>
+        </p:nvSpPr>
+        <p:spPr>
+          <a:xfrm>
+            <a:off x="190402" y="1269001"/>
+            <a:ext cx="9865598" cy="2474999"/>
+          </a:xfrm>
+        </p:spPr>
+        <p:txBody>
+          <a:bodyPr>
+            <a:normAutofit/>
+          </a:bodyPr>
+          <a:lstStyle/>
+          <a:p>
+            <a:pPr>
+              <a:lnSpc>
+                <a:spcPct val="120000"/>
+              </a:lnSpc>
+            </a:pPr>
+            <a:r>
+              <a:rPr lang="bg-BG" sz="3200" dirty="0"/>
+              <a:t>Този курс</a:t>
+            </a:r>
+            <a:r>
+              <a:rPr lang="en-US" sz="3200" dirty="0"/>
+              <a:t> (</a:t>
+            </a:r>
+            <a:r>
+              <a:rPr lang="bg-BG" sz="3200" dirty="0"/>
+              <a:t>презентации, примери, демонстрационен код, упражнения, домашни, видео и други активи</a:t>
+            </a:r>
+            <a:r>
+              <a:rPr lang="en-US" sz="3200" dirty="0"/>
+              <a:t>) </a:t>
+            </a:r>
+            <a:r>
+              <a:rPr lang="bg-BG" sz="3200" dirty="0"/>
+              <a:t>представлява</a:t>
+            </a:r>
+            <a:r>
+              <a:rPr lang="en-US" sz="3200" dirty="0"/>
+              <a:t> </a:t>
+            </a:r>
+            <a:r>
+              <a:rPr lang="bg-BG" sz="3200" b="1" dirty="0"/>
+              <a:t>свободно учебно съдържание </a:t>
+            </a:r>
+            <a:r>
+              <a:rPr lang="bg-BG" sz="3200" dirty="0"/>
+              <a:t>и се разпространява под свободен лиценз </a:t>
+            </a:r>
+            <a:r>
+              <a:rPr lang="en-US" sz="3200" b="1" dirty="0"/>
+              <a:t>CC-BY-NC-SA</a:t>
+            </a:r>
+            <a:endParaRPr lang="bg-BG" sz="3200" dirty="0"/>
+          </a:p>
+        </p:txBody>
+      </p:sp>
+      <p:pic>
+        <p:nvPicPr>
+          <p:cNvPr id="6" name="Picture License" descr="License">
+            <a:extLst>
+              <a:ext uri="{FF2B5EF4-FFF2-40B4-BE49-F238E27FC236}">
+                <a16:creationId xmlns:a16="http://schemas.microsoft.com/office/drawing/2014/main" id="{82BA520F-A037-4E01-AA18-27D9F1E930A6}"/>
+              </a:ext>
+            </a:extLst>
+          </p:cNvPr>
+          <p:cNvPicPr>
+            <a:picLocks noChangeAspect="1"/>
+          </p:cNvPicPr>
+          <p:nvPr/>
+        </p:nvPicPr>
+        <p:blipFill>
+          <a:blip r:embed="rId3">
+            <a:clrChange>
+              <a:clrFrom>
+                <a:srgbClr val="FFFFFF"/>
+              </a:clrFrom>
+              <a:clrTo>
+                <a:srgbClr val="FFFFFF">
+                  <a:alpha val="0"/>
+                </a:srgbClr>
+              </a:clrTo>
+            </a:clrChange>
+          </a:blip>
+          <a:stretch>
+            <a:fillRect/>
+          </a:stretch>
+        </p:blipFill>
+        <p:spPr>
+          <a:xfrm>
+            <a:off x="10226175" y="1440120"/>
+            <a:ext cx="1198986" cy="1268880"/>
+          </a:xfrm>
+          <a:prstGeom prst="rect">
+            <a:avLst/>
+          </a:prstGeom>
+        </p:spPr>
+      </p:pic>
+      <p:sp>
+        <p:nvSpPr>
+          <p:cNvPr id="3" name="Slide Title">
+            <a:extLst>
+              <a:ext uri="{FF2B5EF4-FFF2-40B4-BE49-F238E27FC236}">
+                <a16:creationId xmlns:a16="http://schemas.microsoft.com/office/drawing/2014/main" id="{E5F1FB41-80C3-4816-BC47-CCC50632E6E8}"/>
+              </a:ext>
+            </a:extLst>
+          </p:cNvPr>
+          <p:cNvSpPr>
+            <a:spLocks noGrp="1"/>
+          </p:cNvSpPr>
+          <p:nvPr>
+            <p:ph type="title"/>
+          </p:nvPr>
+        </p:nvSpPr>
+        <p:spPr/>
+        <p:txBody>
+          <a:bodyPr/>
+          <a:lstStyle/>
+          <a:p>
+            <a:r>
+              <a:rPr lang="bg-BG" dirty="0"/>
+              <a:t>Лиценз</a:t>
+            </a:r>
+          </a:p>
+        </p:txBody>
+      </p:sp>
+      <p:sp>
+        <p:nvSpPr>
+          <p:cNvPr id="11" name="TextBox 10">
+            <a:extLst>
+              <a:ext uri="{FF2B5EF4-FFF2-40B4-BE49-F238E27FC236}">
+                <a16:creationId xmlns:a16="http://schemas.microsoft.com/office/drawing/2014/main" id="{0C18DF19-B750-4C88-975B-661A6BF61F5E}"/>
+              </a:ext>
+            </a:extLst>
+          </p:cNvPr>
+          <p:cNvSpPr txBox="1"/>
+          <p:nvPr/>
+        </p:nvSpPr>
+        <p:spPr>
+          <a:xfrm>
+            <a:off x="190401" y="3927519"/>
+            <a:ext cx="11710599" cy="1979644"/>
+          </a:xfrm>
+          <a:prstGeom prst="rect">
+            <a:avLst/>
+          </a:prstGeom>
+          <a:noFill/>
+          <a:ln w="12700">
+            <a:noFill/>
+          </a:ln>
+        </p:spPr>
+        <p:txBody>
+          <a:bodyPr wrap="square">
+            <a:spAutoFit/>
+          </a:bodyPr>
+          <a:lstStyle/>
+          <a:p>
+            <a:pPr marL="360363" indent="-360363" defTabSz="1218438">
+              <a:lnSpc>
+                <a:spcPct val="120000"/>
+              </a:lnSpc>
+              <a:spcBef>
+                <a:spcPts val="600"/>
+              </a:spcBef>
+              <a:spcAft>
+                <a:spcPts val="600"/>
+              </a:spcAft>
+              <a:buFont typeface="Wingdings" panose="05000000000000000000" pitchFamily="2" charset="2"/>
+              <a:buChar char="§"/>
+              <a:defRPr/>
+            </a:pPr>
+            <a:r>
+              <a:rPr lang="bg-BG" sz="3200" dirty="0"/>
+              <a:t>Проект "</a:t>
+            </a:r>
+            <a:r>
+              <a:rPr lang="bg-BG" sz="3200" b="1" dirty="0"/>
+              <a:t>Отворено учебно съдържание по програмиране и ИТ</a:t>
+            </a:r>
+            <a:r>
+              <a:rPr lang="bg-BG" sz="3200" dirty="0"/>
+              <a:t>" към Фондация "Софтуерен университет"</a:t>
+            </a:r>
+            <a:r>
+              <a:rPr lang="en-US" sz="3200" dirty="0"/>
+              <a:t>:</a:t>
+            </a:r>
+            <a:endParaRPr lang="bg-BG" sz="3200" dirty="0"/>
+          </a:p>
+          <a:p>
+            <a:pPr marL="817563" lvl="1" indent="-360363" defTabSz="1218438">
+              <a:lnSpc>
+                <a:spcPct val="120000"/>
+              </a:lnSpc>
+              <a:spcBef>
+                <a:spcPts val="600"/>
+              </a:spcBef>
+              <a:spcAft>
+                <a:spcPts val="600"/>
+              </a:spcAft>
+              <a:buFont typeface="Wingdings" panose="05000000000000000000" pitchFamily="2" charset="2"/>
+              <a:buChar char="§"/>
+              <a:defRPr/>
+            </a:pPr>
+            <a:r>
+              <a:rPr kumimoji="0" lang="en-US" sz="3200" b="0" i="0" u="none" strike="noStrike" kern="1200" cap="none" spc="0" normalizeH="0" baseline="0" noProof="0" dirty="0">
+                <a:ln>
+                  <a:noFill/>
+                </a:ln>
+                <a:solidFill>
+                  <a:srgbClr val="234465"/>
+                </a:solidFill>
+                <a:effectLst/>
+                <a:uLnTx/>
+                <a:uFillTx/>
+                <a:latin typeface="Calibri"/>
+                <a:ea typeface="+mn-ea"/>
+                <a:cs typeface="+mn-cs"/>
+                <a:hlinkClick r:id="rId4"/>
+              </a:rPr>
+              <a:t>https://github.com/BG-IT-Edu</a:t>
+            </a:r>
+            <a:endParaRPr kumimoji="0" lang="bg-BG" sz="3200" b="0" i="0" u="none" strike="noStrike" kern="1200" cap="none" spc="0" normalizeH="0" baseline="0" noProof="0" dirty="0">
+              <a:ln>
+                <a:noFill/>
+              </a:ln>
+              <a:solidFill>
+                <a:srgbClr val="234465"/>
+              </a:solidFill>
+              <a:effectLst/>
+              <a:uLnTx/>
+              <a:uFillTx/>
+              <a:latin typeface="Calibri"/>
+              <a:ea typeface="+mn-ea"/>
+              <a:cs typeface="+mn-cs"/>
+            </a:endParaRPr>
+          </a:p>
+        </p:txBody>
+      </p:sp>
+      <p:pic>
+        <p:nvPicPr>
+          <p:cNvPr id="7" name="Picture 6" title="CC-BY-NC-SA License">
+            <a:hlinkClick r:id="rId5" tooltip="This work is licensed under the &quot;Creative Commons Attribution-NonCommercial-ShareAlike 4.0 International&quot; license"/>
+            <a:extLst>
+              <a:ext uri="{FF2B5EF4-FFF2-40B4-BE49-F238E27FC236}">
+                <a16:creationId xmlns:a16="http://schemas.microsoft.com/office/drawing/2014/main" id="{F6C77C47-F7D8-A176-5C69-7FDE5C7E8003}"/>
+              </a:ext>
+            </a:extLst>
+          </p:cNvPr>
+          <p:cNvPicPr>
+            <a:picLocks noChangeAspect="1" noChangeArrowheads="1"/>
+          </p:cNvPicPr>
+          <p:nvPr/>
+        </p:nvPicPr>
+        <p:blipFill>
+          <a:blip r:embed="rId6">
+            <a:extLst>
+              <a:ext uri="{28A0092B-C50C-407E-A947-70E740481C1C}">
+                <a14:useLocalDpi xmlns:a14="http://schemas.microsoft.com/office/drawing/2010/main"/>
+              </a:ext>
+            </a:extLst>
+          </a:blip>
+          <a:srcRect/>
+          <a:stretch>
+            <a:fillRect/>
+          </a:stretch>
+        </p:blipFill>
+        <p:spPr bwMode="auto">
+          <a:xfrm>
+            <a:off x="9831000" y="2908593"/>
+            <a:ext cx="1989336" cy="696022"/>
+          </a:xfrm>
+          <a:prstGeom prst="roundRect">
+            <a:avLst>
+              <a:gd name="adj" fmla="val 3940"/>
+            </a:avLst>
+          </a:prstGeom>
+          <a:solidFill>
+            <a:srgbClr val="231F20">
+              <a:alpha val="50000"/>
+            </a:srgbClr>
+          </a:solidFill>
+          <a:ln>
+            <a:noFill/>
+          </a:ln>
+        </p:spPr>
+      </p:pic>
+    </p:spTree>
+    <p:extLst>
+      <p:ext uri="{BB962C8B-B14F-4D97-AF65-F5344CB8AC3E}">
+        <p14:creationId xmlns:p14="http://schemas.microsoft.com/office/powerpoint/2010/main" val="3879276042"/>
+      </p:ext>
+    </p:extLst>
+  </p:cSld>
+  <p:clrMapOvr>
+    <a:masterClrMapping/>
+  </p:clrMapOvr>
+  <mc:AlternateContent xmlns:mc="http://schemas.openxmlformats.org/markup-compatibility/2006" xmlns:p14="http://schemas.microsoft.com/office/powerpoint/2010/main">
+    <mc:Choice Requires="p14">
+      <p:transition spd="slow" p14:dur="2000" advClick="0" advTm="5000"/>
+    </mc:Choice>
+    <mc:Fallback xmlns="">
+      <p:transition spd="slow" advClick="0" advTm="5000"/>
+    </mc:Fallback>
+  </mc:AlternateContent>
 </p:sld>
 </file>
 
